--- a/Graduate Certificate in Intelligent Reasoning Systems/Project Presentaion/ITSS_Reasoning Systems - Project Proposal.pptx
+++ b/Graduate Certificate in Intelligent Reasoning Systems/Project Presentaion/ITSS_Reasoning Systems - Project Proposal.pptx
@@ -3,33 +3,40 @@
 <p:presentation xmlns:a="http://schemas.openxmlformats.org/drawingml/2006/main" xmlns:r="http://schemas.openxmlformats.org/officeDocument/2006/relationships" xmlns:p="http://schemas.openxmlformats.org/presentationml/2006/main" showSpecialPlsOnTitleSld="0" saveSubsetFonts="1">
   <p:sldMasterIdLst>
     <p:sldMasterId id="2147483693" r:id="rId1"/>
+    <p:sldMasterId id="2147483701" r:id="rId2"/>
   </p:sldMasterIdLst>
   <p:notesMasterIdLst>
-    <p:notesMasterId r:id="rId16"/>
+    <p:notesMasterId r:id="rId23"/>
   </p:notesMasterIdLst>
   <p:handoutMasterIdLst>
-    <p:handoutMasterId r:id="rId17"/>
+    <p:handoutMasterId r:id="rId24"/>
   </p:handoutMasterIdLst>
   <p:sldIdLst>
-    <p:sldId id="336" r:id="rId2"/>
-    <p:sldId id="368" r:id="rId3"/>
-    <p:sldId id="369" r:id="rId4"/>
-    <p:sldId id="363" r:id="rId5"/>
-    <p:sldId id="364" r:id="rId6"/>
-    <p:sldId id="370" r:id="rId7"/>
-    <p:sldId id="360" r:id="rId8"/>
-    <p:sldId id="361" r:id="rId9"/>
-    <p:sldId id="367" r:id="rId10"/>
-    <p:sldId id="371" r:id="rId11"/>
-    <p:sldId id="365" r:id="rId12"/>
-    <p:sldId id="372" r:id="rId13"/>
-    <p:sldId id="366" r:id="rId14"/>
-    <p:sldId id="356" r:id="rId15"/>
+    <p:sldId id="336" r:id="rId3"/>
+    <p:sldId id="368" r:id="rId4"/>
+    <p:sldId id="369" r:id="rId5"/>
+    <p:sldId id="363" r:id="rId6"/>
+    <p:sldId id="364" r:id="rId7"/>
+    <p:sldId id="370" r:id="rId8"/>
+    <p:sldId id="360" r:id="rId9"/>
+    <p:sldId id="361" r:id="rId10"/>
+    <p:sldId id="367" r:id="rId11"/>
+    <p:sldId id="371" r:id="rId12"/>
+    <p:sldId id="365" r:id="rId13"/>
+    <p:sldId id="374" r:id="rId14"/>
+    <p:sldId id="375" r:id="rId15"/>
+    <p:sldId id="376" r:id="rId16"/>
+    <p:sldId id="377" r:id="rId17"/>
+    <p:sldId id="378" r:id="rId18"/>
+    <p:sldId id="372" r:id="rId19"/>
+    <p:sldId id="366" r:id="rId20"/>
+    <p:sldId id="356" r:id="rId21"/>
+    <p:sldId id="396" r:id="rId22"/>
   </p:sldIdLst>
   <p:sldSz cx="9144000" cy="6858000" type="screen4x3"/>
   <p:notesSz cx="6797675" cy="9926638"/>
   <p:custDataLst>
-    <p:tags r:id="rId18"/>
+    <p:tags r:id="rId25"/>
   </p:custDataLst>
   <p:defaultTextStyle>
     <a:defPPr>
@@ -14677,7 +14684,7 @@
             <a:fld id="{43F1A4C9-FB5C-B247-A357-650712A3F0A8}" type="datetimeFigureOut">
               <a:rPr lang="en-US" smtClean="0"/>
               <a:pPr/>
-              <a:t>7/19/2023</a:t>
+              <a:t>10/8/2023</a:t>
             </a:fld>
             <a:endParaRPr lang="en-US" dirty="0"/>
           </a:p>
@@ -14845,7 +14852,7 @@
             <a:fld id="{EA4960E5-F060-4C88-B1C5-5A6F5890BEF6}" type="datetimeFigureOut">
               <a:rPr lang="en-SG" smtClean="0"/>
               <a:pPr/>
-              <a:t>19/7/2023</a:t>
+              <a:t>8/10/2023</a:t>
             </a:fld>
             <a:endParaRPr lang="en-SG" dirty="0"/>
           </a:p>
@@ -15488,6 +15495,1510 @@
     <p:extLst>
       <p:ext uri="{BB962C8B-B14F-4D97-AF65-F5344CB8AC3E}">
         <p14:creationId xmlns:p14="http://schemas.microsoft.com/office/powerpoint/2010/main" val="895652267"/>
+      </p:ext>
+    </p:extLst>
+  </p:cSld>
+  <p:clrMapOvr>
+    <a:masterClrMapping/>
+  </p:clrMapOvr>
+</p:sldLayout>
+</file>
+
+<file path=ppt/slideLayouts/slideLayout10.xml><?xml version="1.0" encoding="utf-8"?>
+<p:sldLayout xmlns:a="http://schemas.openxmlformats.org/drawingml/2006/main" xmlns:r="http://schemas.openxmlformats.org/officeDocument/2006/relationships" xmlns:p="http://schemas.openxmlformats.org/presentationml/2006/main" preserve="1">
+  <p:cSld name="Title and Content">
+    <p:spTree>
+      <p:nvGrpSpPr>
+        <p:cNvPr id="1" name=""/>
+        <p:cNvGrpSpPr/>
+        <p:nvPr/>
+      </p:nvGrpSpPr>
+      <p:grpSpPr>
+        <a:xfrm>
+          <a:off x="0" y="0"/>
+          <a:ext cx="0" cy="0"/>
+          <a:chOff x="0" y="0"/>
+          <a:chExt cx="0" cy="0"/>
+        </a:xfrm>
+      </p:grpSpPr>
+      <p:sp>
+        <p:nvSpPr>
+          <p:cNvPr id="2" name="Title 1"/>
+          <p:cNvSpPr>
+            <a:spLocks noGrp="1"/>
+          </p:cNvSpPr>
+          <p:nvPr>
+            <p:ph type="title" hasCustomPrompt="1"/>
+          </p:nvPr>
+        </p:nvSpPr>
+        <p:spPr>
+          <a:xfrm>
+            <a:off x="628650" y="250831"/>
+            <a:ext cx="6600413" cy="545561"/>
+          </a:xfrm>
+        </p:spPr>
+        <p:txBody>
+          <a:bodyPr>
+            <a:normAutofit/>
+          </a:bodyPr>
+          <a:lstStyle>
+            <a:lvl1pPr>
+              <a:defRPr sz="3200" b="1" cap="none" baseline="0">
+                <a:solidFill>
+                  <a:srgbClr val="173F7E"/>
+                </a:solidFill>
+                <a:latin typeface="Arial" panose="020B0604020202020204" pitchFamily="34" charset="0"/>
+                <a:cs typeface="Arial" panose="020B0604020202020204" pitchFamily="34" charset="0"/>
+              </a:defRPr>
+            </a:lvl1pPr>
+          </a:lstStyle>
+          <a:p>
+            <a:r>
+              <a:rPr lang="en-US" dirty="0"/>
+              <a:t>Title</a:t>
+            </a:r>
+          </a:p>
+        </p:txBody>
+      </p:sp>
+      <p:pic>
+        <p:nvPicPr>
+          <p:cNvPr id="7" name="Picture 6"/>
+          <p:cNvPicPr>
+            <a:picLocks noChangeAspect="1"/>
+          </p:cNvPicPr>
+          <p:nvPr/>
+        </p:nvPicPr>
+        <p:blipFill>
+          <a:blip r:embed="rId2" cstate="print">
+            <a:extLst>
+              <a:ext uri="{28A0092B-C50C-407E-A947-70E740481C1C}">
+                <a14:useLocalDpi xmlns:a14="http://schemas.microsoft.com/office/drawing/2010/main" val="0"/>
+              </a:ext>
+            </a:extLst>
+          </a:blip>
+          <a:stretch>
+            <a:fillRect/>
+          </a:stretch>
+        </p:blipFill>
+        <p:spPr>
+          <a:xfrm>
+            <a:off x="1988" y="250831"/>
+            <a:ext cx="583844" cy="545560"/>
+          </a:xfrm>
+          <a:prstGeom prst="rect">
+            <a:avLst/>
+          </a:prstGeom>
+        </p:spPr>
+      </p:pic>
+      <p:sp>
+        <p:nvSpPr>
+          <p:cNvPr id="8" name="Content Placeholder 7"/>
+          <p:cNvSpPr>
+            <a:spLocks noGrp="1"/>
+          </p:cNvSpPr>
+          <p:nvPr>
+            <p:ph sz="quarter" idx="13" hasCustomPrompt="1"/>
+          </p:nvPr>
+        </p:nvSpPr>
+        <p:spPr>
+          <a:xfrm>
+            <a:off x="628650" y="1182205"/>
+            <a:ext cx="7886700" cy="4651375"/>
+          </a:xfrm>
+        </p:spPr>
+        <p:txBody>
+          <a:bodyPr/>
+          <a:lstStyle>
+            <a:lvl1pPr marL="357188" indent="-357188" algn="just">
+              <a:lnSpc>
+                <a:spcPct val="120000"/>
+              </a:lnSpc>
+              <a:defRPr b="1">
+                <a:solidFill>
+                  <a:srgbClr val="F58220"/>
+                </a:solidFill>
+              </a:defRPr>
+            </a:lvl1pPr>
+            <a:lvl2pPr marL="804863" indent="-447675" algn="just">
+              <a:lnSpc>
+                <a:spcPct val="120000"/>
+              </a:lnSpc>
+              <a:defRPr>
+                <a:solidFill>
+                  <a:schemeClr val="tx1">
+                    <a:lumMod val="75000"/>
+                    <a:lumOff val="25000"/>
+                  </a:schemeClr>
+                </a:solidFill>
+              </a:defRPr>
+            </a:lvl2pPr>
+            <a:lvl3pPr marL="1163638" indent="-358775" algn="just">
+              <a:lnSpc>
+                <a:spcPct val="120000"/>
+              </a:lnSpc>
+              <a:defRPr>
+                <a:solidFill>
+                  <a:schemeClr val="tx1">
+                    <a:lumMod val="75000"/>
+                    <a:lumOff val="25000"/>
+                  </a:schemeClr>
+                </a:solidFill>
+              </a:defRPr>
+            </a:lvl3pPr>
+            <a:lvl4pPr marL="1520825" indent="-357188" algn="just">
+              <a:lnSpc>
+                <a:spcPct val="120000"/>
+              </a:lnSpc>
+              <a:buFont typeface="Arial" panose="020B0604020202020204" pitchFamily="34" charset="0"/>
+              <a:buChar char="─"/>
+              <a:defRPr>
+                <a:solidFill>
+                  <a:schemeClr val="tx1">
+                    <a:lumMod val="75000"/>
+                    <a:lumOff val="25000"/>
+                  </a:schemeClr>
+                </a:solidFill>
+              </a:defRPr>
+            </a:lvl4pPr>
+            <a:lvl5pPr>
+              <a:defRPr>
+                <a:solidFill>
+                  <a:schemeClr val="tx1">
+                    <a:lumMod val="75000"/>
+                    <a:lumOff val="25000"/>
+                  </a:schemeClr>
+                </a:solidFill>
+              </a:defRPr>
+            </a:lvl5pPr>
+          </a:lstStyle>
+          <a:p>
+            <a:pPr lvl="0"/>
+            <a:r>
+              <a:rPr lang="en-US" dirty="0"/>
+              <a:t>Level 1</a:t>
+            </a:r>
+          </a:p>
+          <a:p>
+            <a:pPr lvl="1"/>
+            <a:r>
+              <a:rPr lang="en-US" dirty="0"/>
+              <a:t>Level 2</a:t>
+            </a:r>
+          </a:p>
+          <a:p>
+            <a:pPr lvl="2"/>
+            <a:r>
+              <a:rPr lang="en-US" dirty="0"/>
+              <a:t>Level 3</a:t>
+            </a:r>
+          </a:p>
+          <a:p>
+            <a:pPr lvl="3"/>
+            <a:r>
+              <a:rPr lang="en-US" dirty="0"/>
+              <a:t>Level 4</a:t>
+            </a:r>
+          </a:p>
+        </p:txBody>
+      </p:sp>
+      <p:pic>
+        <p:nvPicPr>
+          <p:cNvPr id="9" name="Picture 8"/>
+          <p:cNvPicPr>
+            <a:picLocks noChangeAspect="1"/>
+          </p:cNvPicPr>
+          <p:nvPr userDrawn="1"/>
+        </p:nvPicPr>
+        <p:blipFill>
+          <a:blip r:embed="rId2" cstate="print">
+            <a:extLst>
+              <a:ext uri="{28A0092B-C50C-407E-A947-70E740481C1C}">
+                <a14:useLocalDpi xmlns:a14="http://schemas.microsoft.com/office/drawing/2010/main" val="0"/>
+              </a:ext>
+            </a:extLst>
+          </a:blip>
+          <a:stretch>
+            <a:fillRect/>
+          </a:stretch>
+        </p:blipFill>
+        <p:spPr>
+          <a:xfrm>
+            <a:off x="1988" y="250831"/>
+            <a:ext cx="583844" cy="545560"/>
+          </a:xfrm>
+          <a:prstGeom prst="rect">
+            <a:avLst/>
+          </a:prstGeom>
+        </p:spPr>
+      </p:pic>
+      <p:pic>
+        <p:nvPicPr>
+          <p:cNvPr id="10" name="Picture 9"/>
+          <p:cNvPicPr>
+            <a:picLocks noChangeAspect="1"/>
+          </p:cNvPicPr>
+          <p:nvPr userDrawn="1"/>
+        </p:nvPicPr>
+        <p:blipFill>
+          <a:blip r:embed="rId3" cstate="print">
+            <a:extLst>
+              <a:ext uri="{28A0092B-C50C-407E-A947-70E740481C1C}">
+                <a14:useLocalDpi xmlns:a14="http://schemas.microsoft.com/office/drawing/2010/main" val="0"/>
+              </a:ext>
+            </a:extLst>
+          </a:blip>
+          <a:stretch>
+            <a:fillRect/>
+          </a:stretch>
+        </p:blipFill>
+        <p:spPr>
+          <a:xfrm>
+            <a:off x="7229063" y="-3081"/>
+            <a:ext cx="1912776" cy="645447"/>
+          </a:xfrm>
+          <a:prstGeom prst="rect">
+            <a:avLst/>
+          </a:prstGeom>
+        </p:spPr>
+      </p:pic>
+      <p:sp>
+        <p:nvSpPr>
+          <p:cNvPr id="12" name="Slide Number Placeholder 5"/>
+          <p:cNvSpPr>
+            <a:spLocks noGrp="1"/>
+          </p:cNvSpPr>
+          <p:nvPr>
+            <p:ph type="sldNum" sz="quarter" idx="4"/>
+          </p:nvPr>
+        </p:nvSpPr>
+        <p:spPr>
+          <a:xfrm>
+            <a:off x="7998691" y="6492874"/>
+            <a:ext cx="1145309" cy="365126"/>
+          </a:xfrm>
+          <a:prstGeom prst="rect">
+            <a:avLst/>
+          </a:prstGeom>
+        </p:spPr>
+        <p:txBody>
+          <a:bodyPr vert="horz" lIns="91440" tIns="45720" rIns="91440" bIns="45720" rtlCol="0" anchor="ctr"/>
+          <a:lstStyle>
+            <a:lvl1pPr algn="r">
+              <a:defRPr sz="1000">
+                <a:solidFill>
+                  <a:schemeClr val="tx1">
+                    <a:tint val="75000"/>
+                  </a:schemeClr>
+                </a:solidFill>
+                <a:latin typeface="Arial" panose="020B0604020202020204" pitchFamily="34" charset="0"/>
+                <a:cs typeface="Arial" panose="020B0604020202020204" pitchFamily="34" charset="0"/>
+              </a:defRPr>
+            </a:lvl1pPr>
+          </a:lstStyle>
+          <a:p>
+            <a:r>
+              <a:rPr lang="en-SG" dirty="0"/>
+              <a:t>Page </a:t>
+            </a:r>
+            <a:fld id="{2F63C605-4FC6-46DE-BC90-871762EA3F52}" type="slidenum">
+              <a:rPr lang="en-SG" smtClean="0"/>
+              <a:pPr/>
+              <a:t>‹#›</a:t>
+            </a:fld>
+            <a:endParaRPr lang="en-SG" dirty="0"/>
+          </a:p>
+        </p:txBody>
+      </p:sp>
+    </p:spTree>
+    <p:extLst>
+      <p:ext uri="{BB962C8B-B14F-4D97-AF65-F5344CB8AC3E}">
+        <p14:creationId xmlns:p14="http://schemas.microsoft.com/office/powerpoint/2010/main" val="252351578"/>
+      </p:ext>
+    </p:extLst>
+  </p:cSld>
+  <p:clrMapOvr>
+    <a:masterClrMapping/>
+  </p:clrMapOvr>
+</p:sldLayout>
+</file>
+
+<file path=ppt/slideLayouts/slideLayout11.xml><?xml version="1.0" encoding="utf-8"?>
+<p:sldLayout xmlns:a="http://schemas.openxmlformats.org/drawingml/2006/main" xmlns:r="http://schemas.openxmlformats.org/officeDocument/2006/relationships" xmlns:p="http://schemas.openxmlformats.org/presentationml/2006/main" preserve="1">
+  <p:cSld name="Two Content">
+    <p:spTree>
+      <p:nvGrpSpPr>
+        <p:cNvPr id="1" name=""/>
+        <p:cNvGrpSpPr/>
+        <p:nvPr/>
+      </p:nvGrpSpPr>
+      <p:grpSpPr>
+        <a:xfrm>
+          <a:off x="0" y="0"/>
+          <a:ext cx="0" cy="0"/>
+          <a:chOff x="0" y="0"/>
+          <a:chExt cx="0" cy="0"/>
+        </a:xfrm>
+      </p:grpSpPr>
+      <p:sp>
+        <p:nvSpPr>
+          <p:cNvPr id="2" name="Title 1"/>
+          <p:cNvSpPr>
+            <a:spLocks noGrp="1"/>
+          </p:cNvSpPr>
+          <p:nvPr>
+            <p:ph type="title" hasCustomPrompt="1"/>
+          </p:nvPr>
+        </p:nvSpPr>
+        <p:spPr>
+          <a:xfrm>
+            <a:off x="628650" y="250831"/>
+            <a:ext cx="6600413" cy="545561"/>
+          </a:xfrm>
+        </p:spPr>
+        <p:txBody>
+          <a:bodyPr>
+            <a:normAutofit/>
+          </a:bodyPr>
+          <a:lstStyle>
+            <a:lvl1pPr>
+              <a:defRPr sz="3200" b="1" cap="none" baseline="0">
+                <a:solidFill>
+                  <a:srgbClr val="173F7E"/>
+                </a:solidFill>
+                <a:latin typeface="Arial" panose="020B0604020202020204" pitchFamily="34" charset="0"/>
+                <a:cs typeface="Arial" panose="020B0604020202020204" pitchFamily="34" charset="0"/>
+              </a:defRPr>
+            </a:lvl1pPr>
+          </a:lstStyle>
+          <a:p>
+            <a:r>
+              <a:rPr lang="en-US" dirty="0"/>
+              <a:t>Title</a:t>
+            </a:r>
+          </a:p>
+        </p:txBody>
+      </p:sp>
+      <p:pic>
+        <p:nvPicPr>
+          <p:cNvPr id="7" name="Picture 6"/>
+          <p:cNvPicPr>
+            <a:picLocks noChangeAspect="1"/>
+          </p:cNvPicPr>
+          <p:nvPr/>
+        </p:nvPicPr>
+        <p:blipFill>
+          <a:blip r:embed="rId2" cstate="print">
+            <a:extLst>
+              <a:ext uri="{28A0092B-C50C-407E-A947-70E740481C1C}">
+                <a14:useLocalDpi xmlns:a14="http://schemas.microsoft.com/office/drawing/2010/main" val="0"/>
+              </a:ext>
+            </a:extLst>
+          </a:blip>
+          <a:stretch>
+            <a:fillRect/>
+          </a:stretch>
+        </p:blipFill>
+        <p:spPr>
+          <a:xfrm>
+            <a:off x="1988" y="250831"/>
+            <a:ext cx="583844" cy="545560"/>
+          </a:xfrm>
+          <a:prstGeom prst="rect">
+            <a:avLst/>
+          </a:prstGeom>
+        </p:spPr>
+      </p:pic>
+      <p:sp>
+        <p:nvSpPr>
+          <p:cNvPr id="13" name="Content Placeholder 12"/>
+          <p:cNvSpPr>
+            <a:spLocks noGrp="1"/>
+          </p:cNvSpPr>
+          <p:nvPr>
+            <p:ph sz="quarter" idx="14" hasCustomPrompt="1"/>
+          </p:nvPr>
+        </p:nvSpPr>
+        <p:spPr>
+          <a:xfrm>
+            <a:off x="4760913" y="1166813"/>
+            <a:ext cx="3754437" cy="4143375"/>
+          </a:xfrm>
+        </p:spPr>
+        <p:txBody>
+          <a:bodyPr/>
+          <a:lstStyle>
+            <a:lvl1pPr marL="357188" indent="-357188">
+              <a:defRPr b="1">
+                <a:solidFill>
+                  <a:srgbClr val="F58220"/>
+                </a:solidFill>
+              </a:defRPr>
+            </a:lvl1pPr>
+            <a:lvl2pPr marL="685800" indent="-328613">
+              <a:defRPr>
+                <a:solidFill>
+                  <a:schemeClr val="tx1">
+                    <a:lumMod val="75000"/>
+                    <a:lumOff val="25000"/>
+                  </a:schemeClr>
+                </a:solidFill>
+              </a:defRPr>
+            </a:lvl2pPr>
+            <a:lvl3pPr marL="984250" indent="-268288">
+              <a:defRPr baseline="0">
+                <a:solidFill>
+                  <a:schemeClr val="tx1">
+                    <a:lumMod val="75000"/>
+                    <a:lumOff val="25000"/>
+                  </a:schemeClr>
+                </a:solidFill>
+              </a:defRPr>
+            </a:lvl3pPr>
+            <a:lvl4pPr marL="1341438" indent="-357188">
+              <a:buFont typeface="Arial" panose="020B0604020202020204" pitchFamily="34" charset="0"/>
+              <a:buChar char="─"/>
+              <a:defRPr>
+                <a:solidFill>
+                  <a:schemeClr val="tx1">
+                    <a:lumMod val="75000"/>
+                    <a:lumOff val="25000"/>
+                  </a:schemeClr>
+                </a:solidFill>
+              </a:defRPr>
+            </a:lvl4pPr>
+            <a:lvl5pPr>
+              <a:defRPr>
+                <a:solidFill>
+                  <a:schemeClr val="tx1">
+                    <a:lumMod val="75000"/>
+                    <a:lumOff val="25000"/>
+                  </a:schemeClr>
+                </a:solidFill>
+              </a:defRPr>
+            </a:lvl5pPr>
+          </a:lstStyle>
+          <a:p>
+            <a:pPr lvl="0"/>
+            <a:r>
+              <a:rPr lang="en-US" dirty="0"/>
+              <a:t>Level 1</a:t>
+            </a:r>
+          </a:p>
+          <a:p>
+            <a:pPr lvl="1"/>
+            <a:r>
+              <a:rPr lang="en-US" dirty="0"/>
+              <a:t>Level 2</a:t>
+            </a:r>
+          </a:p>
+          <a:p>
+            <a:pPr lvl="2"/>
+            <a:r>
+              <a:rPr lang="en-US" dirty="0"/>
+              <a:t>Level 3</a:t>
+            </a:r>
+          </a:p>
+          <a:p>
+            <a:pPr lvl="3"/>
+            <a:r>
+              <a:rPr lang="en-US" dirty="0"/>
+              <a:t>Level 4</a:t>
+            </a:r>
+          </a:p>
+        </p:txBody>
+      </p:sp>
+      <p:sp>
+        <p:nvSpPr>
+          <p:cNvPr id="15" name="Content Placeholder 14"/>
+          <p:cNvSpPr>
+            <a:spLocks noGrp="1"/>
+          </p:cNvSpPr>
+          <p:nvPr>
+            <p:ph sz="quarter" idx="15" hasCustomPrompt="1"/>
+          </p:nvPr>
+        </p:nvSpPr>
+        <p:spPr>
+          <a:xfrm>
+            <a:off x="628650" y="1166812"/>
+            <a:ext cx="3843959" cy="4143375"/>
+          </a:xfrm>
+        </p:spPr>
+        <p:txBody>
+          <a:bodyPr/>
+          <a:lstStyle>
+            <a:lvl1pPr marL="357188" indent="-357188">
+              <a:defRPr b="1">
+                <a:solidFill>
+                  <a:srgbClr val="F58220"/>
+                </a:solidFill>
+              </a:defRPr>
+            </a:lvl1pPr>
+            <a:lvl2pPr marL="685800" indent="-328613">
+              <a:defRPr>
+                <a:solidFill>
+                  <a:schemeClr val="tx1">
+                    <a:lumMod val="75000"/>
+                    <a:lumOff val="25000"/>
+                  </a:schemeClr>
+                </a:solidFill>
+              </a:defRPr>
+            </a:lvl2pPr>
+            <a:lvl3pPr marL="984250" indent="-268288">
+              <a:defRPr>
+                <a:solidFill>
+                  <a:schemeClr val="tx1">
+                    <a:lumMod val="75000"/>
+                    <a:lumOff val="25000"/>
+                  </a:schemeClr>
+                </a:solidFill>
+              </a:defRPr>
+            </a:lvl3pPr>
+            <a:lvl4pPr marL="1341438" indent="-357188">
+              <a:buFont typeface="Arial" panose="020B0604020202020204" pitchFamily="34" charset="0"/>
+              <a:buChar char="─"/>
+              <a:defRPr>
+                <a:solidFill>
+                  <a:schemeClr val="tx1">
+                    <a:lumMod val="75000"/>
+                    <a:lumOff val="25000"/>
+                  </a:schemeClr>
+                </a:solidFill>
+              </a:defRPr>
+            </a:lvl4pPr>
+          </a:lstStyle>
+          <a:p>
+            <a:pPr lvl="0"/>
+            <a:r>
+              <a:rPr lang="en-US" dirty="0"/>
+              <a:t>Level 1</a:t>
+            </a:r>
+          </a:p>
+          <a:p>
+            <a:pPr lvl="1"/>
+            <a:r>
+              <a:rPr lang="en-US" dirty="0"/>
+              <a:t>Level 2</a:t>
+            </a:r>
+          </a:p>
+          <a:p>
+            <a:pPr lvl="2"/>
+            <a:r>
+              <a:rPr lang="en-US" dirty="0"/>
+              <a:t>Level 3</a:t>
+            </a:r>
+          </a:p>
+          <a:p>
+            <a:pPr lvl="3"/>
+            <a:r>
+              <a:rPr lang="en-US" dirty="0"/>
+              <a:t>Level 4</a:t>
+            </a:r>
+          </a:p>
+        </p:txBody>
+      </p:sp>
+      <p:pic>
+        <p:nvPicPr>
+          <p:cNvPr id="9" name="Picture 8"/>
+          <p:cNvPicPr>
+            <a:picLocks noChangeAspect="1"/>
+          </p:cNvPicPr>
+          <p:nvPr userDrawn="1"/>
+        </p:nvPicPr>
+        <p:blipFill>
+          <a:blip r:embed="rId2" cstate="print">
+            <a:extLst>
+              <a:ext uri="{28A0092B-C50C-407E-A947-70E740481C1C}">
+                <a14:useLocalDpi xmlns:a14="http://schemas.microsoft.com/office/drawing/2010/main" val="0"/>
+              </a:ext>
+            </a:extLst>
+          </a:blip>
+          <a:stretch>
+            <a:fillRect/>
+          </a:stretch>
+        </p:blipFill>
+        <p:spPr>
+          <a:xfrm>
+            <a:off x="1988" y="250831"/>
+            <a:ext cx="583844" cy="545560"/>
+          </a:xfrm>
+          <a:prstGeom prst="rect">
+            <a:avLst/>
+          </a:prstGeom>
+        </p:spPr>
+      </p:pic>
+      <p:pic>
+        <p:nvPicPr>
+          <p:cNvPr id="10" name="Picture 9"/>
+          <p:cNvPicPr>
+            <a:picLocks noChangeAspect="1"/>
+          </p:cNvPicPr>
+          <p:nvPr userDrawn="1"/>
+        </p:nvPicPr>
+        <p:blipFill>
+          <a:blip r:embed="rId3" cstate="print">
+            <a:extLst>
+              <a:ext uri="{28A0092B-C50C-407E-A947-70E740481C1C}">
+                <a14:useLocalDpi xmlns:a14="http://schemas.microsoft.com/office/drawing/2010/main" val="0"/>
+              </a:ext>
+            </a:extLst>
+          </a:blip>
+          <a:stretch>
+            <a:fillRect/>
+          </a:stretch>
+        </p:blipFill>
+        <p:spPr>
+          <a:xfrm>
+            <a:off x="7229063" y="-3081"/>
+            <a:ext cx="1912776" cy="645447"/>
+          </a:xfrm>
+          <a:prstGeom prst="rect">
+            <a:avLst/>
+          </a:prstGeom>
+        </p:spPr>
+      </p:pic>
+      <p:sp>
+        <p:nvSpPr>
+          <p:cNvPr id="11" name="Slide Number Placeholder 5"/>
+          <p:cNvSpPr>
+            <a:spLocks noGrp="1"/>
+          </p:cNvSpPr>
+          <p:nvPr>
+            <p:ph type="sldNum" sz="quarter" idx="4"/>
+          </p:nvPr>
+        </p:nvSpPr>
+        <p:spPr>
+          <a:xfrm>
+            <a:off x="7998691" y="6492874"/>
+            <a:ext cx="1145309" cy="365126"/>
+          </a:xfrm>
+          <a:prstGeom prst="rect">
+            <a:avLst/>
+          </a:prstGeom>
+        </p:spPr>
+        <p:txBody>
+          <a:bodyPr vert="horz" lIns="91440" tIns="45720" rIns="91440" bIns="45720" rtlCol="0" anchor="ctr"/>
+          <a:lstStyle>
+            <a:lvl1pPr algn="r">
+              <a:defRPr sz="1000">
+                <a:solidFill>
+                  <a:schemeClr val="tx1">
+                    <a:tint val="75000"/>
+                  </a:schemeClr>
+                </a:solidFill>
+                <a:latin typeface="Arial" panose="020B0604020202020204" pitchFamily="34" charset="0"/>
+                <a:cs typeface="Arial" panose="020B0604020202020204" pitchFamily="34" charset="0"/>
+              </a:defRPr>
+            </a:lvl1pPr>
+          </a:lstStyle>
+          <a:p>
+            <a:r>
+              <a:rPr lang="en-SG" dirty="0"/>
+              <a:t>Page </a:t>
+            </a:r>
+            <a:fld id="{2F63C605-4FC6-46DE-BC90-871762EA3F52}" type="slidenum">
+              <a:rPr lang="en-SG" smtClean="0"/>
+              <a:pPr/>
+              <a:t>‹#›</a:t>
+            </a:fld>
+            <a:endParaRPr lang="en-SG" dirty="0"/>
+          </a:p>
+        </p:txBody>
+      </p:sp>
+    </p:spTree>
+    <p:extLst>
+      <p:ext uri="{BB962C8B-B14F-4D97-AF65-F5344CB8AC3E}">
+        <p14:creationId xmlns:p14="http://schemas.microsoft.com/office/powerpoint/2010/main" val="989797396"/>
+      </p:ext>
+    </p:extLst>
+  </p:cSld>
+  <p:clrMapOvr>
+    <a:masterClrMapping/>
+  </p:clrMapOvr>
+</p:sldLayout>
+</file>
+
+<file path=ppt/slideLayouts/slideLayout12.xml><?xml version="1.0" encoding="utf-8"?>
+<p:sldLayout xmlns:a="http://schemas.openxmlformats.org/drawingml/2006/main" xmlns:r="http://schemas.openxmlformats.org/officeDocument/2006/relationships" xmlns:p="http://schemas.openxmlformats.org/presentationml/2006/main" preserve="1">
+  <p:cSld name="Section Header">
+    <p:spTree>
+      <p:nvGrpSpPr>
+        <p:cNvPr id="1" name=""/>
+        <p:cNvGrpSpPr/>
+        <p:nvPr/>
+      </p:nvGrpSpPr>
+      <p:grpSpPr>
+        <a:xfrm>
+          <a:off x="0" y="0"/>
+          <a:ext cx="0" cy="0"/>
+          <a:chOff x="0" y="0"/>
+          <a:chExt cx="0" cy="0"/>
+        </a:xfrm>
+      </p:grpSpPr>
+      <p:sp>
+        <p:nvSpPr>
+          <p:cNvPr id="6" name="Title 1"/>
+          <p:cNvSpPr>
+            <a:spLocks noGrp="1"/>
+          </p:cNvSpPr>
+          <p:nvPr>
+            <p:ph type="ctrTitle" hasCustomPrompt="1"/>
+          </p:nvPr>
+        </p:nvSpPr>
+        <p:spPr>
+          <a:xfrm>
+            <a:off x="841814" y="3318389"/>
+            <a:ext cx="7411601" cy="1280230"/>
+          </a:xfrm>
+        </p:spPr>
+        <p:txBody>
+          <a:bodyPr anchor="t">
+            <a:normAutofit/>
+          </a:bodyPr>
+          <a:lstStyle>
+            <a:lvl1pPr algn="l">
+              <a:defRPr sz="4400" b="1" cap="all" baseline="0">
+                <a:solidFill>
+                  <a:srgbClr val="173F7E"/>
+                </a:solidFill>
+                <a:latin typeface="Arial" panose="020B0604020202020204" pitchFamily="34" charset="0"/>
+                <a:cs typeface="Arial" panose="020B0604020202020204" pitchFamily="34" charset="0"/>
+              </a:defRPr>
+            </a:lvl1pPr>
+          </a:lstStyle>
+          <a:p>
+            <a:r>
+              <a:rPr lang="en-US" dirty="0"/>
+              <a:t>CLICK TO ADD TITLE</a:t>
+            </a:r>
+          </a:p>
+        </p:txBody>
+      </p:sp>
+      <p:sp>
+        <p:nvSpPr>
+          <p:cNvPr id="7" name="Subtitle 2"/>
+          <p:cNvSpPr>
+            <a:spLocks noGrp="1"/>
+          </p:cNvSpPr>
+          <p:nvPr>
+            <p:ph type="subTitle" idx="1" hasCustomPrompt="1"/>
+          </p:nvPr>
+        </p:nvSpPr>
+        <p:spPr>
+          <a:xfrm>
+            <a:off x="841814" y="4778842"/>
+            <a:ext cx="6863514" cy="463297"/>
+          </a:xfrm>
+        </p:spPr>
+        <p:txBody>
+          <a:bodyPr/>
+          <a:lstStyle>
+            <a:lvl1pPr marL="0" indent="0" algn="l">
+              <a:buNone/>
+              <a:defRPr sz="2400" b="1" cap="all" baseline="0">
+                <a:solidFill>
+                  <a:srgbClr val="33BBBC"/>
+                </a:solidFill>
+                <a:latin typeface="Arial" panose="020B0604020202020204" pitchFamily="34" charset="0"/>
+                <a:cs typeface="Arial" panose="020B0604020202020204" pitchFamily="34" charset="0"/>
+              </a:defRPr>
+            </a:lvl1pPr>
+            <a:lvl2pPr marL="457200" indent="0" algn="ctr">
+              <a:buNone/>
+              <a:defRPr sz="2000"/>
+            </a:lvl2pPr>
+            <a:lvl3pPr marL="914400" indent="0" algn="ctr">
+              <a:buNone/>
+              <a:defRPr sz="1800"/>
+            </a:lvl3pPr>
+            <a:lvl4pPr marL="1371600" indent="0" algn="ctr">
+              <a:buNone/>
+              <a:defRPr sz="1600"/>
+            </a:lvl4pPr>
+            <a:lvl5pPr marL="1828800" indent="0" algn="ctr">
+              <a:buNone/>
+              <a:defRPr sz="1600"/>
+            </a:lvl5pPr>
+            <a:lvl6pPr marL="2286000" indent="0" algn="ctr">
+              <a:buNone/>
+              <a:defRPr sz="1600"/>
+            </a:lvl6pPr>
+            <a:lvl7pPr marL="2743200" indent="0" algn="ctr">
+              <a:buNone/>
+              <a:defRPr sz="1600"/>
+            </a:lvl7pPr>
+            <a:lvl8pPr marL="3200400" indent="0" algn="ctr">
+              <a:buNone/>
+              <a:defRPr sz="1600"/>
+            </a:lvl8pPr>
+            <a:lvl9pPr marL="3657600" indent="0" algn="ctr">
+              <a:buNone/>
+              <a:defRPr sz="1600"/>
+            </a:lvl9pPr>
+          </a:lstStyle>
+          <a:p>
+            <a:r>
+              <a:rPr lang="en-US" dirty="0"/>
+              <a:t>Click to Add text</a:t>
+            </a:r>
+          </a:p>
+        </p:txBody>
+      </p:sp>
+      <p:pic>
+        <p:nvPicPr>
+          <p:cNvPr id="2" name="Picture 1"/>
+          <p:cNvPicPr>
+            <a:picLocks noChangeAspect="1"/>
+          </p:cNvPicPr>
+          <p:nvPr/>
+        </p:nvPicPr>
+        <p:blipFill>
+          <a:blip r:embed="rId2" cstate="email">
+            <a:extLst>
+              <a:ext uri="{28A0092B-C50C-407E-A947-70E740481C1C}">
+                <a14:useLocalDpi xmlns:a14="http://schemas.microsoft.com/office/drawing/2010/main" val="0"/>
+              </a:ext>
+            </a:extLst>
+          </a:blip>
+          <a:stretch>
+            <a:fillRect/>
+          </a:stretch>
+        </p:blipFill>
+        <p:spPr>
+          <a:xfrm>
+            <a:off x="0" y="3337619"/>
+            <a:ext cx="715617" cy="664167"/>
+          </a:xfrm>
+          <a:prstGeom prst="rect">
+            <a:avLst/>
+          </a:prstGeom>
+        </p:spPr>
+      </p:pic>
+      <p:pic>
+        <p:nvPicPr>
+          <p:cNvPr id="11" name="Picture 10"/>
+          <p:cNvPicPr>
+            <a:picLocks noChangeAspect="1"/>
+          </p:cNvPicPr>
+          <p:nvPr/>
+        </p:nvPicPr>
+        <p:blipFill>
+          <a:blip r:embed="rId3" cstate="email">
+            <a:extLst>
+              <a:ext uri="{28A0092B-C50C-407E-A947-70E740481C1C}">
+                <a14:useLocalDpi xmlns:a14="http://schemas.microsoft.com/office/drawing/2010/main" val="0"/>
+              </a:ext>
+            </a:extLst>
+          </a:blip>
+          <a:stretch>
+            <a:fillRect/>
+          </a:stretch>
+        </p:blipFill>
+        <p:spPr>
+          <a:xfrm>
+            <a:off x="8884725" y="-22280"/>
+            <a:ext cx="284673" cy="5373216"/>
+          </a:xfrm>
+          <a:prstGeom prst="rect">
+            <a:avLst/>
+          </a:prstGeom>
+        </p:spPr>
+      </p:pic>
+      <p:pic>
+        <p:nvPicPr>
+          <p:cNvPr id="9" name="Picture 8"/>
+          <p:cNvPicPr>
+            <a:picLocks noChangeAspect="1"/>
+          </p:cNvPicPr>
+          <p:nvPr userDrawn="1"/>
+        </p:nvPicPr>
+        <p:blipFill>
+          <a:blip r:embed="rId2" cstate="email">
+            <a:extLst>
+              <a:ext uri="{28A0092B-C50C-407E-A947-70E740481C1C}">
+                <a14:useLocalDpi xmlns:a14="http://schemas.microsoft.com/office/drawing/2010/main" val="0"/>
+              </a:ext>
+            </a:extLst>
+          </a:blip>
+          <a:stretch>
+            <a:fillRect/>
+          </a:stretch>
+        </p:blipFill>
+        <p:spPr>
+          <a:xfrm>
+            <a:off x="0" y="3337619"/>
+            <a:ext cx="715617" cy="664167"/>
+          </a:xfrm>
+          <a:prstGeom prst="rect">
+            <a:avLst/>
+          </a:prstGeom>
+        </p:spPr>
+      </p:pic>
+      <p:pic>
+        <p:nvPicPr>
+          <p:cNvPr id="10" name="Picture 9"/>
+          <p:cNvPicPr>
+            <a:picLocks noChangeAspect="1"/>
+          </p:cNvPicPr>
+          <p:nvPr userDrawn="1"/>
+        </p:nvPicPr>
+        <p:blipFill>
+          <a:blip r:embed="rId3" cstate="email">
+            <a:extLst>
+              <a:ext uri="{28A0092B-C50C-407E-A947-70E740481C1C}">
+                <a14:useLocalDpi xmlns:a14="http://schemas.microsoft.com/office/drawing/2010/main" val="0"/>
+              </a:ext>
+            </a:extLst>
+          </a:blip>
+          <a:stretch>
+            <a:fillRect/>
+          </a:stretch>
+        </p:blipFill>
+        <p:spPr>
+          <a:xfrm>
+            <a:off x="8884725" y="-22280"/>
+            <a:ext cx="284673" cy="5373216"/>
+          </a:xfrm>
+          <a:prstGeom prst="rect">
+            <a:avLst/>
+          </a:prstGeom>
+        </p:spPr>
+      </p:pic>
+      <p:pic>
+        <p:nvPicPr>
+          <p:cNvPr id="15" name="Picture 14"/>
+          <p:cNvPicPr>
+            <a:picLocks noChangeAspect="1"/>
+          </p:cNvPicPr>
+          <p:nvPr userDrawn="1"/>
+        </p:nvPicPr>
+        <p:blipFill>
+          <a:blip r:embed="rId4" cstate="print">
+            <a:extLst>
+              <a:ext uri="{28A0092B-C50C-407E-A947-70E740481C1C}">
+                <a14:useLocalDpi xmlns:a14="http://schemas.microsoft.com/office/drawing/2010/main" val="0"/>
+              </a:ext>
+            </a:extLst>
+          </a:blip>
+          <a:stretch>
+            <a:fillRect/>
+          </a:stretch>
+        </p:blipFill>
+        <p:spPr>
+          <a:xfrm>
+            <a:off x="4749734" y="0"/>
+            <a:ext cx="4046202" cy="1365350"/>
+          </a:xfrm>
+          <a:prstGeom prst="rect">
+            <a:avLst/>
+          </a:prstGeom>
+        </p:spPr>
+      </p:pic>
+      <p:sp>
+        <p:nvSpPr>
+          <p:cNvPr id="13" name="Slide Number Placeholder 5"/>
+          <p:cNvSpPr>
+            <a:spLocks noGrp="1"/>
+          </p:cNvSpPr>
+          <p:nvPr>
+            <p:ph type="sldNum" sz="quarter" idx="4"/>
+          </p:nvPr>
+        </p:nvSpPr>
+        <p:spPr>
+          <a:xfrm>
+            <a:off x="7998691" y="6492874"/>
+            <a:ext cx="1145309" cy="365126"/>
+          </a:xfrm>
+          <a:prstGeom prst="rect">
+            <a:avLst/>
+          </a:prstGeom>
+        </p:spPr>
+        <p:txBody>
+          <a:bodyPr vert="horz" lIns="91440" tIns="45720" rIns="91440" bIns="45720" rtlCol="0" anchor="ctr"/>
+          <a:lstStyle>
+            <a:lvl1pPr algn="r">
+              <a:defRPr sz="1000">
+                <a:solidFill>
+                  <a:schemeClr val="tx1">
+                    <a:tint val="75000"/>
+                  </a:schemeClr>
+                </a:solidFill>
+                <a:latin typeface="Arial" panose="020B0604020202020204" pitchFamily="34" charset="0"/>
+                <a:cs typeface="Arial" panose="020B0604020202020204" pitchFamily="34" charset="0"/>
+              </a:defRPr>
+            </a:lvl1pPr>
+          </a:lstStyle>
+          <a:p>
+            <a:r>
+              <a:rPr lang="en-SG" dirty="0"/>
+              <a:t>Page </a:t>
+            </a:r>
+            <a:fld id="{2F63C605-4FC6-46DE-BC90-871762EA3F52}" type="slidenum">
+              <a:rPr lang="en-SG" smtClean="0"/>
+              <a:pPr/>
+              <a:t>‹#›</a:t>
+            </a:fld>
+            <a:endParaRPr lang="en-SG" dirty="0"/>
+          </a:p>
+        </p:txBody>
+      </p:sp>
+    </p:spTree>
+    <p:extLst>
+      <p:ext uri="{BB962C8B-B14F-4D97-AF65-F5344CB8AC3E}">
+        <p14:creationId xmlns:p14="http://schemas.microsoft.com/office/powerpoint/2010/main" val="53202471"/>
+      </p:ext>
+    </p:extLst>
+  </p:cSld>
+  <p:clrMapOvr>
+    <a:masterClrMapping/>
+  </p:clrMapOvr>
+</p:sldLayout>
+</file>
+
+<file path=ppt/slideLayouts/slideLayout13.xml><?xml version="1.0" encoding="utf-8"?>
+<p:sldLayout xmlns:a="http://schemas.openxmlformats.org/drawingml/2006/main" xmlns:r="http://schemas.openxmlformats.org/officeDocument/2006/relationships" xmlns:p="http://schemas.openxmlformats.org/presentationml/2006/main" preserve="1">
+  <p:cSld name="Title Only">
+    <p:spTree>
+      <p:nvGrpSpPr>
+        <p:cNvPr id="1" name=""/>
+        <p:cNvGrpSpPr/>
+        <p:nvPr/>
+      </p:nvGrpSpPr>
+      <p:grpSpPr>
+        <a:xfrm>
+          <a:off x="0" y="0"/>
+          <a:ext cx="0" cy="0"/>
+          <a:chOff x="0" y="0"/>
+          <a:chExt cx="0" cy="0"/>
+        </a:xfrm>
+      </p:grpSpPr>
+      <p:sp>
+        <p:nvSpPr>
+          <p:cNvPr id="2" name="Title 1"/>
+          <p:cNvSpPr>
+            <a:spLocks noGrp="1"/>
+          </p:cNvSpPr>
+          <p:nvPr>
+            <p:ph type="title" hasCustomPrompt="1"/>
+          </p:nvPr>
+        </p:nvSpPr>
+        <p:spPr>
+          <a:xfrm>
+            <a:off x="628650" y="250831"/>
+            <a:ext cx="6600413" cy="545561"/>
+          </a:xfrm>
+        </p:spPr>
+        <p:txBody>
+          <a:bodyPr>
+            <a:normAutofit/>
+          </a:bodyPr>
+          <a:lstStyle>
+            <a:lvl1pPr>
+              <a:defRPr sz="3200" b="1" cap="none" baseline="0">
+                <a:solidFill>
+                  <a:srgbClr val="173F7E"/>
+                </a:solidFill>
+                <a:latin typeface="Arial" panose="020B0604020202020204" pitchFamily="34" charset="0"/>
+                <a:cs typeface="Arial" panose="020B0604020202020204" pitchFamily="34" charset="0"/>
+              </a:defRPr>
+            </a:lvl1pPr>
+          </a:lstStyle>
+          <a:p>
+            <a:r>
+              <a:rPr lang="en-US" dirty="0"/>
+              <a:t>Title</a:t>
+            </a:r>
+          </a:p>
+        </p:txBody>
+      </p:sp>
+      <p:pic>
+        <p:nvPicPr>
+          <p:cNvPr id="7" name="Picture 6"/>
+          <p:cNvPicPr>
+            <a:picLocks noChangeAspect="1"/>
+          </p:cNvPicPr>
+          <p:nvPr/>
+        </p:nvPicPr>
+        <p:blipFill>
+          <a:blip r:embed="rId2" cstate="print">
+            <a:extLst>
+              <a:ext uri="{28A0092B-C50C-407E-A947-70E740481C1C}">
+                <a14:useLocalDpi xmlns:a14="http://schemas.microsoft.com/office/drawing/2010/main" val="0"/>
+              </a:ext>
+            </a:extLst>
+          </a:blip>
+          <a:stretch>
+            <a:fillRect/>
+          </a:stretch>
+        </p:blipFill>
+        <p:spPr>
+          <a:xfrm>
+            <a:off x="1988" y="250831"/>
+            <a:ext cx="583844" cy="545560"/>
+          </a:xfrm>
+          <a:prstGeom prst="rect">
+            <a:avLst/>
+          </a:prstGeom>
+        </p:spPr>
+      </p:pic>
+      <p:pic>
+        <p:nvPicPr>
+          <p:cNvPr id="8" name="Picture 7"/>
+          <p:cNvPicPr>
+            <a:picLocks noChangeAspect="1"/>
+          </p:cNvPicPr>
+          <p:nvPr userDrawn="1"/>
+        </p:nvPicPr>
+        <p:blipFill>
+          <a:blip r:embed="rId2" cstate="print">
+            <a:extLst>
+              <a:ext uri="{28A0092B-C50C-407E-A947-70E740481C1C}">
+                <a14:useLocalDpi xmlns:a14="http://schemas.microsoft.com/office/drawing/2010/main" val="0"/>
+              </a:ext>
+            </a:extLst>
+          </a:blip>
+          <a:stretch>
+            <a:fillRect/>
+          </a:stretch>
+        </p:blipFill>
+        <p:spPr>
+          <a:xfrm>
+            <a:off x="1988" y="250831"/>
+            <a:ext cx="583844" cy="545560"/>
+          </a:xfrm>
+          <a:prstGeom prst="rect">
+            <a:avLst/>
+          </a:prstGeom>
+        </p:spPr>
+      </p:pic>
+      <p:pic>
+        <p:nvPicPr>
+          <p:cNvPr id="9" name="Picture 8"/>
+          <p:cNvPicPr>
+            <a:picLocks noChangeAspect="1"/>
+          </p:cNvPicPr>
+          <p:nvPr userDrawn="1"/>
+        </p:nvPicPr>
+        <p:blipFill>
+          <a:blip r:embed="rId3" cstate="print">
+            <a:extLst>
+              <a:ext uri="{28A0092B-C50C-407E-A947-70E740481C1C}">
+                <a14:useLocalDpi xmlns:a14="http://schemas.microsoft.com/office/drawing/2010/main" val="0"/>
+              </a:ext>
+            </a:extLst>
+          </a:blip>
+          <a:stretch>
+            <a:fillRect/>
+          </a:stretch>
+        </p:blipFill>
+        <p:spPr>
+          <a:xfrm>
+            <a:off x="7229063" y="-3081"/>
+            <a:ext cx="1912776" cy="645447"/>
+          </a:xfrm>
+          <a:prstGeom prst="rect">
+            <a:avLst/>
+          </a:prstGeom>
+        </p:spPr>
+      </p:pic>
+      <p:sp>
+        <p:nvSpPr>
+          <p:cNvPr id="11" name="Slide Number Placeholder 5"/>
+          <p:cNvSpPr>
+            <a:spLocks noGrp="1"/>
+          </p:cNvSpPr>
+          <p:nvPr>
+            <p:ph type="sldNum" sz="quarter" idx="4"/>
+          </p:nvPr>
+        </p:nvSpPr>
+        <p:spPr>
+          <a:xfrm>
+            <a:off x="7998691" y="6492874"/>
+            <a:ext cx="1145309" cy="365126"/>
+          </a:xfrm>
+          <a:prstGeom prst="rect">
+            <a:avLst/>
+          </a:prstGeom>
+        </p:spPr>
+        <p:txBody>
+          <a:bodyPr vert="horz" lIns="91440" tIns="45720" rIns="91440" bIns="45720" rtlCol="0" anchor="ctr"/>
+          <a:lstStyle>
+            <a:lvl1pPr algn="r">
+              <a:defRPr sz="1000">
+                <a:solidFill>
+                  <a:schemeClr val="tx1">
+                    <a:tint val="75000"/>
+                  </a:schemeClr>
+                </a:solidFill>
+                <a:latin typeface="Arial" panose="020B0604020202020204" pitchFamily="34" charset="0"/>
+                <a:cs typeface="Arial" panose="020B0604020202020204" pitchFamily="34" charset="0"/>
+              </a:defRPr>
+            </a:lvl1pPr>
+          </a:lstStyle>
+          <a:p>
+            <a:r>
+              <a:rPr lang="en-SG" dirty="0"/>
+              <a:t>Page </a:t>
+            </a:r>
+            <a:fld id="{2F63C605-4FC6-46DE-BC90-871762EA3F52}" type="slidenum">
+              <a:rPr lang="en-SG" smtClean="0"/>
+              <a:pPr/>
+              <a:t>‹#›</a:t>
+            </a:fld>
+            <a:endParaRPr lang="en-SG" dirty="0"/>
+          </a:p>
+        </p:txBody>
+      </p:sp>
+    </p:spTree>
+    <p:extLst>
+      <p:ext uri="{BB962C8B-B14F-4D97-AF65-F5344CB8AC3E}">
+        <p14:creationId xmlns:p14="http://schemas.microsoft.com/office/powerpoint/2010/main" val="1313032511"/>
+      </p:ext>
+    </p:extLst>
+  </p:cSld>
+  <p:clrMapOvr>
+    <a:masterClrMapping/>
+  </p:clrMapOvr>
+</p:sldLayout>
+</file>
+
+<file path=ppt/slideLayouts/slideLayout14.xml><?xml version="1.0" encoding="utf-8"?>
+<p:sldLayout xmlns:a="http://schemas.openxmlformats.org/drawingml/2006/main" xmlns:r="http://schemas.openxmlformats.org/officeDocument/2006/relationships" xmlns:p="http://schemas.openxmlformats.org/presentationml/2006/main" preserve="1">
+  <p:cSld name="Thank You">
+    <p:spTree>
+      <p:nvGrpSpPr>
+        <p:cNvPr id="1" name=""/>
+        <p:cNvGrpSpPr/>
+        <p:nvPr/>
+      </p:nvGrpSpPr>
+      <p:grpSpPr>
+        <a:xfrm>
+          <a:off x="0" y="0"/>
+          <a:ext cx="0" cy="0"/>
+          <a:chOff x="0" y="0"/>
+          <a:chExt cx="0" cy="0"/>
+        </a:xfrm>
+      </p:grpSpPr>
+      <p:sp>
+        <p:nvSpPr>
+          <p:cNvPr id="9" name="Text Placeholder 8"/>
+          <p:cNvSpPr>
+            <a:spLocks noGrp="1"/>
+          </p:cNvSpPr>
+          <p:nvPr>
+            <p:ph type="body" sz="quarter" idx="13" hasCustomPrompt="1"/>
+          </p:nvPr>
+        </p:nvSpPr>
+        <p:spPr>
+          <a:xfrm>
+            <a:off x="1859791" y="2510394"/>
+            <a:ext cx="5464175" cy="803542"/>
+          </a:xfrm>
+        </p:spPr>
+        <p:txBody>
+          <a:bodyPr>
+            <a:normAutofit/>
+          </a:bodyPr>
+          <a:lstStyle>
+            <a:lvl1pPr marL="0" indent="0" algn="ctr">
+              <a:buNone/>
+              <a:defRPr sz="4800" b="1" baseline="0">
+                <a:solidFill>
+                  <a:srgbClr val="33BBBC"/>
+                </a:solidFill>
+                <a:sym typeface="Wingdings" panose="05000000000000000000" pitchFamily="2" charset="2"/>
+              </a:defRPr>
+            </a:lvl1pPr>
+          </a:lstStyle>
+          <a:p>
+            <a:pPr lvl="0"/>
+            <a:r>
+              <a:rPr lang="en-US" dirty="0"/>
+              <a:t>THANK YOU </a:t>
+            </a:r>
+            <a:endParaRPr lang="en-SG" dirty="0"/>
+          </a:p>
+        </p:txBody>
+      </p:sp>
+      <p:sp>
+        <p:nvSpPr>
+          <p:cNvPr id="11" name="Text Placeholder 10"/>
+          <p:cNvSpPr>
+            <a:spLocks noGrp="1"/>
+          </p:cNvSpPr>
+          <p:nvPr>
+            <p:ph type="body" sz="quarter" idx="14" hasCustomPrompt="1"/>
+          </p:nvPr>
+        </p:nvSpPr>
+        <p:spPr>
+          <a:xfrm>
+            <a:off x="1859791" y="3647178"/>
+            <a:ext cx="5464175" cy="628650"/>
+          </a:xfrm>
+        </p:spPr>
+        <p:txBody>
+          <a:bodyPr>
+            <a:normAutofit/>
+          </a:bodyPr>
+          <a:lstStyle>
+            <a:lvl1pPr marL="0" indent="0" algn="ctr">
+              <a:buNone/>
+              <a:defRPr sz="2000" baseline="0">
+                <a:solidFill>
+                  <a:srgbClr val="173F7E"/>
+                </a:solidFill>
+              </a:defRPr>
+            </a:lvl1pPr>
+          </a:lstStyle>
+          <a:p>
+            <a:pPr lvl="0"/>
+            <a:r>
+              <a:rPr lang="en-US" dirty="0"/>
+              <a:t>Email: xxx@nus.edu.sg</a:t>
+            </a:r>
+          </a:p>
+        </p:txBody>
+      </p:sp>
+      <p:pic>
+        <p:nvPicPr>
+          <p:cNvPr id="10" name="Picture 9"/>
+          <p:cNvPicPr>
+            <a:picLocks noChangeAspect="1"/>
+          </p:cNvPicPr>
+          <p:nvPr/>
+        </p:nvPicPr>
+        <p:blipFill>
+          <a:blip r:embed="rId2" cstate="email">
+            <a:extLst>
+              <a:ext uri="{28A0092B-C50C-407E-A947-70E740481C1C}">
+                <a14:useLocalDpi xmlns:a14="http://schemas.microsoft.com/office/drawing/2010/main" val="0"/>
+              </a:ext>
+            </a:extLst>
+          </a:blip>
+          <a:stretch>
+            <a:fillRect/>
+          </a:stretch>
+        </p:blipFill>
+        <p:spPr>
+          <a:xfrm>
+            <a:off x="8884725" y="-22280"/>
+            <a:ext cx="284673" cy="5373216"/>
+          </a:xfrm>
+          <a:prstGeom prst="rect">
+            <a:avLst/>
+          </a:prstGeom>
+        </p:spPr>
+      </p:pic>
+      <p:pic>
+        <p:nvPicPr>
+          <p:cNvPr id="16" name="Picture 15"/>
+          <p:cNvPicPr>
+            <a:picLocks noChangeAspect="1"/>
+          </p:cNvPicPr>
+          <p:nvPr userDrawn="1"/>
+        </p:nvPicPr>
+        <p:blipFill>
+          <a:blip r:embed="rId2" cstate="email">
+            <a:extLst>
+              <a:ext uri="{28A0092B-C50C-407E-A947-70E740481C1C}">
+                <a14:useLocalDpi xmlns:a14="http://schemas.microsoft.com/office/drawing/2010/main" val="0"/>
+              </a:ext>
+            </a:extLst>
+          </a:blip>
+          <a:stretch>
+            <a:fillRect/>
+          </a:stretch>
+        </p:blipFill>
+        <p:spPr>
+          <a:xfrm>
+            <a:off x="8884725" y="-22280"/>
+            <a:ext cx="284673" cy="5373216"/>
+          </a:xfrm>
+          <a:prstGeom prst="rect">
+            <a:avLst/>
+          </a:prstGeom>
+        </p:spPr>
+      </p:pic>
+      <p:pic>
+        <p:nvPicPr>
+          <p:cNvPr id="17" name="Picture 16"/>
+          <p:cNvPicPr>
+            <a:picLocks noChangeAspect="1"/>
+          </p:cNvPicPr>
+          <p:nvPr userDrawn="1"/>
+        </p:nvPicPr>
+        <p:blipFill rotWithShape="1">
+          <a:blip r:embed="rId3" cstate="print">
+            <a:extLst>
+              <a:ext uri="{28A0092B-C50C-407E-A947-70E740481C1C}">
+                <a14:useLocalDpi xmlns:a14="http://schemas.microsoft.com/office/drawing/2010/main" val="0"/>
+              </a:ext>
+            </a:extLst>
+          </a:blip>
+          <a:srcRect/>
+          <a:stretch/>
+        </p:blipFill>
+        <p:spPr>
+          <a:xfrm>
+            <a:off x="5584489" y="162963"/>
+            <a:ext cx="3276677" cy="1125235"/>
+          </a:xfrm>
+          <a:prstGeom prst="rect">
+            <a:avLst/>
+          </a:prstGeom>
+        </p:spPr>
+      </p:pic>
+      <p:sp>
+        <p:nvSpPr>
+          <p:cNvPr id="12" name="Slide Number Placeholder 5"/>
+          <p:cNvSpPr>
+            <a:spLocks noGrp="1"/>
+          </p:cNvSpPr>
+          <p:nvPr>
+            <p:ph type="sldNum" sz="quarter" idx="4"/>
+          </p:nvPr>
+        </p:nvSpPr>
+        <p:spPr>
+          <a:xfrm>
+            <a:off x="7998691" y="6492874"/>
+            <a:ext cx="1145309" cy="365126"/>
+          </a:xfrm>
+          <a:prstGeom prst="rect">
+            <a:avLst/>
+          </a:prstGeom>
+        </p:spPr>
+        <p:txBody>
+          <a:bodyPr vert="horz" lIns="91440" tIns="45720" rIns="91440" bIns="45720" rtlCol="0" anchor="ctr"/>
+          <a:lstStyle>
+            <a:lvl1pPr algn="r">
+              <a:defRPr sz="1000">
+                <a:solidFill>
+                  <a:schemeClr val="tx1">
+                    <a:tint val="75000"/>
+                  </a:schemeClr>
+                </a:solidFill>
+                <a:latin typeface="Arial" panose="020B0604020202020204" pitchFamily="34" charset="0"/>
+                <a:cs typeface="Arial" panose="020B0604020202020204" pitchFamily="34" charset="0"/>
+              </a:defRPr>
+            </a:lvl1pPr>
+          </a:lstStyle>
+          <a:p>
+            <a:r>
+              <a:rPr lang="en-SG" dirty="0"/>
+              <a:t>Page </a:t>
+            </a:r>
+            <a:fld id="{2F63C605-4FC6-46DE-BC90-871762EA3F52}" type="slidenum">
+              <a:rPr lang="en-SG" smtClean="0"/>
+              <a:pPr/>
+              <a:t>‹#›</a:t>
+            </a:fld>
+            <a:endParaRPr lang="en-SG" dirty="0"/>
+          </a:p>
+        </p:txBody>
+      </p:sp>
+    </p:spTree>
+    <p:extLst>
+      <p:ext uri="{BB962C8B-B14F-4D97-AF65-F5344CB8AC3E}">
+        <p14:creationId xmlns:p14="http://schemas.microsoft.com/office/powerpoint/2010/main" val="4200754845"/>
       </p:ext>
     </p:extLst>
   </p:cSld>
@@ -17287,6 +18798,674 @@
 </p:sldLayout>
 </file>
 
+<file path=ppt/slideLayouts/slideLayout8.xml><?xml version="1.0" encoding="utf-8"?>
+<p:sldLayout xmlns:a="http://schemas.openxmlformats.org/drawingml/2006/main" xmlns:r="http://schemas.openxmlformats.org/officeDocument/2006/relationships" xmlns:p="http://schemas.openxmlformats.org/presentationml/2006/main" preserve="1">
+  <p:cSld name="Title Slide">
+    <p:spTree>
+      <p:nvGrpSpPr>
+        <p:cNvPr id="1" name=""/>
+        <p:cNvGrpSpPr/>
+        <p:nvPr/>
+      </p:nvGrpSpPr>
+      <p:grpSpPr>
+        <a:xfrm>
+          <a:off x="0" y="0"/>
+          <a:ext cx="0" cy="0"/>
+          <a:chOff x="0" y="0"/>
+          <a:chExt cx="0" cy="0"/>
+        </a:xfrm>
+      </p:grpSpPr>
+      <p:sp>
+        <p:nvSpPr>
+          <p:cNvPr id="6" name="Title 1"/>
+          <p:cNvSpPr>
+            <a:spLocks noGrp="1"/>
+          </p:cNvSpPr>
+          <p:nvPr>
+            <p:ph type="ctrTitle"/>
+          </p:nvPr>
+        </p:nvSpPr>
+        <p:spPr>
+          <a:xfrm>
+            <a:off x="1388466" y="2121318"/>
+            <a:ext cx="7411601" cy="1280230"/>
+          </a:xfrm>
+        </p:spPr>
+        <p:txBody>
+          <a:bodyPr anchor="t">
+            <a:normAutofit/>
+          </a:bodyPr>
+          <a:lstStyle>
+            <a:lvl1pPr algn="l">
+              <a:defRPr sz="4400" b="1" cap="all" baseline="0">
+                <a:solidFill>
+                  <a:srgbClr val="173F7E"/>
+                </a:solidFill>
+                <a:latin typeface="Arial" panose="020B0604020202020204" pitchFamily="34" charset="0"/>
+                <a:cs typeface="Arial" panose="020B0604020202020204" pitchFamily="34" charset="0"/>
+              </a:defRPr>
+            </a:lvl1pPr>
+          </a:lstStyle>
+          <a:p>
+            <a:r>
+              <a:rPr lang="en-US"/>
+              <a:t>Click to edit Master title style</a:t>
+            </a:r>
+            <a:endParaRPr lang="en-US" dirty="0"/>
+          </a:p>
+        </p:txBody>
+      </p:sp>
+      <p:sp>
+        <p:nvSpPr>
+          <p:cNvPr id="7" name="Subtitle 2"/>
+          <p:cNvSpPr>
+            <a:spLocks noGrp="1"/>
+          </p:cNvSpPr>
+          <p:nvPr>
+            <p:ph type="subTitle" idx="1"/>
+          </p:nvPr>
+        </p:nvSpPr>
+        <p:spPr>
+          <a:xfrm>
+            <a:off x="1388466" y="3538489"/>
+            <a:ext cx="6863514" cy="463297"/>
+          </a:xfrm>
+        </p:spPr>
+        <p:txBody>
+          <a:bodyPr/>
+          <a:lstStyle>
+            <a:lvl1pPr marL="0" indent="0" algn="l">
+              <a:buNone/>
+              <a:defRPr sz="2400" b="1" cap="all" baseline="0">
+                <a:solidFill>
+                  <a:srgbClr val="33BBBC"/>
+                </a:solidFill>
+                <a:latin typeface="Arial" panose="020B0604020202020204" pitchFamily="34" charset="0"/>
+                <a:cs typeface="Arial" panose="020B0604020202020204" pitchFamily="34" charset="0"/>
+              </a:defRPr>
+            </a:lvl1pPr>
+            <a:lvl2pPr marL="457200" indent="0" algn="ctr">
+              <a:buNone/>
+              <a:defRPr sz="2000"/>
+            </a:lvl2pPr>
+            <a:lvl3pPr marL="914400" indent="0" algn="ctr">
+              <a:buNone/>
+              <a:defRPr sz="1800"/>
+            </a:lvl3pPr>
+            <a:lvl4pPr marL="1371600" indent="0" algn="ctr">
+              <a:buNone/>
+              <a:defRPr sz="1600"/>
+            </a:lvl4pPr>
+            <a:lvl5pPr marL="1828800" indent="0" algn="ctr">
+              <a:buNone/>
+              <a:defRPr sz="1600"/>
+            </a:lvl5pPr>
+            <a:lvl6pPr marL="2286000" indent="0" algn="ctr">
+              <a:buNone/>
+              <a:defRPr sz="1600"/>
+            </a:lvl6pPr>
+            <a:lvl7pPr marL="2743200" indent="0" algn="ctr">
+              <a:buNone/>
+              <a:defRPr sz="1600"/>
+            </a:lvl7pPr>
+            <a:lvl8pPr marL="3200400" indent="0" algn="ctr">
+              <a:buNone/>
+              <a:defRPr sz="1600"/>
+            </a:lvl8pPr>
+            <a:lvl9pPr marL="3657600" indent="0" algn="ctr">
+              <a:buNone/>
+              <a:defRPr sz="1600"/>
+            </a:lvl9pPr>
+          </a:lstStyle>
+          <a:p>
+            <a:r>
+              <a:rPr lang="en-US"/>
+              <a:t>Click to edit Master subtitle style</a:t>
+            </a:r>
+            <a:endParaRPr lang="en-US" dirty="0"/>
+          </a:p>
+        </p:txBody>
+      </p:sp>
+      <p:sp>
+        <p:nvSpPr>
+          <p:cNvPr id="10" name="Text Placeholder 10"/>
+          <p:cNvSpPr>
+            <a:spLocks noGrp="1"/>
+          </p:cNvSpPr>
+          <p:nvPr>
+            <p:ph type="body" sz="quarter" idx="13"/>
+          </p:nvPr>
+        </p:nvSpPr>
+        <p:spPr>
+          <a:xfrm>
+            <a:off x="1388466" y="4127589"/>
+            <a:ext cx="6846887" cy="406148"/>
+          </a:xfrm>
+        </p:spPr>
+        <p:txBody>
+          <a:bodyPr>
+            <a:normAutofit/>
+          </a:bodyPr>
+          <a:lstStyle>
+            <a:lvl1pPr marL="0" indent="0">
+              <a:buNone/>
+              <a:defRPr sz="2000" b="1">
+                <a:solidFill>
+                  <a:schemeClr val="tx1">
+                    <a:lumMod val="50000"/>
+                    <a:lumOff val="50000"/>
+                  </a:schemeClr>
+                </a:solidFill>
+                <a:latin typeface="Arial" panose="020B0604020202020204" pitchFamily="34" charset="0"/>
+                <a:cs typeface="Arial" panose="020B0604020202020204" pitchFamily="34" charset="0"/>
+              </a:defRPr>
+            </a:lvl1pPr>
+          </a:lstStyle>
+          <a:p>
+            <a:pPr lvl="0"/>
+            <a:r>
+              <a:rPr lang="en-US"/>
+              <a:t>Click to edit Master text styles</a:t>
+            </a:r>
+          </a:p>
+        </p:txBody>
+      </p:sp>
+      <p:pic>
+        <p:nvPicPr>
+          <p:cNvPr id="2" name="Picture 1"/>
+          <p:cNvPicPr>
+            <a:picLocks noChangeAspect="1"/>
+          </p:cNvPicPr>
+          <p:nvPr/>
+        </p:nvPicPr>
+        <p:blipFill>
+          <a:blip r:embed="rId2" cstate="email">
+            <a:extLst>
+              <a:ext uri="{28A0092B-C50C-407E-A947-70E740481C1C}">
+                <a14:useLocalDpi xmlns:a14="http://schemas.microsoft.com/office/drawing/2010/main" val="0"/>
+              </a:ext>
+            </a:extLst>
+          </a:blip>
+          <a:stretch>
+            <a:fillRect/>
+          </a:stretch>
+        </p:blipFill>
+        <p:spPr>
+          <a:xfrm>
+            <a:off x="0" y="1892325"/>
+            <a:ext cx="1177848" cy="1093166"/>
+          </a:xfrm>
+          <a:prstGeom prst="rect">
+            <a:avLst/>
+          </a:prstGeom>
+        </p:spPr>
+      </p:pic>
+      <p:pic>
+        <p:nvPicPr>
+          <p:cNvPr id="11" name="Picture 10"/>
+          <p:cNvPicPr>
+            <a:picLocks noChangeAspect="1"/>
+          </p:cNvPicPr>
+          <p:nvPr/>
+        </p:nvPicPr>
+        <p:blipFill>
+          <a:blip r:embed="rId3" cstate="email">
+            <a:extLst>
+              <a:ext uri="{28A0092B-C50C-407E-A947-70E740481C1C}">
+                <a14:useLocalDpi xmlns:a14="http://schemas.microsoft.com/office/drawing/2010/main" val="0"/>
+              </a:ext>
+            </a:extLst>
+          </a:blip>
+          <a:stretch>
+            <a:fillRect/>
+          </a:stretch>
+        </p:blipFill>
+        <p:spPr>
+          <a:xfrm>
+            <a:off x="8884725" y="-22280"/>
+            <a:ext cx="284673" cy="5373216"/>
+          </a:xfrm>
+          <a:prstGeom prst="rect">
+            <a:avLst/>
+          </a:prstGeom>
+        </p:spPr>
+      </p:pic>
+      <p:pic>
+        <p:nvPicPr>
+          <p:cNvPr id="12" name="Picture 11"/>
+          <p:cNvPicPr>
+            <a:picLocks noChangeAspect="1"/>
+          </p:cNvPicPr>
+          <p:nvPr userDrawn="1"/>
+        </p:nvPicPr>
+        <p:blipFill rotWithShape="1">
+          <a:blip r:embed="rId4" cstate="email">
+            <a:extLst>
+              <a:ext uri="{28A0092B-C50C-407E-A947-70E740481C1C}">
+                <a14:useLocalDpi xmlns:a14="http://schemas.microsoft.com/office/drawing/2010/main" val="0"/>
+              </a:ext>
+            </a:extLst>
+          </a:blip>
+          <a:srcRect/>
+          <a:stretch/>
+        </p:blipFill>
+        <p:spPr>
+          <a:xfrm>
+            <a:off x="5999937" y="67433"/>
+            <a:ext cx="3027124" cy="979968"/>
+          </a:xfrm>
+          <a:prstGeom prst="rect">
+            <a:avLst/>
+          </a:prstGeom>
+        </p:spPr>
+      </p:pic>
+      <p:pic>
+        <p:nvPicPr>
+          <p:cNvPr id="13" name="Picture 12"/>
+          <p:cNvPicPr>
+            <a:picLocks noChangeAspect="1"/>
+          </p:cNvPicPr>
+          <p:nvPr userDrawn="1"/>
+        </p:nvPicPr>
+        <p:blipFill>
+          <a:blip r:embed="rId2" cstate="email">
+            <a:extLst>
+              <a:ext uri="{28A0092B-C50C-407E-A947-70E740481C1C}">
+                <a14:useLocalDpi xmlns:a14="http://schemas.microsoft.com/office/drawing/2010/main" val="0"/>
+              </a:ext>
+            </a:extLst>
+          </a:blip>
+          <a:stretch>
+            <a:fillRect/>
+          </a:stretch>
+        </p:blipFill>
+        <p:spPr>
+          <a:xfrm>
+            <a:off x="0" y="1892325"/>
+            <a:ext cx="1177848" cy="1093166"/>
+          </a:xfrm>
+          <a:prstGeom prst="rect">
+            <a:avLst/>
+          </a:prstGeom>
+        </p:spPr>
+      </p:pic>
+      <p:pic>
+        <p:nvPicPr>
+          <p:cNvPr id="14" name="Picture 13"/>
+          <p:cNvPicPr>
+            <a:picLocks noChangeAspect="1"/>
+          </p:cNvPicPr>
+          <p:nvPr userDrawn="1"/>
+        </p:nvPicPr>
+        <p:blipFill>
+          <a:blip r:embed="rId3" cstate="email">
+            <a:extLst>
+              <a:ext uri="{28A0092B-C50C-407E-A947-70E740481C1C}">
+                <a14:useLocalDpi xmlns:a14="http://schemas.microsoft.com/office/drawing/2010/main" val="0"/>
+              </a:ext>
+            </a:extLst>
+          </a:blip>
+          <a:stretch>
+            <a:fillRect/>
+          </a:stretch>
+        </p:blipFill>
+        <p:spPr>
+          <a:xfrm>
+            <a:off x="8884725" y="-22280"/>
+            <a:ext cx="284673" cy="5373216"/>
+          </a:xfrm>
+          <a:prstGeom prst="rect">
+            <a:avLst/>
+          </a:prstGeom>
+        </p:spPr>
+      </p:pic>
+      <p:sp>
+        <p:nvSpPr>
+          <p:cNvPr id="15" name="Slide Number Placeholder 5"/>
+          <p:cNvSpPr>
+            <a:spLocks noGrp="1"/>
+          </p:cNvSpPr>
+          <p:nvPr>
+            <p:ph type="sldNum" sz="quarter" idx="4"/>
+          </p:nvPr>
+        </p:nvSpPr>
+        <p:spPr>
+          <a:xfrm>
+            <a:off x="7998691" y="6492874"/>
+            <a:ext cx="1145309" cy="365126"/>
+          </a:xfrm>
+          <a:prstGeom prst="rect">
+            <a:avLst/>
+          </a:prstGeom>
+        </p:spPr>
+        <p:txBody>
+          <a:bodyPr vert="horz" lIns="91440" tIns="45720" rIns="91440" bIns="45720" rtlCol="0" anchor="ctr"/>
+          <a:lstStyle>
+            <a:lvl1pPr algn="r">
+              <a:defRPr sz="1000">
+                <a:solidFill>
+                  <a:schemeClr val="tx1">
+                    <a:tint val="75000"/>
+                  </a:schemeClr>
+                </a:solidFill>
+                <a:latin typeface="Arial" panose="020B0604020202020204" pitchFamily="34" charset="0"/>
+                <a:cs typeface="Arial" panose="020B0604020202020204" pitchFamily="34" charset="0"/>
+              </a:defRPr>
+            </a:lvl1pPr>
+          </a:lstStyle>
+          <a:p>
+            <a:r>
+              <a:rPr lang="en-SG" dirty="0"/>
+              <a:t>Page </a:t>
+            </a:r>
+            <a:fld id="{2F63C605-4FC6-46DE-BC90-871762EA3F52}" type="slidenum">
+              <a:rPr lang="en-SG" smtClean="0"/>
+              <a:pPr/>
+              <a:t>‹#›</a:t>
+            </a:fld>
+            <a:endParaRPr lang="en-SG" dirty="0"/>
+          </a:p>
+        </p:txBody>
+      </p:sp>
+    </p:spTree>
+    <p:extLst>
+      <p:ext uri="{BB962C8B-B14F-4D97-AF65-F5344CB8AC3E}">
+        <p14:creationId xmlns:p14="http://schemas.microsoft.com/office/powerpoint/2010/main" val="400307711"/>
+      </p:ext>
+    </p:extLst>
+  </p:cSld>
+  <p:clrMapOvr>
+    <a:masterClrMapping/>
+  </p:clrMapOvr>
+</p:sldLayout>
+</file>
+
+<file path=ppt/slideLayouts/slideLayout9.xml><?xml version="1.0" encoding="utf-8"?>
+<p:sldLayout xmlns:a="http://schemas.openxmlformats.org/drawingml/2006/main" xmlns:r="http://schemas.openxmlformats.org/officeDocument/2006/relationships" xmlns:p="http://schemas.openxmlformats.org/presentationml/2006/main" preserve="1">
+  <p:cSld name="Agenda">
+    <p:spTree>
+      <p:nvGrpSpPr>
+        <p:cNvPr id="1" name=""/>
+        <p:cNvGrpSpPr/>
+        <p:nvPr/>
+      </p:nvGrpSpPr>
+      <p:grpSpPr>
+        <a:xfrm>
+          <a:off x="0" y="0"/>
+          <a:ext cx="0" cy="0"/>
+          <a:chOff x="0" y="0"/>
+          <a:chExt cx="0" cy="0"/>
+        </a:xfrm>
+      </p:grpSpPr>
+      <p:sp>
+        <p:nvSpPr>
+          <p:cNvPr id="2" name="Title 1"/>
+          <p:cNvSpPr>
+            <a:spLocks noGrp="1"/>
+          </p:cNvSpPr>
+          <p:nvPr>
+            <p:ph type="title" hasCustomPrompt="1"/>
+          </p:nvPr>
+        </p:nvSpPr>
+        <p:spPr>
+          <a:xfrm>
+            <a:off x="628650" y="250831"/>
+            <a:ext cx="6600413" cy="545561"/>
+          </a:xfrm>
+        </p:spPr>
+        <p:txBody>
+          <a:bodyPr>
+            <a:normAutofit/>
+          </a:bodyPr>
+          <a:lstStyle>
+            <a:lvl1pPr>
+              <a:defRPr sz="3200" b="1" cap="none" baseline="0">
+                <a:solidFill>
+                  <a:srgbClr val="173F7E"/>
+                </a:solidFill>
+                <a:latin typeface="Arial" panose="020B0604020202020204" pitchFamily="34" charset="0"/>
+                <a:cs typeface="Arial" panose="020B0604020202020204" pitchFamily="34" charset="0"/>
+              </a:defRPr>
+            </a:lvl1pPr>
+          </a:lstStyle>
+          <a:p>
+            <a:r>
+              <a:rPr lang="en-US" dirty="0"/>
+              <a:t>Agenda</a:t>
+            </a:r>
+          </a:p>
+        </p:txBody>
+      </p:sp>
+      <p:pic>
+        <p:nvPicPr>
+          <p:cNvPr id="7" name="Picture 6"/>
+          <p:cNvPicPr>
+            <a:picLocks noChangeAspect="1"/>
+          </p:cNvPicPr>
+          <p:nvPr/>
+        </p:nvPicPr>
+        <p:blipFill>
+          <a:blip r:embed="rId2" cstate="print">
+            <a:extLst>
+              <a:ext uri="{28A0092B-C50C-407E-A947-70E740481C1C}">
+                <a14:useLocalDpi xmlns:a14="http://schemas.microsoft.com/office/drawing/2010/main" val="0"/>
+              </a:ext>
+            </a:extLst>
+          </a:blip>
+          <a:stretch>
+            <a:fillRect/>
+          </a:stretch>
+        </p:blipFill>
+        <p:spPr>
+          <a:xfrm>
+            <a:off x="1988" y="250831"/>
+            <a:ext cx="583844" cy="545560"/>
+          </a:xfrm>
+          <a:prstGeom prst="rect">
+            <a:avLst/>
+          </a:prstGeom>
+        </p:spPr>
+      </p:pic>
+      <p:sp>
+        <p:nvSpPr>
+          <p:cNvPr id="12" name="Text Placeholder 11"/>
+          <p:cNvSpPr>
+            <a:spLocks noGrp="1"/>
+          </p:cNvSpPr>
+          <p:nvPr>
+            <p:ph type="body" sz="quarter" idx="13" hasCustomPrompt="1"/>
+          </p:nvPr>
+        </p:nvSpPr>
+        <p:spPr>
+          <a:xfrm>
+            <a:off x="628650" y="1167027"/>
+            <a:ext cx="7886700" cy="4143375"/>
+          </a:xfrm>
+        </p:spPr>
+        <p:txBody>
+          <a:bodyPr/>
+          <a:lstStyle>
+            <a:lvl1pPr marL="514350" indent="-514350" algn="just">
+              <a:buFont typeface="Arial" panose="020B0604020202020204" pitchFamily="34" charset="0"/>
+              <a:buChar char="•"/>
+              <a:defRPr b="0" cap="none" baseline="0">
+                <a:solidFill>
+                  <a:schemeClr val="tx1">
+                    <a:lumMod val="75000"/>
+                    <a:lumOff val="25000"/>
+                  </a:schemeClr>
+                </a:solidFill>
+              </a:defRPr>
+            </a:lvl1pPr>
+            <a:lvl2pPr>
+              <a:defRPr>
+                <a:solidFill>
+                  <a:schemeClr val="tx1">
+                    <a:lumMod val="75000"/>
+                    <a:lumOff val="25000"/>
+                  </a:schemeClr>
+                </a:solidFill>
+              </a:defRPr>
+            </a:lvl2pPr>
+          </a:lstStyle>
+          <a:p>
+            <a:pPr lvl="0"/>
+            <a:r>
+              <a:rPr lang="en-US" dirty="0"/>
+              <a:t>Agenda 1</a:t>
+            </a:r>
+          </a:p>
+          <a:p>
+            <a:pPr lvl="0"/>
+            <a:r>
+              <a:rPr lang="en-US" dirty="0"/>
+              <a:t>Agenda 2</a:t>
+            </a:r>
+          </a:p>
+          <a:p>
+            <a:pPr lvl="0"/>
+            <a:r>
+              <a:rPr lang="en-US" dirty="0"/>
+              <a:t>Agenda 3</a:t>
+            </a:r>
+          </a:p>
+          <a:p>
+            <a:pPr lvl="0"/>
+            <a:r>
+              <a:rPr lang="en-US" dirty="0"/>
+              <a:t>Agenda 4</a:t>
+            </a:r>
+          </a:p>
+          <a:p>
+            <a:pPr lvl="0"/>
+            <a:r>
+              <a:rPr lang="en-US" dirty="0"/>
+              <a:t>Agenda 5</a:t>
+            </a:r>
+          </a:p>
+        </p:txBody>
+      </p:sp>
+      <p:pic>
+        <p:nvPicPr>
+          <p:cNvPr id="8" name="Picture 7"/>
+          <p:cNvPicPr>
+            <a:picLocks noChangeAspect="1"/>
+          </p:cNvPicPr>
+          <p:nvPr userDrawn="1"/>
+        </p:nvPicPr>
+        <p:blipFill>
+          <a:blip r:embed="rId2" cstate="print">
+            <a:extLst>
+              <a:ext uri="{28A0092B-C50C-407E-A947-70E740481C1C}">
+                <a14:useLocalDpi xmlns:a14="http://schemas.microsoft.com/office/drawing/2010/main" val="0"/>
+              </a:ext>
+            </a:extLst>
+          </a:blip>
+          <a:stretch>
+            <a:fillRect/>
+          </a:stretch>
+        </p:blipFill>
+        <p:spPr>
+          <a:xfrm>
+            <a:off x="1988" y="250831"/>
+            <a:ext cx="583844" cy="545560"/>
+          </a:xfrm>
+          <a:prstGeom prst="rect">
+            <a:avLst/>
+          </a:prstGeom>
+        </p:spPr>
+      </p:pic>
+      <p:pic>
+        <p:nvPicPr>
+          <p:cNvPr id="13" name="Picture 12"/>
+          <p:cNvPicPr>
+            <a:picLocks noChangeAspect="1"/>
+          </p:cNvPicPr>
+          <p:nvPr userDrawn="1"/>
+        </p:nvPicPr>
+        <p:blipFill>
+          <a:blip r:embed="rId3" cstate="print">
+            <a:extLst>
+              <a:ext uri="{28A0092B-C50C-407E-A947-70E740481C1C}">
+                <a14:useLocalDpi xmlns:a14="http://schemas.microsoft.com/office/drawing/2010/main" val="0"/>
+              </a:ext>
+            </a:extLst>
+          </a:blip>
+          <a:stretch>
+            <a:fillRect/>
+          </a:stretch>
+        </p:blipFill>
+        <p:spPr>
+          <a:xfrm>
+            <a:off x="7229063" y="-3081"/>
+            <a:ext cx="1912776" cy="645447"/>
+          </a:xfrm>
+          <a:prstGeom prst="rect">
+            <a:avLst/>
+          </a:prstGeom>
+        </p:spPr>
+      </p:pic>
+      <p:sp>
+        <p:nvSpPr>
+          <p:cNvPr id="9" name="Slide Number Placeholder 5"/>
+          <p:cNvSpPr>
+            <a:spLocks noGrp="1"/>
+          </p:cNvSpPr>
+          <p:nvPr>
+            <p:ph type="sldNum" sz="quarter" idx="4"/>
+          </p:nvPr>
+        </p:nvSpPr>
+        <p:spPr>
+          <a:xfrm>
+            <a:off x="7998691" y="6492874"/>
+            <a:ext cx="1145309" cy="365126"/>
+          </a:xfrm>
+          <a:prstGeom prst="rect">
+            <a:avLst/>
+          </a:prstGeom>
+        </p:spPr>
+        <p:txBody>
+          <a:bodyPr vert="horz" lIns="91440" tIns="45720" rIns="91440" bIns="45720" rtlCol="0" anchor="ctr"/>
+          <a:lstStyle>
+            <a:lvl1pPr algn="r">
+              <a:defRPr sz="1000">
+                <a:solidFill>
+                  <a:schemeClr val="tx1">
+                    <a:tint val="75000"/>
+                  </a:schemeClr>
+                </a:solidFill>
+                <a:latin typeface="Arial" panose="020B0604020202020204" pitchFamily="34" charset="0"/>
+                <a:cs typeface="Arial" panose="020B0604020202020204" pitchFamily="34" charset="0"/>
+              </a:defRPr>
+            </a:lvl1pPr>
+          </a:lstStyle>
+          <a:p>
+            <a:r>
+              <a:rPr lang="en-SG" dirty="0"/>
+              <a:t>Page </a:t>
+            </a:r>
+            <a:fld id="{2F63C605-4FC6-46DE-BC90-871762EA3F52}" type="slidenum">
+              <a:rPr lang="en-SG" smtClean="0"/>
+              <a:pPr/>
+              <a:t>‹#›</a:t>
+            </a:fld>
+            <a:endParaRPr lang="en-SG" dirty="0"/>
+          </a:p>
+        </p:txBody>
+      </p:sp>
+    </p:spTree>
+    <p:extLst>
+      <p:ext uri="{BB962C8B-B14F-4D97-AF65-F5344CB8AC3E}">
+        <p14:creationId xmlns:p14="http://schemas.microsoft.com/office/powerpoint/2010/main" val="3007150850"/>
+      </p:ext>
+    </p:extLst>
+  </p:cSld>
+  <p:clrMapOvr>
+    <a:masterClrMapping/>
+  </p:clrMapOvr>
+</p:sldLayout>
+</file>
+
 <file path=ppt/slideMasters/slideMaster1.xml><?xml version="1.0" encoding="utf-8"?>
 <p:sldMaster xmlns:a="http://schemas.openxmlformats.org/drawingml/2006/main" xmlns:r="http://schemas.openxmlformats.org/officeDocument/2006/relationships" xmlns:p="http://schemas.openxmlformats.org/presentationml/2006/main">
   <p:cSld>
@@ -18031,6 +20210,750 @@
 </p:sldMaster>
 </file>
 
+<file path=ppt/slideMasters/slideMaster2.xml><?xml version="1.0" encoding="utf-8"?>
+<p:sldMaster xmlns:a="http://schemas.openxmlformats.org/drawingml/2006/main" xmlns:r="http://schemas.openxmlformats.org/officeDocument/2006/relationships" xmlns:p="http://schemas.openxmlformats.org/presentationml/2006/main">
+  <p:cSld>
+    <p:bg>
+      <p:bgRef idx="1001">
+        <a:schemeClr val="bg1"/>
+      </p:bgRef>
+    </p:bg>
+    <p:spTree>
+      <p:nvGrpSpPr>
+        <p:cNvPr id="1" name=""/>
+        <p:cNvGrpSpPr/>
+        <p:nvPr/>
+      </p:nvGrpSpPr>
+      <p:grpSpPr>
+        <a:xfrm>
+          <a:off x="0" y="0"/>
+          <a:ext cx="0" cy="0"/>
+          <a:chOff x="0" y="0"/>
+          <a:chExt cx="0" cy="0"/>
+        </a:xfrm>
+      </p:grpSpPr>
+      <p:sp>
+        <p:nvSpPr>
+          <p:cNvPr id="2" name="Title Placeholder 1"/>
+          <p:cNvSpPr>
+            <a:spLocks noGrp="1"/>
+          </p:cNvSpPr>
+          <p:nvPr>
+            <p:ph type="title"/>
+          </p:nvPr>
+        </p:nvSpPr>
+        <p:spPr>
+          <a:xfrm>
+            <a:off x="628650" y="365126"/>
+            <a:ext cx="7886700" cy="1325563"/>
+          </a:xfrm>
+          <a:prstGeom prst="rect">
+            <a:avLst/>
+          </a:prstGeom>
+        </p:spPr>
+        <p:txBody>
+          <a:bodyPr vert="horz" lIns="91440" tIns="45720" rIns="91440" bIns="45720" rtlCol="0" anchor="ctr">
+            <a:normAutofit/>
+          </a:bodyPr>
+          <a:lstStyle/>
+          <a:p>
+            <a:r>
+              <a:rPr lang="en-US"/>
+              <a:t>Click to edit Master title style</a:t>
+            </a:r>
+            <a:endParaRPr lang="en-US" dirty="0"/>
+          </a:p>
+        </p:txBody>
+      </p:sp>
+      <p:sp>
+        <p:nvSpPr>
+          <p:cNvPr id="3" name="Text Placeholder 2"/>
+          <p:cNvSpPr>
+            <a:spLocks noGrp="1"/>
+          </p:cNvSpPr>
+          <p:nvPr>
+            <p:ph type="body" idx="1"/>
+          </p:nvPr>
+        </p:nvSpPr>
+        <p:spPr>
+          <a:xfrm>
+            <a:off x="628650" y="1825625"/>
+            <a:ext cx="7886700" cy="4351338"/>
+          </a:xfrm>
+          <a:prstGeom prst="rect">
+            <a:avLst/>
+          </a:prstGeom>
+        </p:spPr>
+        <p:txBody>
+          <a:bodyPr vert="horz" lIns="91440" tIns="45720" rIns="91440" bIns="45720" rtlCol="0">
+            <a:normAutofit/>
+          </a:bodyPr>
+          <a:lstStyle/>
+          <a:p>
+            <a:pPr lvl="0"/>
+            <a:r>
+              <a:rPr lang="en-US"/>
+              <a:t>Click to edit Master text styles</a:t>
+            </a:r>
+          </a:p>
+          <a:p>
+            <a:pPr lvl="1"/>
+            <a:r>
+              <a:rPr lang="en-US"/>
+              <a:t>Second level</a:t>
+            </a:r>
+          </a:p>
+          <a:p>
+            <a:pPr lvl="2"/>
+            <a:r>
+              <a:rPr lang="en-US"/>
+              <a:t>Third level</a:t>
+            </a:r>
+          </a:p>
+          <a:p>
+            <a:pPr lvl="3"/>
+            <a:r>
+              <a:rPr lang="en-US"/>
+              <a:t>Fourth level</a:t>
+            </a:r>
+          </a:p>
+          <a:p>
+            <a:pPr lvl="4"/>
+            <a:r>
+              <a:rPr lang="en-US"/>
+              <a:t>Fifth level</a:t>
+            </a:r>
+            <a:endParaRPr lang="en-US" dirty="0"/>
+          </a:p>
+        </p:txBody>
+      </p:sp>
+      <p:sp>
+        <p:nvSpPr>
+          <p:cNvPr id="6" name="Slide Number Placeholder 5"/>
+          <p:cNvSpPr>
+            <a:spLocks noGrp="1"/>
+          </p:cNvSpPr>
+          <p:nvPr>
+            <p:ph type="sldNum" sz="quarter" idx="4"/>
+          </p:nvPr>
+        </p:nvSpPr>
+        <p:spPr>
+          <a:xfrm>
+            <a:off x="7998692" y="6492874"/>
+            <a:ext cx="1025668" cy="240436"/>
+          </a:xfrm>
+          <a:prstGeom prst="rect">
+            <a:avLst/>
+          </a:prstGeom>
+        </p:spPr>
+        <p:txBody>
+          <a:bodyPr vert="horz" lIns="91440" tIns="45720" rIns="91440" bIns="45720" rtlCol="0" anchor="ctr"/>
+          <a:lstStyle>
+            <a:lvl1pPr algn="ctr">
+              <a:defRPr sz="1000">
+                <a:solidFill>
+                  <a:schemeClr val="tx1">
+                    <a:tint val="75000"/>
+                  </a:schemeClr>
+                </a:solidFill>
+                <a:latin typeface="Arial" panose="020B0604020202020204" pitchFamily="34" charset="0"/>
+                <a:cs typeface="Arial" panose="020B0604020202020204" pitchFamily="34" charset="0"/>
+              </a:defRPr>
+            </a:lvl1pPr>
+          </a:lstStyle>
+          <a:p>
+            <a:r>
+              <a:rPr lang="en-SG" dirty="0"/>
+              <a:t>Page </a:t>
+            </a:r>
+            <a:fld id="{2F63C605-4FC6-46DE-BC90-871762EA3F52}" type="slidenum">
+              <a:rPr lang="en-SG" smtClean="0"/>
+              <a:pPr/>
+              <a:t>‹#›</a:t>
+            </a:fld>
+            <a:endParaRPr lang="en-SG" dirty="0"/>
+          </a:p>
+        </p:txBody>
+      </p:sp>
+      <p:sp>
+        <p:nvSpPr>
+          <p:cNvPr id="9" name="Date Placeholder 4"/>
+          <p:cNvSpPr txBox="1">
+            <a:spLocks/>
+          </p:cNvSpPr>
+          <p:nvPr userDrawn="1"/>
+        </p:nvSpPr>
+        <p:spPr>
+          <a:xfrm>
+            <a:off x="4331855" y="6492874"/>
+            <a:ext cx="3987339" cy="240436"/>
+          </a:xfrm>
+          <a:prstGeom prst="rect">
+            <a:avLst/>
+          </a:prstGeom>
+        </p:spPr>
+        <p:txBody>
+          <a:bodyPr/>
+          <a:lstStyle>
+            <a:defPPr>
+              <a:defRPr lang="en-US"/>
+            </a:defPPr>
+            <a:lvl1pPr marL="0" algn="l" defTabSz="914400" rtl="0" eaLnBrk="1" latinLnBrk="0" hangingPunct="1">
+              <a:defRPr sz="1800" kern="1200">
+                <a:solidFill>
+                  <a:schemeClr val="tx1"/>
+                </a:solidFill>
+                <a:latin typeface="+mn-lt"/>
+                <a:ea typeface="+mn-ea"/>
+                <a:cs typeface="+mn-cs"/>
+              </a:defRPr>
+            </a:lvl1pPr>
+            <a:lvl2pPr marL="457200" algn="l" defTabSz="914400" rtl="0" eaLnBrk="1" latinLnBrk="0" hangingPunct="1">
+              <a:defRPr sz="1800" kern="1200">
+                <a:solidFill>
+                  <a:schemeClr val="tx1"/>
+                </a:solidFill>
+                <a:latin typeface="+mn-lt"/>
+                <a:ea typeface="+mn-ea"/>
+                <a:cs typeface="+mn-cs"/>
+              </a:defRPr>
+            </a:lvl2pPr>
+            <a:lvl3pPr marL="914400" algn="l" defTabSz="914400" rtl="0" eaLnBrk="1" latinLnBrk="0" hangingPunct="1">
+              <a:defRPr sz="1800" kern="1200">
+                <a:solidFill>
+                  <a:schemeClr val="tx1"/>
+                </a:solidFill>
+                <a:latin typeface="+mn-lt"/>
+                <a:ea typeface="+mn-ea"/>
+                <a:cs typeface="+mn-cs"/>
+              </a:defRPr>
+            </a:lvl3pPr>
+            <a:lvl4pPr marL="1371600" algn="l" defTabSz="914400" rtl="0" eaLnBrk="1" latinLnBrk="0" hangingPunct="1">
+              <a:defRPr sz="1800" kern="1200">
+                <a:solidFill>
+                  <a:schemeClr val="tx1"/>
+                </a:solidFill>
+                <a:latin typeface="+mn-lt"/>
+                <a:ea typeface="+mn-ea"/>
+                <a:cs typeface="+mn-cs"/>
+              </a:defRPr>
+            </a:lvl4pPr>
+            <a:lvl5pPr marL="1828800" algn="l" defTabSz="914400" rtl="0" eaLnBrk="1" latinLnBrk="0" hangingPunct="1">
+              <a:defRPr sz="1800" kern="1200">
+                <a:solidFill>
+                  <a:schemeClr val="tx1"/>
+                </a:solidFill>
+                <a:latin typeface="+mn-lt"/>
+                <a:ea typeface="+mn-ea"/>
+                <a:cs typeface="+mn-cs"/>
+              </a:defRPr>
+            </a:lvl5pPr>
+            <a:lvl6pPr marL="2286000" algn="l" defTabSz="914400" rtl="0" eaLnBrk="1" latinLnBrk="0" hangingPunct="1">
+              <a:defRPr sz="1800" kern="1200">
+                <a:solidFill>
+                  <a:schemeClr val="tx1"/>
+                </a:solidFill>
+                <a:latin typeface="+mn-lt"/>
+                <a:ea typeface="+mn-ea"/>
+                <a:cs typeface="+mn-cs"/>
+              </a:defRPr>
+            </a:lvl6pPr>
+            <a:lvl7pPr marL="2743200" algn="l" defTabSz="914400" rtl="0" eaLnBrk="1" latinLnBrk="0" hangingPunct="1">
+              <a:defRPr sz="1800" kern="1200">
+                <a:solidFill>
+                  <a:schemeClr val="tx1"/>
+                </a:solidFill>
+                <a:latin typeface="+mn-lt"/>
+                <a:ea typeface="+mn-ea"/>
+                <a:cs typeface="+mn-cs"/>
+              </a:defRPr>
+            </a:lvl7pPr>
+            <a:lvl8pPr marL="3200400" algn="l" defTabSz="914400" rtl="0" eaLnBrk="1" latinLnBrk="0" hangingPunct="1">
+              <a:defRPr sz="1800" kern="1200">
+                <a:solidFill>
+                  <a:schemeClr val="tx1"/>
+                </a:solidFill>
+                <a:latin typeface="+mn-lt"/>
+                <a:ea typeface="+mn-ea"/>
+                <a:cs typeface="+mn-cs"/>
+              </a:defRPr>
+            </a:lvl8pPr>
+            <a:lvl9pPr marL="3657600" algn="l" defTabSz="914400" rtl="0" eaLnBrk="1" latinLnBrk="0" hangingPunct="1">
+              <a:defRPr sz="1800" kern="1200">
+                <a:solidFill>
+                  <a:schemeClr val="tx1"/>
+                </a:solidFill>
+                <a:latin typeface="+mn-lt"/>
+                <a:ea typeface="+mn-ea"/>
+                <a:cs typeface="+mn-cs"/>
+              </a:defRPr>
+            </a:lvl9pPr>
+          </a:lstStyle>
+          <a:p>
+            <a:r>
+              <a:rPr lang="en-SG" sz="1000" kern="1200" baseline="0" dirty="0">
+                <a:solidFill>
+                  <a:srgbClr val="898989"/>
+                </a:solidFill>
+                <a:latin typeface="Arial" panose="020B0604020202020204" pitchFamily="34" charset="0"/>
+                <a:ea typeface="+mn-ea"/>
+                <a:cs typeface="+mn-cs"/>
+              </a:rPr>
+              <a:t>© 2021 National University of Singapore. All Rights Reserved</a:t>
+            </a:r>
+          </a:p>
+          <a:p>
+            <a:endParaRPr lang="en-SG" sz="1000" kern="1200" baseline="0" dirty="0">
+              <a:solidFill>
+                <a:srgbClr val="898989"/>
+              </a:solidFill>
+              <a:latin typeface="Arial" panose="020B0604020202020204" pitchFamily="34" charset="0"/>
+              <a:ea typeface="+mn-ea"/>
+              <a:cs typeface="+mn-cs"/>
+            </a:endParaRPr>
+          </a:p>
+        </p:txBody>
+      </p:sp>
+      <p:sp>
+        <p:nvSpPr>
+          <p:cNvPr id="7" name="Date Placeholder 4"/>
+          <p:cNvSpPr txBox="1">
+            <a:spLocks/>
+          </p:cNvSpPr>
+          <p:nvPr userDrawn="1"/>
+        </p:nvSpPr>
+        <p:spPr>
+          <a:xfrm>
+            <a:off x="162370" y="6492874"/>
+            <a:ext cx="4169485" cy="240436"/>
+          </a:xfrm>
+          <a:prstGeom prst="rect">
+            <a:avLst/>
+          </a:prstGeom>
+        </p:spPr>
+        <p:txBody>
+          <a:bodyPr/>
+          <a:lstStyle>
+            <a:defPPr>
+              <a:defRPr lang="en-US"/>
+            </a:defPPr>
+            <a:lvl1pPr marL="0" algn="l" defTabSz="914400" rtl="0" eaLnBrk="1" latinLnBrk="0" hangingPunct="1">
+              <a:defRPr sz="1800" kern="1200">
+                <a:solidFill>
+                  <a:schemeClr val="tx1"/>
+                </a:solidFill>
+                <a:latin typeface="+mn-lt"/>
+                <a:ea typeface="+mn-ea"/>
+                <a:cs typeface="+mn-cs"/>
+              </a:defRPr>
+            </a:lvl1pPr>
+            <a:lvl2pPr marL="457200" algn="l" defTabSz="914400" rtl="0" eaLnBrk="1" latinLnBrk="0" hangingPunct="1">
+              <a:defRPr sz="1800" kern="1200">
+                <a:solidFill>
+                  <a:schemeClr val="tx1"/>
+                </a:solidFill>
+                <a:latin typeface="+mn-lt"/>
+                <a:ea typeface="+mn-ea"/>
+                <a:cs typeface="+mn-cs"/>
+              </a:defRPr>
+            </a:lvl2pPr>
+            <a:lvl3pPr marL="914400" algn="l" defTabSz="914400" rtl="0" eaLnBrk="1" latinLnBrk="0" hangingPunct="1">
+              <a:defRPr sz="1800" kern="1200">
+                <a:solidFill>
+                  <a:schemeClr val="tx1"/>
+                </a:solidFill>
+                <a:latin typeface="+mn-lt"/>
+                <a:ea typeface="+mn-ea"/>
+                <a:cs typeface="+mn-cs"/>
+              </a:defRPr>
+            </a:lvl3pPr>
+            <a:lvl4pPr marL="1371600" algn="l" defTabSz="914400" rtl="0" eaLnBrk="1" latinLnBrk="0" hangingPunct="1">
+              <a:defRPr sz="1800" kern="1200">
+                <a:solidFill>
+                  <a:schemeClr val="tx1"/>
+                </a:solidFill>
+                <a:latin typeface="+mn-lt"/>
+                <a:ea typeface="+mn-ea"/>
+                <a:cs typeface="+mn-cs"/>
+              </a:defRPr>
+            </a:lvl4pPr>
+            <a:lvl5pPr marL="1828800" algn="l" defTabSz="914400" rtl="0" eaLnBrk="1" latinLnBrk="0" hangingPunct="1">
+              <a:defRPr sz="1800" kern="1200">
+                <a:solidFill>
+                  <a:schemeClr val="tx1"/>
+                </a:solidFill>
+                <a:latin typeface="+mn-lt"/>
+                <a:ea typeface="+mn-ea"/>
+                <a:cs typeface="+mn-cs"/>
+              </a:defRPr>
+            </a:lvl5pPr>
+            <a:lvl6pPr marL="2286000" algn="l" defTabSz="914400" rtl="0" eaLnBrk="1" latinLnBrk="0" hangingPunct="1">
+              <a:defRPr sz="1800" kern="1200">
+                <a:solidFill>
+                  <a:schemeClr val="tx1"/>
+                </a:solidFill>
+                <a:latin typeface="+mn-lt"/>
+                <a:ea typeface="+mn-ea"/>
+                <a:cs typeface="+mn-cs"/>
+              </a:defRPr>
+            </a:lvl6pPr>
+            <a:lvl7pPr marL="2743200" algn="l" defTabSz="914400" rtl="0" eaLnBrk="1" latinLnBrk="0" hangingPunct="1">
+              <a:defRPr sz="1800" kern="1200">
+                <a:solidFill>
+                  <a:schemeClr val="tx1"/>
+                </a:solidFill>
+                <a:latin typeface="+mn-lt"/>
+                <a:ea typeface="+mn-ea"/>
+                <a:cs typeface="+mn-cs"/>
+              </a:defRPr>
+            </a:lvl7pPr>
+            <a:lvl8pPr marL="3200400" algn="l" defTabSz="914400" rtl="0" eaLnBrk="1" latinLnBrk="0" hangingPunct="1">
+              <a:defRPr sz="1800" kern="1200">
+                <a:solidFill>
+                  <a:schemeClr val="tx1"/>
+                </a:solidFill>
+                <a:latin typeface="+mn-lt"/>
+                <a:ea typeface="+mn-ea"/>
+                <a:cs typeface="+mn-cs"/>
+              </a:defRPr>
+            </a:lvl8pPr>
+            <a:lvl9pPr marL="3657600" algn="l" defTabSz="914400" rtl="0" eaLnBrk="1" latinLnBrk="0" hangingPunct="1">
+              <a:defRPr sz="1800" kern="1200">
+                <a:solidFill>
+                  <a:schemeClr val="tx1"/>
+                </a:solidFill>
+                <a:latin typeface="+mn-lt"/>
+                <a:ea typeface="+mn-ea"/>
+                <a:cs typeface="+mn-cs"/>
+              </a:defRPr>
+            </a:lvl9pPr>
+          </a:lstStyle>
+          <a:p>
+            <a:r>
+              <a:rPr lang="en-SG" sz="1000" kern="1200" baseline="0" dirty="0">
+                <a:solidFill>
+                  <a:srgbClr val="898989"/>
+                </a:solidFill>
+                <a:latin typeface="Arial" panose="020B0604020202020204" pitchFamily="34" charset="0"/>
+                <a:ea typeface="+mn-ea"/>
+                <a:cs typeface="+mn-cs"/>
+              </a:rPr>
+              <a:t>Intelligent Sensing Cert (ITSS) Project Progress Review Presentation</a:t>
+            </a:r>
+          </a:p>
+          <a:p>
+            <a:endParaRPr lang="en-SG" sz="1000" kern="1200" baseline="0" dirty="0">
+              <a:solidFill>
+                <a:srgbClr val="898989"/>
+              </a:solidFill>
+              <a:latin typeface="Arial" panose="020B0604020202020204" pitchFamily="34" charset="0"/>
+              <a:ea typeface="+mn-ea"/>
+              <a:cs typeface="+mn-cs"/>
+            </a:endParaRPr>
+          </a:p>
+        </p:txBody>
+      </p:sp>
+    </p:spTree>
+    <p:extLst>
+      <p:ext uri="{BB962C8B-B14F-4D97-AF65-F5344CB8AC3E}">
+        <p14:creationId xmlns:p14="http://schemas.microsoft.com/office/powerpoint/2010/main" val="2723682728"/>
+      </p:ext>
+    </p:extLst>
+  </p:cSld>
+  <p:clrMap bg1="lt1" tx1="dk1" bg2="lt2" tx2="dk2" accent1="accent1" accent2="accent2" accent3="accent3" accent4="accent4" accent5="accent5" accent6="accent6" hlink="hlink" folHlink="folHlink"/>
+  <p:sldLayoutIdLst>
+    <p:sldLayoutId id="2147483702" r:id="rId1"/>
+    <p:sldLayoutId id="2147483703" r:id="rId2"/>
+    <p:sldLayoutId id="2147483704" r:id="rId3"/>
+    <p:sldLayoutId id="2147483705" r:id="rId4"/>
+    <p:sldLayoutId id="2147483706" r:id="rId5"/>
+    <p:sldLayoutId id="2147483707" r:id="rId6"/>
+    <p:sldLayoutId id="2147483708" r:id="rId7"/>
+  </p:sldLayoutIdLst>
+  <p:hf hdr="0" ftr="0" dt="0"/>
+  <p:txStyles>
+    <p:titleStyle>
+      <a:lvl1pPr algn="l" defTabSz="914400" rtl="0" eaLnBrk="1" latinLnBrk="0" hangingPunct="1">
+        <a:lnSpc>
+          <a:spcPct val="90000"/>
+        </a:lnSpc>
+        <a:spcBef>
+          <a:spcPct val="0"/>
+        </a:spcBef>
+        <a:buNone/>
+        <a:defRPr sz="4400" kern="1200">
+          <a:solidFill>
+            <a:schemeClr val="tx1"/>
+          </a:solidFill>
+          <a:latin typeface="Arial" panose="020B0604020202020204" pitchFamily="34" charset="0"/>
+          <a:ea typeface="+mj-ea"/>
+          <a:cs typeface="Arial" panose="020B0604020202020204" pitchFamily="34" charset="0"/>
+        </a:defRPr>
+      </a:lvl1pPr>
+    </p:titleStyle>
+    <p:bodyStyle>
+      <a:lvl1pPr marL="228600" indent="-228600" algn="l" defTabSz="914400" rtl="0" eaLnBrk="1" latinLnBrk="0" hangingPunct="1">
+        <a:lnSpc>
+          <a:spcPct val="90000"/>
+        </a:lnSpc>
+        <a:spcBef>
+          <a:spcPts val="1000"/>
+        </a:spcBef>
+        <a:buFont typeface="Arial" panose="020B0604020202020204" pitchFamily="34" charset="0"/>
+        <a:buChar char="•"/>
+        <a:defRPr sz="2800" kern="1200">
+          <a:solidFill>
+            <a:schemeClr val="tx1"/>
+          </a:solidFill>
+          <a:latin typeface="Arial" panose="020B0604020202020204" pitchFamily="34" charset="0"/>
+          <a:ea typeface="+mn-ea"/>
+          <a:cs typeface="Arial" panose="020B0604020202020204" pitchFamily="34" charset="0"/>
+        </a:defRPr>
+      </a:lvl1pPr>
+      <a:lvl2pPr marL="685800" indent="-228600" algn="l" defTabSz="914400" rtl="0" eaLnBrk="1" latinLnBrk="0" hangingPunct="1">
+        <a:lnSpc>
+          <a:spcPct val="90000"/>
+        </a:lnSpc>
+        <a:spcBef>
+          <a:spcPts val="500"/>
+        </a:spcBef>
+        <a:buFont typeface="Arial" panose="020B0604020202020204" pitchFamily="34" charset="0"/>
+        <a:buChar char="•"/>
+        <a:defRPr sz="2400" kern="1200">
+          <a:solidFill>
+            <a:schemeClr val="tx1"/>
+          </a:solidFill>
+          <a:latin typeface="Arial" panose="020B0604020202020204" pitchFamily="34" charset="0"/>
+          <a:ea typeface="+mn-ea"/>
+          <a:cs typeface="Arial" panose="020B0604020202020204" pitchFamily="34" charset="0"/>
+        </a:defRPr>
+      </a:lvl2pPr>
+      <a:lvl3pPr marL="1143000" indent="-228600" algn="l" defTabSz="914400" rtl="0" eaLnBrk="1" latinLnBrk="0" hangingPunct="1">
+        <a:lnSpc>
+          <a:spcPct val="90000"/>
+        </a:lnSpc>
+        <a:spcBef>
+          <a:spcPts val="500"/>
+        </a:spcBef>
+        <a:buFont typeface="Arial" panose="020B0604020202020204" pitchFamily="34" charset="0"/>
+        <a:buChar char="•"/>
+        <a:defRPr sz="2000" kern="1200">
+          <a:solidFill>
+            <a:schemeClr val="tx1"/>
+          </a:solidFill>
+          <a:latin typeface="Arial" panose="020B0604020202020204" pitchFamily="34" charset="0"/>
+          <a:ea typeface="+mn-ea"/>
+          <a:cs typeface="Arial" panose="020B0604020202020204" pitchFamily="34" charset="0"/>
+        </a:defRPr>
+      </a:lvl3pPr>
+      <a:lvl4pPr marL="1600200" indent="-228600" algn="l" defTabSz="914400" rtl="0" eaLnBrk="1" latinLnBrk="0" hangingPunct="1">
+        <a:lnSpc>
+          <a:spcPct val="90000"/>
+        </a:lnSpc>
+        <a:spcBef>
+          <a:spcPts val="500"/>
+        </a:spcBef>
+        <a:buFont typeface="Arial" panose="020B0604020202020204" pitchFamily="34" charset="0"/>
+        <a:buChar char="•"/>
+        <a:defRPr sz="1800" kern="1200">
+          <a:solidFill>
+            <a:schemeClr val="tx1"/>
+          </a:solidFill>
+          <a:latin typeface="Arial" panose="020B0604020202020204" pitchFamily="34" charset="0"/>
+          <a:ea typeface="+mn-ea"/>
+          <a:cs typeface="Arial" panose="020B0604020202020204" pitchFamily="34" charset="0"/>
+        </a:defRPr>
+      </a:lvl4pPr>
+      <a:lvl5pPr marL="2057400" indent="-228600" algn="l" defTabSz="914400" rtl="0" eaLnBrk="1" latinLnBrk="0" hangingPunct="1">
+        <a:lnSpc>
+          <a:spcPct val="90000"/>
+        </a:lnSpc>
+        <a:spcBef>
+          <a:spcPts val="500"/>
+        </a:spcBef>
+        <a:buFont typeface="Arial" panose="020B0604020202020204" pitchFamily="34" charset="0"/>
+        <a:buChar char="•"/>
+        <a:defRPr sz="1800" kern="1200">
+          <a:solidFill>
+            <a:schemeClr val="tx1"/>
+          </a:solidFill>
+          <a:latin typeface="Arial" panose="020B0604020202020204" pitchFamily="34" charset="0"/>
+          <a:ea typeface="+mn-ea"/>
+          <a:cs typeface="Arial" panose="020B0604020202020204" pitchFamily="34" charset="0"/>
+        </a:defRPr>
+      </a:lvl5pPr>
+      <a:lvl6pPr marL="2514600" indent="-228600" algn="l" defTabSz="914400" rtl="0" eaLnBrk="1" latinLnBrk="0" hangingPunct="1">
+        <a:lnSpc>
+          <a:spcPct val="90000"/>
+        </a:lnSpc>
+        <a:spcBef>
+          <a:spcPts val="500"/>
+        </a:spcBef>
+        <a:buFont typeface="Arial" panose="020B0604020202020204" pitchFamily="34" charset="0"/>
+        <a:buChar char="•"/>
+        <a:defRPr sz="1800" kern="1200">
+          <a:solidFill>
+            <a:schemeClr val="tx1"/>
+          </a:solidFill>
+          <a:latin typeface="+mn-lt"/>
+          <a:ea typeface="+mn-ea"/>
+          <a:cs typeface="+mn-cs"/>
+        </a:defRPr>
+      </a:lvl6pPr>
+      <a:lvl7pPr marL="2971800" indent="-228600" algn="l" defTabSz="914400" rtl="0" eaLnBrk="1" latinLnBrk="0" hangingPunct="1">
+        <a:lnSpc>
+          <a:spcPct val="90000"/>
+        </a:lnSpc>
+        <a:spcBef>
+          <a:spcPts val="500"/>
+        </a:spcBef>
+        <a:buFont typeface="Arial" panose="020B0604020202020204" pitchFamily="34" charset="0"/>
+        <a:buChar char="•"/>
+        <a:defRPr sz="1800" kern="1200">
+          <a:solidFill>
+            <a:schemeClr val="tx1"/>
+          </a:solidFill>
+          <a:latin typeface="+mn-lt"/>
+          <a:ea typeface="+mn-ea"/>
+          <a:cs typeface="+mn-cs"/>
+        </a:defRPr>
+      </a:lvl7pPr>
+      <a:lvl8pPr marL="3429000" indent="-228600" algn="l" defTabSz="914400" rtl="0" eaLnBrk="1" latinLnBrk="0" hangingPunct="1">
+        <a:lnSpc>
+          <a:spcPct val="90000"/>
+        </a:lnSpc>
+        <a:spcBef>
+          <a:spcPts val="500"/>
+        </a:spcBef>
+        <a:buFont typeface="Arial" panose="020B0604020202020204" pitchFamily="34" charset="0"/>
+        <a:buChar char="•"/>
+        <a:defRPr sz="1800" kern="1200">
+          <a:solidFill>
+            <a:schemeClr val="tx1"/>
+          </a:solidFill>
+          <a:latin typeface="+mn-lt"/>
+          <a:ea typeface="+mn-ea"/>
+          <a:cs typeface="+mn-cs"/>
+        </a:defRPr>
+      </a:lvl8pPr>
+      <a:lvl9pPr marL="3886200" indent="-228600" algn="l" defTabSz="914400" rtl="0" eaLnBrk="1" latinLnBrk="0" hangingPunct="1">
+        <a:lnSpc>
+          <a:spcPct val="90000"/>
+        </a:lnSpc>
+        <a:spcBef>
+          <a:spcPts val="500"/>
+        </a:spcBef>
+        <a:buFont typeface="Arial" panose="020B0604020202020204" pitchFamily="34" charset="0"/>
+        <a:buChar char="•"/>
+        <a:defRPr sz="1800" kern="1200">
+          <a:solidFill>
+            <a:schemeClr val="tx1"/>
+          </a:solidFill>
+          <a:latin typeface="+mn-lt"/>
+          <a:ea typeface="+mn-ea"/>
+          <a:cs typeface="+mn-cs"/>
+        </a:defRPr>
+      </a:lvl9pPr>
+    </p:bodyStyle>
+    <p:otherStyle>
+      <a:defPPr>
+        <a:defRPr lang="en-US"/>
+      </a:defPPr>
+      <a:lvl1pPr marL="0" algn="l" defTabSz="914400" rtl="0" eaLnBrk="1" latinLnBrk="0" hangingPunct="1">
+        <a:defRPr sz="1800" kern="1200">
+          <a:solidFill>
+            <a:schemeClr val="tx1"/>
+          </a:solidFill>
+          <a:latin typeface="+mn-lt"/>
+          <a:ea typeface="+mn-ea"/>
+          <a:cs typeface="+mn-cs"/>
+        </a:defRPr>
+      </a:lvl1pPr>
+      <a:lvl2pPr marL="457200" algn="l" defTabSz="914400" rtl="0" eaLnBrk="1" latinLnBrk="0" hangingPunct="1">
+        <a:defRPr sz="1800" kern="1200">
+          <a:solidFill>
+            <a:schemeClr val="tx1"/>
+          </a:solidFill>
+          <a:latin typeface="+mn-lt"/>
+          <a:ea typeface="+mn-ea"/>
+          <a:cs typeface="+mn-cs"/>
+        </a:defRPr>
+      </a:lvl2pPr>
+      <a:lvl3pPr marL="914400" algn="l" defTabSz="914400" rtl="0" eaLnBrk="1" latinLnBrk="0" hangingPunct="1">
+        <a:defRPr sz="1800" kern="1200">
+          <a:solidFill>
+            <a:schemeClr val="tx1"/>
+          </a:solidFill>
+          <a:latin typeface="+mn-lt"/>
+          <a:ea typeface="+mn-ea"/>
+          <a:cs typeface="+mn-cs"/>
+        </a:defRPr>
+      </a:lvl3pPr>
+      <a:lvl4pPr marL="1371600" algn="l" defTabSz="914400" rtl="0" eaLnBrk="1" latinLnBrk="0" hangingPunct="1">
+        <a:defRPr sz="1800" kern="1200">
+          <a:solidFill>
+            <a:schemeClr val="tx1"/>
+          </a:solidFill>
+          <a:latin typeface="+mn-lt"/>
+          <a:ea typeface="+mn-ea"/>
+          <a:cs typeface="+mn-cs"/>
+        </a:defRPr>
+      </a:lvl4pPr>
+      <a:lvl5pPr marL="1828800" algn="l" defTabSz="914400" rtl="0" eaLnBrk="1" latinLnBrk="0" hangingPunct="1">
+        <a:defRPr sz="1800" kern="1200">
+          <a:solidFill>
+            <a:schemeClr val="tx1"/>
+          </a:solidFill>
+          <a:latin typeface="+mn-lt"/>
+          <a:ea typeface="+mn-ea"/>
+          <a:cs typeface="+mn-cs"/>
+        </a:defRPr>
+      </a:lvl5pPr>
+      <a:lvl6pPr marL="2286000" algn="l" defTabSz="914400" rtl="0" eaLnBrk="1" latinLnBrk="0" hangingPunct="1">
+        <a:defRPr sz="1800" kern="1200">
+          <a:solidFill>
+            <a:schemeClr val="tx1"/>
+          </a:solidFill>
+          <a:latin typeface="+mn-lt"/>
+          <a:ea typeface="+mn-ea"/>
+          <a:cs typeface="+mn-cs"/>
+        </a:defRPr>
+      </a:lvl6pPr>
+      <a:lvl7pPr marL="2743200" algn="l" defTabSz="914400" rtl="0" eaLnBrk="1" latinLnBrk="0" hangingPunct="1">
+        <a:defRPr sz="1800" kern="1200">
+          <a:solidFill>
+            <a:schemeClr val="tx1"/>
+          </a:solidFill>
+          <a:latin typeface="+mn-lt"/>
+          <a:ea typeface="+mn-ea"/>
+          <a:cs typeface="+mn-cs"/>
+        </a:defRPr>
+      </a:lvl7pPr>
+      <a:lvl8pPr marL="3200400" algn="l" defTabSz="914400" rtl="0" eaLnBrk="1" latinLnBrk="0" hangingPunct="1">
+        <a:defRPr sz="1800" kern="1200">
+          <a:solidFill>
+            <a:schemeClr val="tx1"/>
+          </a:solidFill>
+          <a:latin typeface="+mn-lt"/>
+          <a:ea typeface="+mn-ea"/>
+          <a:cs typeface="+mn-cs"/>
+        </a:defRPr>
+      </a:lvl8pPr>
+      <a:lvl9pPr marL="3657600" algn="l" defTabSz="914400" rtl="0" eaLnBrk="1" latinLnBrk="0" hangingPunct="1">
+        <a:defRPr sz="1800" kern="1200">
+          <a:solidFill>
+            <a:schemeClr val="tx1"/>
+          </a:solidFill>
+          <a:latin typeface="+mn-lt"/>
+          <a:ea typeface="+mn-ea"/>
+          <a:cs typeface="+mn-cs"/>
+        </a:defRPr>
+      </a:lvl9pPr>
+    </p:otherStyle>
+  </p:txStyles>
+</p:sldMaster>
+</file>
+
 <file path=ppt/slides/slide1.xml><?xml version="1.0" encoding="utf-8"?>
 <p:sld xmlns:a="http://schemas.openxmlformats.org/drawingml/2006/main" xmlns:r="http://schemas.openxmlformats.org/officeDocument/2006/relationships" xmlns:p="http://schemas.openxmlformats.org/presentationml/2006/main" showMasterSp="0">
   <p:cSld>
@@ -18187,8 +21110,8 @@
         </p:blipFill>
         <p:spPr>
           <a:xfrm>
-            <a:off x="3209042" y="2060519"/>
-            <a:ext cx="5362303" cy="2727017"/>
+            <a:off x="3416076" y="2320506"/>
+            <a:ext cx="5362303" cy="2643768"/>
           </a:xfrm>
           <a:prstGeom prst="rect">
             <a:avLst/>
@@ -18211,7 +21134,7 @@
         </p:nvSpPr>
         <p:spPr>
           <a:xfrm>
-            <a:off x="1947333" y="892793"/>
+            <a:off x="1240694" y="792188"/>
             <a:ext cx="7411601" cy="279819"/>
           </a:xfrm>
           <a:prstGeom prst="rect">
@@ -18220,7 +21143,7 @@
         </p:spPr>
         <p:txBody>
           <a:bodyPr vert="horz" lIns="91440" tIns="45720" rIns="91440" bIns="45720" rtlCol="0" anchor="t">
-            <a:normAutofit lnSpcReduction="10000"/>
+            <a:noAutofit/>
           </a:bodyPr>
           <a:lstStyle>
             <a:lvl1pPr algn="l" defTabSz="914400" rtl="0" eaLnBrk="1" latinLnBrk="0" hangingPunct="1">
@@ -18243,13 +21166,13 @@
           </a:lstStyle>
           <a:p>
             <a:r>
-              <a:rPr lang="en-US" sz="1400" dirty="0">
+              <a:rPr lang="en-US" sz="1800" dirty="0">
                 <a:latin typeface="Calibri" panose="020F0502020204030204" pitchFamily="34" charset="0"/>
                 <a:cs typeface="Calibri" panose="020F0502020204030204" pitchFamily="34" charset="0"/>
               </a:rPr>
               <a:t>Graduate Certificate in Intelligent Reasoning Systems</a:t>
             </a:r>
-            <a:endParaRPr lang="en-SG" sz="1400" dirty="0">
+            <a:endParaRPr lang="en-SG" sz="1800" dirty="0">
               <a:solidFill>
                 <a:srgbClr val="339933"/>
               </a:solidFill>
@@ -18289,6 +21212,42 @@
           <a:xfrm>
             <a:off x="6800699" y="81579"/>
             <a:ext cx="2193969" cy="737571"/>
+          </a:xfrm>
+          <a:prstGeom prst="rect">
+            <a:avLst/>
+          </a:prstGeom>
+        </p:spPr>
+      </p:pic>
+      <p:pic>
+        <p:nvPicPr>
+          <p:cNvPr id="8" name="Picture 7" descr="A person with a beard and mustache wearing headphones&#10;&#10;Description automatically generated">
+            <a:extLst>
+              <a:ext uri="{FF2B5EF4-FFF2-40B4-BE49-F238E27FC236}">
+                <a16:creationId xmlns:a16="http://schemas.microsoft.com/office/drawing/2014/main" id="{A4A4B8EC-A9D8-0604-BBA1-ACE731E2660E}"/>
+              </a:ext>
+            </a:extLst>
+          </p:cNvPr>
+          <p:cNvPicPr>
+            <a:picLocks noChangeAspect="1"/>
+          </p:cNvPicPr>
+          <p:nvPr/>
+        </p:nvPicPr>
+        <p:blipFill>
+          <a:blip r:embed="rId4">
+            <a:extLst>
+              <a:ext uri="{28A0092B-C50C-407E-A947-70E740481C1C}">
+                <a14:useLocalDpi xmlns:a14="http://schemas.microsoft.com/office/drawing/2010/main" val="0"/>
+              </a:ext>
+            </a:extLst>
+          </a:blip>
+          <a:stretch>
+            <a:fillRect/>
+          </a:stretch>
+        </p:blipFill>
+        <p:spPr>
+          <a:xfrm>
+            <a:off x="457075" y="2060519"/>
+            <a:ext cx="2639808" cy="2903755"/>
           </a:xfrm>
           <a:prstGeom prst="rect">
             <a:avLst/>
@@ -20363,6 +23322,2307 @@
       </p:grpSpPr>
       <p:sp>
         <p:nvSpPr>
+          <p:cNvPr id="2" name="Title 1"/>
+          <p:cNvSpPr>
+            <a:spLocks noGrp="1"/>
+          </p:cNvSpPr>
+          <p:nvPr>
+            <p:ph type="title"/>
+          </p:nvPr>
+        </p:nvSpPr>
+        <p:spPr>
+          <a:xfrm>
+            <a:off x="0" y="450364"/>
+            <a:ext cx="6600413" cy="545561"/>
+          </a:xfrm>
+        </p:spPr>
+        <p:txBody>
+          <a:bodyPr>
+            <a:normAutofit/>
+          </a:bodyPr>
+          <a:lstStyle/>
+          <a:p>
+            <a:r>
+              <a:rPr lang="en-SG" sz="2900" dirty="0">
+                <a:solidFill>
+                  <a:schemeClr val="accent1"/>
+                </a:solidFill>
+                <a:latin typeface="Calibri" panose="020F0502020204030204" pitchFamily="34" charset="0"/>
+                <a:ea typeface="Calibri" panose="020F0502020204030204" pitchFamily="34" charset="0"/>
+                <a:cs typeface="Calibri" panose="020F0502020204030204" pitchFamily="34" charset="0"/>
+              </a:rPr>
+              <a:t>C</a:t>
+            </a:r>
+            <a:r>
+              <a:rPr lang="en-SG" sz="2900" dirty="0">
+                <a:solidFill>
+                  <a:schemeClr val="accent1"/>
+                </a:solidFill>
+                <a:effectLst/>
+                <a:latin typeface="Calibri" panose="020F0502020204030204" pitchFamily="34" charset="0"/>
+                <a:ea typeface="Calibri" panose="020F0502020204030204" pitchFamily="34" charset="0"/>
+                <a:cs typeface="Calibri" panose="020F0502020204030204" pitchFamily="34" charset="0"/>
+              </a:rPr>
+              <a:t>ontinuous learning and improvements</a:t>
+            </a:r>
+            <a:endParaRPr lang="en-SG" sz="2900" dirty="0">
+              <a:solidFill>
+                <a:schemeClr val="accent1"/>
+              </a:solidFill>
+              <a:latin typeface="Calibri" panose="020F0502020204030204" pitchFamily="34" charset="0"/>
+              <a:ea typeface="Calibri" panose="020F0502020204030204" pitchFamily="34" charset="0"/>
+              <a:cs typeface="Calibri" panose="020F0502020204030204" pitchFamily="34" charset="0"/>
+            </a:endParaRPr>
+          </a:p>
+        </p:txBody>
+      </p:sp>
+      <p:sp>
+        <p:nvSpPr>
+          <p:cNvPr id="3" name="Text Placeholder 2"/>
+          <p:cNvSpPr>
+            <a:spLocks noGrp="1"/>
+          </p:cNvSpPr>
+          <p:nvPr>
+            <p:ph type="body" sz="quarter" idx="13"/>
+          </p:nvPr>
+        </p:nvSpPr>
+        <p:spPr>
+          <a:xfrm>
+            <a:off x="111990" y="1115269"/>
+            <a:ext cx="8882677" cy="5292367"/>
+          </a:xfrm>
+        </p:spPr>
+        <p:txBody>
+          <a:bodyPr>
+            <a:normAutofit/>
+          </a:bodyPr>
+          <a:lstStyle/>
+          <a:p>
+            <a:pPr marL="0" indent="0" algn="l">
+              <a:buNone/>
+            </a:pPr>
+            <a:r>
+              <a:rPr lang="en-US" sz="1800" b="1" i="0" dirty="0">
+                <a:solidFill>
+                  <a:schemeClr val="tx1"/>
+                </a:solidFill>
+                <a:effectLst/>
+                <a:latin typeface="Calibri" panose="020F0502020204030204" pitchFamily="34" charset="0"/>
+                <a:ea typeface="Calibri" panose="020F0502020204030204" pitchFamily="34" charset="0"/>
+                <a:cs typeface="Calibri" panose="020F0502020204030204" pitchFamily="34" charset="0"/>
+              </a:rPr>
+              <a:t>Maintaining Machine Learning models</a:t>
+            </a:r>
+          </a:p>
+          <a:p>
+            <a:pPr marL="0" indent="0" algn="l">
+              <a:buNone/>
+            </a:pPr>
+            <a:endParaRPr lang="en-US" sz="1800" b="1" i="0" dirty="0">
+              <a:solidFill>
+                <a:schemeClr val="tx1"/>
+              </a:solidFill>
+              <a:effectLst/>
+              <a:latin typeface="Calibri" panose="020F0502020204030204" pitchFamily="34" charset="0"/>
+              <a:ea typeface="Calibri" panose="020F0502020204030204" pitchFamily="34" charset="0"/>
+              <a:cs typeface="Calibri" panose="020F0502020204030204" pitchFamily="34" charset="0"/>
+            </a:endParaRPr>
+          </a:p>
+          <a:p>
+            <a:pPr algn="l"/>
+            <a:r>
+              <a:rPr lang="en-US" sz="1400" i="0" dirty="0">
+                <a:solidFill>
+                  <a:schemeClr val="tx1"/>
+                </a:solidFill>
+                <a:effectLst/>
+                <a:latin typeface="Calibri" panose="020F0502020204030204" pitchFamily="34" charset="0"/>
+                <a:ea typeface="Calibri" panose="020F0502020204030204" pitchFamily="34" charset="0"/>
+                <a:cs typeface="Calibri" panose="020F0502020204030204" pitchFamily="34" charset="0"/>
+              </a:rPr>
+              <a:t>A Machine Learning model is a prediction machine that searches for patterns in data collected from various sources around the world and predicts future outcomes based on current observations. As the environment changes around us, so do the data patterns. ML models trained on historical data gradually become obsolete. As stated earlier, Machine Learning models work in dynamic data environments where data is constantly changing. “Concept drifts” are likely to happen, which would negatively impact the models’ accuracy if it’s not corrected, which is why it’s called “continual” learning.</a:t>
+            </a:r>
+          </a:p>
+          <a:p>
+            <a:pPr algn="l"/>
+            <a:r>
+              <a:rPr lang="en-US" sz="1400" i="0" dirty="0">
+                <a:solidFill>
+                  <a:schemeClr val="tx1"/>
+                </a:solidFill>
+                <a:effectLst/>
+                <a:latin typeface="Calibri" panose="020F0502020204030204" pitchFamily="34" charset="0"/>
+                <a:ea typeface="Calibri" panose="020F0502020204030204" pitchFamily="34" charset="0"/>
+                <a:cs typeface="Calibri" panose="020F0502020204030204" pitchFamily="34" charset="0"/>
+              </a:rPr>
+              <a:t>Unfortunately, AI requires human intervention, constant maintenance, management, and course correction to provide meaningful output. For example, during the COVID-19 pandemic, many machine models malfunctioned during the shutdown due to the major shift from the norm.</a:t>
+            </a:r>
+          </a:p>
+          <a:p>
+            <a:pPr algn="l"/>
+            <a:r>
+              <a:rPr lang="en-US" sz="1400" i="0" dirty="0">
+                <a:solidFill>
+                  <a:schemeClr val="tx1"/>
+                </a:solidFill>
+                <a:effectLst/>
+                <a:latin typeface="Calibri" panose="020F0502020204030204" pitchFamily="34" charset="0"/>
+                <a:ea typeface="Calibri" panose="020F0502020204030204" pitchFamily="34" charset="0"/>
+                <a:cs typeface="Calibri" panose="020F0502020204030204" pitchFamily="34" charset="0"/>
+              </a:rPr>
+              <a:t>According to </a:t>
+            </a:r>
+            <a:r>
+              <a:rPr lang="en-US" sz="1400" i="0" dirty="0">
+                <a:solidFill>
+                  <a:schemeClr val="tx1"/>
+                </a:solidFill>
+                <a:effectLst/>
+                <a:latin typeface="Calibri" panose="020F0502020204030204" pitchFamily="34" charset="0"/>
+                <a:ea typeface="Calibri" panose="020F0502020204030204" pitchFamily="34" charset="0"/>
+                <a:cs typeface="Calibri" panose="020F0502020204030204" pitchFamily="34" charset="0"/>
+                <a:hlinkClick r:id="rId2">
+                  <a:extLst>
+                    <a:ext uri="{A12FA001-AC4F-418D-AE19-62706E023703}">
+                      <ahyp:hlinkClr xmlns:ahyp="http://schemas.microsoft.com/office/drawing/2018/hyperlinkcolor" val="tx"/>
+                    </a:ext>
+                  </a:extLst>
+                </a:hlinkClick>
+              </a:rPr>
+              <a:t>Harvard Business Review</a:t>
+            </a:r>
+            <a:r>
+              <a:rPr lang="en-US" sz="1400" i="0" dirty="0">
+                <a:solidFill>
+                  <a:schemeClr val="tx1"/>
+                </a:solidFill>
+                <a:effectLst/>
+                <a:latin typeface="Calibri" panose="020F0502020204030204" pitchFamily="34" charset="0"/>
+                <a:ea typeface="Calibri" panose="020F0502020204030204" pitchFamily="34" charset="0"/>
+                <a:cs typeface="Calibri" panose="020F0502020204030204" pitchFamily="34" charset="0"/>
+              </a:rPr>
+              <a:t>, the impact on consumer behavior produced an unforeseen problem: an information gap, as data collected prior to the crisis, could no longer be used to predict future patterns accurately. The crucial component for retail customer loyalty programs, AI-driven product suggestions, and a wide range of critical business choices had a serious quality problem. Because of this, the ML models were required to be retrained.</a:t>
+            </a:r>
+          </a:p>
+          <a:p>
+            <a:pPr algn="l"/>
+            <a:r>
+              <a:rPr lang="en-US" sz="1400" i="0" dirty="0">
+                <a:solidFill>
+                  <a:schemeClr val="tx1"/>
+                </a:solidFill>
+                <a:effectLst/>
+                <a:latin typeface="Calibri" panose="020F0502020204030204" pitchFamily="34" charset="0"/>
+                <a:ea typeface="Calibri" panose="020F0502020204030204" pitchFamily="34" charset="0"/>
+                <a:cs typeface="Calibri" panose="020F0502020204030204" pitchFamily="34" charset="0"/>
+              </a:rPr>
+              <a:t>To summarize, ensuring that you have the infrastructure and processes in place to acquire and update your models on a continuous basis is the key to ensuring that your Machine Learning model will be effective in the long run.</a:t>
+            </a:r>
+          </a:p>
+        </p:txBody>
+      </p:sp>
+      <p:sp>
+        <p:nvSpPr>
+          <p:cNvPr id="4" name="Slide Number Placeholder 3"/>
+          <p:cNvSpPr>
+            <a:spLocks noGrp="1"/>
+          </p:cNvSpPr>
+          <p:nvPr>
+            <p:ph type="sldNum" sz="quarter" idx="4"/>
+          </p:nvPr>
+        </p:nvSpPr>
+        <p:spPr/>
+        <p:txBody>
+          <a:bodyPr/>
+          <a:lstStyle/>
+          <a:p>
+            <a:r>
+              <a:rPr lang="en-SG" dirty="0"/>
+              <a:t>Page </a:t>
+            </a:r>
+            <a:fld id="{2F63C605-4FC6-46DE-BC90-871762EA3F52}" type="slidenum">
+              <a:rPr lang="en-SG" smtClean="0"/>
+              <a:pPr/>
+              <a:t>12</a:t>
+            </a:fld>
+            <a:endParaRPr lang="en-SG" dirty="0"/>
+          </a:p>
+        </p:txBody>
+      </p:sp>
+      <p:pic>
+        <p:nvPicPr>
+          <p:cNvPr id="5" name="Picture 4">
+            <a:extLst>
+              <a:ext uri="{FF2B5EF4-FFF2-40B4-BE49-F238E27FC236}">
+                <a16:creationId xmlns:a16="http://schemas.microsoft.com/office/drawing/2014/main" id="{C044AC53-5AFA-83D5-BDF0-CB0A137D344A}"/>
+              </a:ext>
+            </a:extLst>
+          </p:cNvPr>
+          <p:cNvPicPr>
+            <a:picLocks noChangeAspect="1"/>
+          </p:cNvPicPr>
+          <p:nvPr/>
+        </p:nvPicPr>
+        <p:blipFill>
+          <a:blip r:embed="rId3">
+            <a:extLst>
+              <a:ext uri="{28A0092B-C50C-407E-A947-70E740481C1C}">
+                <a14:useLocalDpi xmlns:a14="http://schemas.microsoft.com/office/drawing/2010/main" val="0"/>
+              </a:ext>
+            </a:extLst>
+          </a:blip>
+          <a:stretch>
+            <a:fillRect/>
+          </a:stretch>
+        </p:blipFill>
+        <p:spPr>
+          <a:xfrm>
+            <a:off x="6800699" y="81579"/>
+            <a:ext cx="2193969" cy="737571"/>
+          </a:xfrm>
+          <a:prstGeom prst="rect">
+            <a:avLst/>
+          </a:prstGeom>
+        </p:spPr>
+      </p:pic>
+    </p:spTree>
+    <p:extLst>
+      <p:ext uri="{BB962C8B-B14F-4D97-AF65-F5344CB8AC3E}">
+        <p14:creationId xmlns:p14="http://schemas.microsoft.com/office/powerpoint/2010/main" val="4073991921"/>
+      </p:ext>
+    </p:extLst>
+  </p:cSld>
+  <p:clrMapOvr>
+    <a:masterClrMapping/>
+  </p:clrMapOvr>
+</p:sld>
+</file>
+
+<file path=ppt/slides/slide13.xml><?xml version="1.0" encoding="utf-8"?>
+<p:sld xmlns:a="http://schemas.openxmlformats.org/drawingml/2006/main" xmlns:r="http://schemas.openxmlformats.org/officeDocument/2006/relationships" xmlns:p="http://schemas.openxmlformats.org/presentationml/2006/main" showMasterSp="0">
+  <p:cSld>
+    <p:spTree>
+      <p:nvGrpSpPr>
+        <p:cNvPr id="1" name=""/>
+        <p:cNvGrpSpPr/>
+        <p:nvPr/>
+      </p:nvGrpSpPr>
+      <p:grpSpPr>
+        <a:xfrm>
+          <a:off x="0" y="0"/>
+          <a:ext cx="0" cy="0"/>
+          <a:chOff x="0" y="0"/>
+          <a:chExt cx="0" cy="0"/>
+        </a:xfrm>
+      </p:grpSpPr>
+      <p:sp>
+        <p:nvSpPr>
+          <p:cNvPr id="2" name="Title 1"/>
+          <p:cNvSpPr>
+            <a:spLocks noGrp="1"/>
+          </p:cNvSpPr>
+          <p:nvPr>
+            <p:ph type="title"/>
+          </p:nvPr>
+        </p:nvSpPr>
+        <p:spPr>
+          <a:xfrm>
+            <a:off x="0" y="450364"/>
+            <a:ext cx="6600413" cy="545561"/>
+          </a:xfrm>
+        </p:spPr>
+        <p:txBody>
+          <a:bodyPr>
+            <a:normAutofit/>
+          </a:bodyPr>
+          <a:lstStyle/>
+          <a:p>
+            <a:r>
+              <a:rPr lang="en-SG" sz="2900" dirty="0">
+                <a:solidFill>
+                  <a:schemeClr val="accent1"/>
+                </a:solidFill>
+                <a:latin typeface="Calibri" panose="020F0502020204030204" pitchFamily="34" charset="0"/>
+                <a:ea typeface="Calibri" panose="020F0502020204030204" pitchFamily="34" charset="0"/>
+                <a:cs typeface="Calibri" panose="020F0502020204030204" pitchFamily="34" charset="0"/>
+              </a:rPr>
+              <a:t>C</a:t>
+            </a:r>
+            <a:r>
+              <a:rPr lang="en-SG" sz="2900" dirty="0">
+                <a:solidFill>
+                  <a:schemeClr val="accent1"/>
+                </a:solidFill>
+                <a:effectLst/>
+                <a:latin typeface="Calibri" panose="020F0502020204030204" pitchFamily="34" charset="0"/>
+                <a:ea typeface="Calibri" panose="020F0502020204030204" pitchFamily="34" charset="0"/>
+                <a:cs typeface="Calibri" panose="020F0502020204030204" pitchFamily="34" charset="0"/>
+              </a:rPr>
+              <a:t>ontinuous learning and improvements</a:t>
+            </a:r>
+            <a:endParaRPr lang="en-SG" sz="2900" dirty="0">
+              <a:solidFill>
+                <a:schemeClr val="accent1"/>
+              </a:solidFill>
+              <a:latin typeface="Calibri" panose="020F0502020204030204" pitchFamily="34" charset="0"/>
+              <a:ea typeface="Calibri" panose="020F0502020204030204" pitchFamily="34" charset="0"/>
+              <a:cs typeface="Calibri" panose="020F0502020204030204" pitchFamily="34" charset="0"/>
+            </a:endParaRPr>
+          </a:p>
+        </p:txBody>
+      </p:sp>
+      <p:sp>
+        <p:nvSpPr>
+          <p:cNvPr id="3" name="Text Placeholder 2"/>
+          <p:cNvSpPr>
+            <a:spLocks noGrp="1"/>
+          </p:cNvSpPr>
+          <p:nvPr>
+            <p:ph type="body" sz="quarter" idx="13"/>
+          </p:nvPr>
+        </p:nvSpPr>
+        <p:spPr>
+          <a:xfrm>
+            <a:off x="111990" y="1115269"/>
+            <a:ext cx="8882677" cy="5292367"/>
+          </a:xfrm>
+        </p:spPr>
+        <p:txBody>
+          <a:bodyPr>
+            <a:normAutofit/>
+          </a:bodyPr>
+          <a:lstStyle/>
+          <a:p>
+            <a:pPr marL="0" indent="0" algn="l">
+              <a:buNone/>
+            </a:pPr>
+            <a:r>
+              <a:rPr lang="en-US" sz="1800" b="1" i="0" dirty="0">
+                <a:solidFill>
+                  <a:schemeClr val="tx1"/>
+                </a:solidFill>
+                <a:effectLst/>
+                <a:latin typeface="Calibri" panose="020F0502020204030204" pitchFamily="34" charset="0"/>
+                <a:ea typeface="Calibri" panose="020F0502020204030204" pitchFamily="34" charset="0"/>
+                <a:cs typeface="Calibri" panose="020F0502020204030204" pitchFamily="34" charset="0"/>
+              </a:rPr>
+              <a:t>Why should ML models be retrained?</a:t>
+            </a:r>
+          </a:p>
+          <a:p>
+            <a:pPr marL="0" indent="0" algn="l">
+              <a:buNone/>
+            </a:pPr>
+            <a:r>
+              <a:rPr lang="en-US" sz="1400" b="0" i="0" dirty="0">
+                <a:solidFill>
+                  <a:schemeClr val="tx1"/>
+                </a:solidFill>
+                <a:effectLst/>
+                <a:latin typeface="Calibri" panose="020F0502020204030204" pitchFamily="34" charset="0"/>
+                <a:ea typeface="Calibri" panose="020F0502020204030204" pitchFamily="34" charset="0"/>
+                <a:cs typeface="Calibri" panose="020F0502020204030204" pitchFamily="34" charset="0"/>
+              </a:rPr>
+              <a:t>As we near the end of this piece, here is a recap of some of the top reasons why ML models should be retrained:</a:t>
+            </a:r>
+          </a:p>
+          <a:p>
+            <a:pPr algn="l">
+              <a:buFont typeface="Arial" panose="020B0604020202020204" pitchFamily="34" charset="0"/>
+              <a:buChar char="•"/>
+            </a:pPr>
+            <a:r>
+              <a:rPr lang="en-US" sz="1400" b="1" i="0" dirty="0">
+                <a:solidFill>
+                  <a:schemeClr val="tx1"/>
+                </a:solidFill>
+                <a:effectLst/>
+                <a:latin typeface="Calibri" panose="020F0502020204030204" pitchFamily="34" charset="0"/>
+                <a:ea typeface="Calibri" panose="020F0502020204030204" pitchFamily="34" charset="0"/>
+                <a:cs typeface="Calibri" panose="020F0502020204030204" pitchFamily="34" charset="0"/>
+              </a:rPr>
+              <a:t>Periodic retraining</a:t>
+            </a:r>
+            <a:r>
+              <a:rPr lang="en-US" sz="1400" b="0" i="0" dirty="0">
+                <a:solidFill>
+                  <a:schemeClr val="tx1"/>
+                </a:solidFill>
+                <a:effectLst/>
+                <a:latin typeface="Calibri" panose="020F0502020204030204" pitchFamily="34" charset="0"/>
+                <a:ea typeface="Calibri" panose="020F0502020204030204" pitchFamily="34" charset="0"/>
+                <a:cs typeface="Calibri" panose="020F0502020204030204" pitchFamily="34" charset="0"/>
+              </a:rPr>
+              <a:t> </a:t>
+            </a:r>
+            <a:r>
+              <a:rPr lang="en-US" sz="1400" b="1" i="0" dirty="0">
+                <a:solidFill>
+                  <a:schemeClr val="tx1"/>
+                </a:solidFill>
+                <a:effectLst/>
+                <a:latin typeface="Calibri" panose="020F0502020204030204" pitchFamily="34" charset="0"/>
+                <a:ea typeface="Calibri" panose="020F0502020204030204" pitchFamily="34" charset="0"/>
+                <a:cs typeface="Calibri" panose="020F0502020204030204" pitchFamily="34" charset="0"/>
+              </a:rPr>
+              <a:t>keeps an ML model up to date on the latest data.</a:t>
+            </a:r>
+            <a:endParaRPr lang="en-US" sz="1400" b="0" i="0" dirty="0">
+              <a:solidFill>
+                <a:schemeClr val="tx1"/>
+              </a:solidFill>
+              <a:effectLst/>
+              <a:latin typeface="Calibri" panose="020F0502020204030204" pitchFamily="34" charset="0"/>
+              <a:ea typeface="Calibri" panose="020F0502020204030204" pitchFamily="34" charset="0"/>
+              <a:cs typeface="Calibri" panose="020F0502020204030204" pitchFamily="34" charset="0"/>
+            </a:endParaRPr>
+          </a:p>
+          <a:p>
+            <a:pPr algn="l"/>
+            <a:r>
+              <a:rPr lang="en-US" sz="1400" b="0" i="0" dirty="0">
+                <a:solidFill>
+                  <a:schemeClr val="tx1"/>
+                </a:solidFill>
+                <a:effectLst/>
+                <a:latin typeface="Calibri" panose="020F0502020204030204" pitchFamily="34" charset="0"/>
+                <a:ea typeface="Calibri" panose="020F0502020204030204" pitchFamily="34" charset="0"/>
+                <a:cs typeface="Calibri" panose="020F0502020204030204" pitchFamily="34" charset="0"/>
+              </a:rPr>
+              <a:t>ML models should be retrained on a regular basis. However, if there is no concept drift or significant reason for retraining, such as in the above-mentioned pandemic, this could be very costly in the long run.</a:t>
+            </a:r>
+          </a:p>
+          <a:p>
+            <a:pPr algn="l">
+              <a:buFont typeface="Arial" panose="020B0604020202020204" pitchFamily="34" charset="0"/>
+              <a:buChar char="•"/>
+            </a:pPr>
+            <a:r>
+              <a:rPr lang="en-US" sz="1400" b="1" i="0" dirty="0">
+                <a:solidFill>
+                  <a:schemeClr val="tx1"/>
+                </a:solidFill>
+                <a:effectLst/>
+                <a:latin typeface="Calibri" panose="020F0502020204030204" pitchFamily="34" charset="0"/>
+                <a:ea typeface="Calibri" panose="020F0502020204030204" pitchFamily="34" charset="0"/>
+                <a:cs typeface="Calibri" panose="020F0502020204030204" pitchFamily="34" charset="0"/>
+              </a:rPr>
+              <a:t>Sometimes ML models dip below an acceptable threshold.</a:t>
+            </a:r>
+            <a:endParaRPr lang="en-US" sz="1400" b="0" i="0" dirty="0">
+              <a:solidFill>
+                <a:schemeClr val="tx1"/>
+              </a:solidFill>
+              <a:effectLst/>
+              <a:latin typeface="Calibri" panose="020F0502020204030204" pitchFamily="34" charset="0"/>
+              <a:ea typeface="Calibri" panose="020F0502020204030204" pitchFamily="34" charset="0"/>
+              <a:cs typeface="Calibri" panose="020F0502020204030204" pitchFamily="34" charset="0"/>
+            </a:endParaRPr>
+          </a:p>
+          <a:p>
+            <a:pPr algn="l"/>
+            <a:r>
+              <a:rPr lang="en-US" sz="1400" b="0" i="0" dirty="0">
+                <a:solidFill>
+                  <a:schemeClr val="tx1"/>
+                </a:solidFill>
+                <a:effectLst/>
+                <a:latin typeface="Calibri" panose="020F0502020204030204" pitchFamily="34" charset="0"/>
+                <a:ea typeface="Calibri" panose="020F0502020204030204" pitchFamily="34" charset="0"/>
+                <a:cs typeface="Calibri" panose="020F0502020204030204" pitchFamily="34" charset="0"/>
+              </a:rPr>
+              <a:t>A major issue with this is that it takes a while to determine the ground truth, otherwise known as accurate data.</a:t>
+            </a:r>
+          </a:p>
+          <a:p>
+            <a:pPr algn="l">
+              <a:buFont typeface="Arial" panose="020B0604020202020204" pitchFamily="34" charset="0"/>
+              <a:buChar char="•"/>
+            </a:pPr>
+            <a:r>
+              <a:rPr lang="en-US" sz="1400" b="1" i="0" dirty="0">
+                <a:solidFill>
+                  <a:schemeClr val="tx1"/>
+                </a:solidFill>
+                <a:effectLst/>
+                <a:latin typeface="Calibri" panose="020F0502020204030204" pitchFamily="34" charset="0"/>
+                <a:ea typeface="Calibri" panose="020F0502020204030204" pitchFamily="34" charset="0"/>
+                <a:cs typeface="Calibri" panose="020F0502020204030204" pitchFamily="34" charset="0"/>
+              </a:rPr>
+              <a:t>Data can become too dissimilar from the data the ML model was originally trained on.</a:t>
+            </a:r>
+            <a:endParaRPr lang="en-US" sz="1400" b="0" i="0" dirty="0">
+              <a:solidFill>
+                <a:schemeClr val="tx1"/>
+              </a:solidFill>
+              <a:effectLst/>
+              <a:latin typeface="Calibri" panose="020F0502020204030204" pitchFamily="34" charset="0"/>
+              <a:ea typeface="Calibri" panose="020F0502020204030204" pitchFamily="34" charset="0"/>
+              <a:cs typeface="Calibri" panose="020F0502020204030204" pitchFamily="34" charset="0"/>
+            </a:endParaRPr>
+          </a:p>
+          <a:p>
+            <a:pPr algn="l"/>
+            <a:r>
+              <a:rPr lang="en-US" sz="1400" b="0" i="0" dirty="0">
+                <a:solidFill>
+                  <a:schemeClr val="tx1"/>
+                </a:solidFill>
+                <a:effectLst/>
+                <a:latin typeface="Calibri" panose="020F0502020204030204" pitchFamily="34" charset="0"/>
+                <a:ea typeface="Calibri" panose="020F0502020204030204" pitchFamily="34" charset="0"/>
+                <a:cs typeface="Calibri" panose="020F0502020204030204" pitchFamily="34" charset="0"/>
+              </a:rPr>
+              <a:t>To prevent this from happening, it’s essential to keep the team or individual who is aware of the initial data input in the loop.</a:t>
+            </a:r>
+            <a:endParaRPr lang="en-US" sz="1400" i="0" dirty="0">
+              <a:solidFill>
+                <a:schemeClr val="tx1"/>
+              </a:solidFill>
+              <a:effectLst/>
+              <a:latin typeface="Calibri" panose="020F0502020204030204" pitchFamily="34" charset="0"/>
+              <a:ea typeface="Calibri" panose="020F0502020204030204" pitchFamily="34" charset="0"/>
+              <a:cs typeface="Calibri" panose="020F0502020204030204" pitchFamily="34" charset="0"/>
+            </a:endParaRPr>
+          </a:p>
+        </p:txBody>
+      </p:sp>
+      <p:sp>
+        <p:nvSpPr>
+          <p:cNvPr id="4" name="Slide Number Placeholder 3"/>
+          <p:cNvSpPr>
+            <a:spLocks noGrp="1"/>
+          </p:cNvSpPr>
+          <p:nvPr>
+            <p:ph type="sldNum" sz="quarter" idx="4"/>
+          </p:nvPr>
+        </p:nvSpPr>
+        <p:spPr/>
+        <p:txBody>
+          <a:bodyPr/>
+          <a:lstStyle/>
+          <a:p>
+            <a:r>
+              <a:rPr lang="en-SG" dirty="0"/>
+              <a:t>Page </a:t>
+            </a:r>
+            <a:fld id="{2F63C605-4FC6-46DE-BC90-871762EA3F52}" type="slidenum">
+              <a:rPr lang="en-SG" smtClean="0"/>
+              <a:pPr/>
+              <a:t>13</a:t>
+            </a:fld>
+            <a:endParaRPr lang="en-SG" dirty="0"/>
+          </a:p>
+        </p:txBody>
+      </p:sp>
+      <p:pic>
+        <p:nvPicPr>
+          <p:cNvPr id="5" name="Picture 4">
+            <a:extLst>
+              <a:ext uri="{FF2B5EF4-FFF2-40B4-BE49-F238E27FC236}">
+                <a16:creationId xmlns:a16="http://schemas.microsoft.com/office/drawing/2014/main" id="{C044AC53-5AFA-83D5-BDF0-CB0A137D344A}"/>
+              </a:ext>
+            </a:extLst>
+          </p:cNvPr>
+          <p:cNvPicPr>
+            <a:picLocks noChangeAspect="1"/>
+          </p:cNvPicPr>
+          <p:nvPr/>
+        </p:nvPicPr>
+        <p:blipFill>
+          <a:blip r:embed="rId2">
+            <a:extLst>
+              <a:ext uri="{28A0092B-C50C-407E-A947-70E740481C1C}">
+                <a14:useLocalDpi xmlns:a14="http://schemas.microsoft.com/office/drawing/2010/main" val="0"/>
+              </a:ext>
+            </a:extLst>
+          </a:blip>
+          <a:stretch>
+            <a:fillRect/>
+          </a:stretch>
+        </p:blipFill>
+        <p:spPr>
+          <a:xfrm>
+            <a:off x="6800699" y="81579"/>
+            <a:ext cx="2193969" cy="737571"/>
+          </a:xfrm>
+          <a:prstGeom prst="rect">
+            <a:avLst/>
+          </a:prstGeom>
+        </p:spPr>
+      </p:pic>
+      <p:sp>
+        <p:nvSpPr>
+          <p:cNvPr id="7" name="TextBox 6">
+            <a:extLst>
+              <a:ext uri="{FF2B5EF4-FFF2-40B4-BE49-F238E27FC236}">
+                <a16:creationId xmlns:a16="http://schemas.microsoft.com/office/drawing/2014/main" id="{4B254271-6D05-27B8-40A3-B3F301F9AE3B}"/>
+              </a:ext>
+            </a:extLst>
+          </p:cNvPr>
+          <p:cNvSpPr txBox="1"/>
+          <p:nvPr/>
+        </p:nvSpPr>
+        <p:spPr>
+          <a:xfrm>
+            <a:off x="233066" y="4215070"/>
+            <a:ext cx="8798944" cy="2154436"/>
+          </a:xfrm>
+          <a:prstGeom prst="rect">
+            <a:avLst/>
+          </a:prstGeom>
+          <a:noFill/>
+        </p:spPr>
+        <p:txBody>
+          <a:bodyPr wrap="square">
+            <a:spAutoFit/>
+          </a:bodyPr>
+          <a:lstStyle/>
+          <a:p>
+            <a:pPr algn="l"/>
+            <a:r>
+              <a:rPr lang="en-US" b="1" i="0" dirty="0">
+                <a:solidFill>
+                  <a:srgbClr val="242424"/>
+                </a:solidFill>
+                <a:effectLst/>
+                <a:latin typeface="Calibri" panose="020F0502020204030204" pitchFamily="34" charset="0"/>
+                <a:ea typeface="Calibri" panose="020F0502020204030204" pitchFamily="34" charset="0"/>
+                <a:cs typeface="Calibri" panose="020F0502020204030204" pitchFamily="34" charset="0"/>
+              </a:rPr>
+              <a:t>Training methods :</a:t>
+            </a:r>
+          </a:p>
+          <a:p>
+            <a:pPr algn="l"/>
+            <a:endParaRPr lang="en-US" b="1" i="0" dirty="0">
+              <a:solidFill>
+                <a:srgbClr val="242424"/>
+              </a:solidFill>
+              <a:effectLst/>
+              <a:latin typeface="Calibri" panose="020F0502020204030204" pitchFamily="34" charset="0"/>
+              <a:ea typeface="Calibri" panose="020F0502020204030204" pitchFamily="34" charset="0"/>
+              <a:cs typeface="Calibri" panose="020F0502020204030204" pitchFamily="34" charset="0"/>
+            </a:endParaRPr>
+          </a:p>
+          <a:p>
+            <a:pPr algn="l"/>
+            <a:r>
+              <a:rPr lang="en-US" sz="1400" b="0" i="0" dirty="0">
+                <a:solidFill>
+                  <a:srgbClr val="242424"/>
+                </a:solidFill>
+                <a:effectLst/>
+                <a:latin typeface="Calibri" panose="020F0502020204030204" pitchFamily="34" charset="0"/>
+                <a:ea typeface="Calibri" panose="020F0502020204030204" pitchFamily="34" charset="0"/>
+                <a:cs typeface="Calibri" panose="020F0502020204030204" pitchFamily="34" charset="0"/>
+              </a:rPr>
+              <a:t>We can continuously train a machine learning model in multiple ways.</a:t>
+            </a:r>
+          </a:p>
+          <a:p>
+            <a:pPr algn="l">
+              <a:buFont typeface="+mj-lt"/>
+              <a:buAutoNum type="arabicPeriod"/>
+            </a:pPr>
+            <a:r>
+              <a:rPr lang="en-US" sz="1400" b="1" i="0" dirty="0">
+                <a:solidFill>
+                  <a:srgbClr val="242424"/>
+                </a:solidFill>
+                <a:effectLst/>
+                <a:latin typeface="Calibri" panose="020F0502020204030204" pitchFamily="34" charset="0"/>
+                <a:ea typeface="Calibri" panose="020F0502020204030204" pitchFamily="34" charset="0"/>
+                <a:cs typeface="Calibri" panose="020F0502020204030204" pitchFamily="34" charset="0"/>
+              </a:rPr>
+              <a:t>Incremental training - </a:t>
+            </a:r>
+            <a:r>
+              <a:rPr lang="en-US" sz="1400" b="0" i="0" dirty="0">
+                <a:solidFill>
+                  <a:srgbClr val="242424"/>
+                </a:solidFill>
+                <a:effectLst/>
+                <a:latin typeface="Calibri" panose="020F0502020204030204" pitchFamily="34" charset="0"/>
+                <a:ea typeface="Calibri" panose="020F0502020204030204" pitchFamily="34" charset="0"/>
+                <a:cs typeface="Calibri" panose="020F0502020204030204" pitchFamily="34" charset="0"/>
+              </a:rPr>
+              <a:t>training</a:t>
+            </a:r>
+            <a:r>
+              <a:rPr lang="en-US" sz="1400" b="1" i="0" dirty="0">
+                <a:solidFill>
+                  <a:srgbClr val="242424"/>
+                </a:solidFill>
+                <a:effectLst/>
+                <a:latin typeface="Calibri" panose="020F0502020204030204" pitchFamily="34" charset="0"/>
+                <a:ea typeface="Calibri" panose="020F0502020204030204" pitchFamily="34" charset="0"/>
+                <a:cs typeface="Calibri" panose="020F0502020204030204" pitchFamily="34" charset="0"/>
+              </a:rPr>
+              <a:t> </a:t>
+            </a:r>
+            <a:r>
+              <a:rPr lang="en-US" sz="1400" b="0" i="0" dirty="0">
+                <a:solidFill>
+                  <a:srgbClr val="242424"/>
+                </a:solidFill>
+                <a:effectLst/>
+                <a:latin typeface="Calibri" panose="020F0502020204030204" pitchFamily="34" charset="0"/>
+                <a:ea typeface="Calibri" panose="020F0502020204030204" pitchFamily="34" charset="0"/>
+                <a:cs typeface="Calibri" panose="020F0502020204030204" pitchFamily="34" charset="0"/>
+              </a:rPr>
+              <a:t>the model with new data as the data comes in (over the existing model).</a:t>
+            </a:r>
+          </a:p>
+          <a:p>
+            <a:pPr algn="l">
+              <a:buFont typeface="+mj-lt"/>
+              <a:buAutoNum type="arabicPeriod"/>
+            </a:pPr>
+            <a:r>
+              <a:rPr lang="en-US" sz="1400" b="1" i="0" dirty="0">
+                <a:solidFill>
+                  <a:srgbClr val="242424"/>
+                </a:solidFill>
+                <a:effectLst/>
+                <a:latin typeface="Calibri" panose="020F0502020204030204" pitchFamily="34" charset="0"/>
+                <a:ea typeface="Calibri" panose="020F0502020204030204" pitchFamily="34" charset="0"/>
+                <a:cs typeface="Calibri" panose="020F0502020204030204" pitchFamily="34" charset="0"/>
+              </a:rPr>
+              <a:t>Batch training - </a:t>
+            </a:r>
+            <a:r>
+              <a:rPr lang="en-US" sz="1400" b="0" i="0" dirty="0">
+                <a:solidFill>
+                  <a:srgbClr val="242424"/>
+                </a:solidFill>
+                <a:effectLst/>
+                <a:latin typeface="Calibri" panose="020F0502020204030204" pitchFamily="34" charset="0"/>
+                <a:ea typeface="Calibri" panose="020F0502020204030204" pitchFamily="34" charset="0"/>
+                <a:cs typeface="Calibri" panose="020F0502020204030204" pitchFamily="34" charset="0"/>
+              </a:rPr>
+              <a:t>training the model once a significant amount of new data is available (over the existing model).</a:t>
+            </a:r>
+          </a:p>
+          <a:p>
+            <a:pPr algn="l">
+              <a:buFont typeface="+mj-lt"/>
+              <a:buAutoNum type="arabicPeriod"/>
+            </a:pPr>
+            <a:r>
+              <a:rPr lang="en-US" sz="1400" b="1" i="0" dirty="0">
+                <a:solidFill>
+                  <a:srgbClr val="242424"/>
+                </a:solidFill>
+                <a:effectLst/>
+                <a:latin typeface="Calibri" panose="020F0502020204030204" pitchFamily="34" charset="0"/>
+                <a:ea typeface="Calibri" panose="020F0502020204030204" pitchFamily="34" charset="0"/>
+                <a:cs typeface="Calibri" panose="020F0502020204030204" pitchFamily="34" charset="0"/>
+              </a:rPr>
+              <a:t>Retraining - </a:t>
+            </a:r>
+            <a:r>
+              <a:rPr lang="en-US" sz="1400" b="0" i="0" dirty="0">
+                <a:solidFill>
+                  <a:srgbClr val="242424"/>
+                </a:solidFill>
+                <a:effectLst/>
+                <a:latin typeface="Calibri" panose="020F0502020204030204" pitchFamily="34" charset="0"/>
+                <a:ea typeface="Calibri" panose="020F0502020204030204" pitchFamily="34" charset="0"/>
+                <a:cs typeface="Calibri" panose="020F0502020204030204" pitchFamily="34" charset="0"/>
+              </a:rPr>
+              <a:t>retraining the entire model from scratch once a significant amount of data is available.</a:t>
+            </a:r>
+          </a:p>
+          <a:p>
+            <a:pPr algn="l"/>
+            <a:r>
+              <a:rPr lang="en-US" sz="1400" b="0" i="0" dirty="0">
+                <a:solidFill>
+                  <a:srgbClr val="242424"/>
+                </a:solidFill>
+                <a:effectLst/>
+                <a:latin typeface="Calibri" panose="020F0502020204030204" pitchFamily="34" charset="0"/>
+                <a:ea typeface="Calibri" panose="020F0502020204030204" pitchFamily="34" charset="0"/>
+                <a:cs typeface="Calibri" panose="020F0502020204030204" pitchFamily="34" charset="0"/>
+              </a:rPr>
+              <a:t>Every method has its pros and cons and is suitable for different scenarios. But all these methods come with an overhead that unless we have a process to automate it, will be </a:t>
+            </a:r>
+            <a:r>
+              <a:rPr lang="en-US" sz="1400" b="1" i="0" dirty="0">
+                <a:solidFill>
+                  <a:srgbClr val="242424"/>
+                </a:solidFill>
+                <a:effectLst/>
+                <a:latin typeface="Calibri" panose="020F0502020204030204" pitchFamily="34" charset="0"/>
+                <a:ea typeface="Calibri" panose="020F0502020204030204" pitchFamily="34" charset="0"/>
+                <a:cs typeface="Calibri" panose="020F0502020204030204" pitchFamily="34" charset="0"/>
+              </a:rPr>
+              <a:t>tiring manual work</a:t>
+            </a:r>
+            <a:r>
+              <a:rPr lang="en-US" sz="1400" b="0" i="0" dirty="0">
+                <a:solidFill>
+                  <a:srgbClr val="242424"/>
+                </a:solidFill>
+                <a:effectLst/>
+                <a:latin typeface="Calibri" panose="020F0502020204030204" pitchFamily="34" charset="0"/>
+                <a:ea typeface="Calibri" panose="020F0502020204030204" pitchFamily="34" charset="0"/>
+                <a:cs typeface="Calibri" panose="020F0502020204030204" pitchFamily="34" charset="0"/>
+              </a:rPr>
+              <a:t>. That’s where </a:t>
+            </a:r>
+            <a:r>
+              <a:rPr lang="en-US" sz="1400" b="0" i="0" dirty="0" err="1">
+                <a:solidFill>
+                  <a:srgbClr val="242424"/>
+                </a:solidFill>
+                <a:effectLst/>
+                <a:latin typeface="Calibri" panose="020F0502020204030204" pitchFamily="34" charset="0"/>
+                <a:ea typeface="Calibri" panose="020F0502020204030204" pitchFamily="34" charset="0"/>
+                <a:cs typeface="Calibri" panose="020F0502020204030204" pitchFamily="34" charset="0"/>
+              </a:rPr>
+              <a:t>MLOps</a:t>
+            </a:r>
+            <a:r>
+              <a:rPr lang="en-US" sz="1400" b="0" i="0" dirty="0">
+                <a:solidFill>
+                  <a:srgbClr val="242424"/>
+                </a:solidFill>
+                <a:effectLst/>
+                <a:latin typeface="Calibri" panose="020F0502020204030204" pitchFamily="34" charset="0"/>
+                <a:ea typeface="Calibri" panose="020F0502020204030204" pitchFamily="34" charset="0"/>
+                <a:cs typeface="Calibri" panose="020F0502020204030204" pitchFamily="34" charset="0"/>
+              </a:rPr>
+              <a:t> pipelines come into the picture.</a:t>
+            </a:r>
+          </a:p>
+        </p:txBody>
+      </p:sp>
+    </p:spTree>
+    <p:extLst>
+      <p:ext uri="{BB962C8B-B14F-4D97-AF65-F5344CB8AC3E}">
+        <p14:creationId xmlns:p14="http://schemas.microsoft.com/office/powerpoint/2010/main" val="3692862410"/>
+      </p:ext>
+    </p:extLst>
+  </p:cSld>
+  <p:clrMapOvr>
+    <a:masterClrMapping/>
+  </p:clrMapOvr>
+</p:sld>
+</file>
+
+<file path=ppt/slides/slide14.xml><?xml version="1.0" encoding="utf-8"?>
+<p:sld xmlns:a="http://schemas.openxmlformats.org/drawingml/2006/main" xmlns:r="http://schemas.openxmlformats.org/officeDocument/2006/relationships" xmlns:p="http://schemas.openxmlformats.org/presentationml/2006/main" showMasterSp="0">
+  <p:cSld>
+    <p:spTree>
+      <p:nvGrpSpPr>
+        <p:cNvPr id="1" name=""/>
+        <p:cNvGrpSpPr/>
+        <p:nvPr/>
+      </p:nvGrpSpPr>
+      <p:grpSpPr>
+        <a:xfrm>
+          <a:off x="0" y="0"/>
+          <a:ext cx="0" cy="0"/>
+          <a:chOff x="0" y="0"/>
+          <a:chExt cx="0" cy="0"/>
+        </a:xfrm>
+      </p:grpSpPr>
+      <p:sp>
+        <p:nvSpPr>
+          <p:cNvPr id="2" name="Title 1"/>
+          <p:cNvSpPr>
+            <a:spLocks noGrp="1"/>
+          </p:cNvSpPr>
+          <p:nvPr>
+            <p:ph type="title"/>
+          </p:nvPr>
+        </p:nvSpPr>
+        <p:spPr>
+          <a:xfrm>
+            <a:off x="0" y="450364"/>
+            <a:ext cx="6600413" cy="545561"/>
+          </a:xfrm>
+        </p:spPr>
+        <p:txBody>
+          <a:bodyPr>
+            <a:normAutofit/>
+          </a:bodyPr>
+          <a:lstStyle/>
+          <a:p>
+            <a:pPr algn="l"/>
+            <a:r>
+              <a:rPr lang="en-SG" sz="2900" b="1" i="0" dirty="0">
+                <a:solidFill>
+                  <a:schemeClr val="accent1"/>
+                </a:solidFill>
+                <a:effectLst/>
+                <a:latin typeface="Calibri" panose="020F0502020204030204" pitchFamily="34" charset="0"/>
+                <a:ea typeface="Calibri" panose="020F0502020204030204" pitchFamily="34" charset="0"/>
+                <a:cs typeface="Calibri" panose="020F0502020204030204" pitchFamily="34" charset="0"/>
+              </a:rPr>
+              <a:t>MLOps Pipeline</a:t>
+            </a:r>
+          </a:p>
+        </p:txBody>
+      </p:sp>
+      <p:sp>
+        <p:nvSpPr>
+          <p:cNvPr id="4" name="Slide Number Placeholder 3"/>
+          <p:cNvSpPr>
+            <a:spLocks noGrp="1"/>
+          </p:cNvSpPr>
+          <p:nvPr>
+            <p:ph type="sldNum" sz="quarter" idx="4"/>
+          </p:nvPr>
+        </p:nvSpPr>
+        <p:spPr/>
+        <p:txBody>
+          <a:bodyPr/>
+          <a:lstStyle/>
+          <a:p>
+            <a:r>
+              <a:rPr lang="en-SG" dirty="0"/>
+              <a:t>Page </a:t>
+            </a:r>
+            <a:fld id="{2F63C605-4FC6-46DE-BC90-871762EA3F52}" type="slidenum">
+              <a:rPr lang="en-SG" smtClean="0"/>
+              <a:pPr/>
+              <a:t>14</a:t>
+            </a:fld>
+            <a:endParaRPr lang="en-SG" dirty="0"/>
+          </a:p>
+        </p:txBody>
+      </p:sp>
+      <p:pic>
+        <p:nvPicPr>
+          <p:cNvPr id="5" name="Picture 4">
+            <a:extLst>
+              <a:ext uri="{FF2B5EF4-FFF2-40B4-BE49-F238E27FC236}">
+                <a16:creationId xmlns:a16="http://schemas.microsoft.com/office/drawing/2014/main" id="{C044AC53-5AFA-83D5-BDF0-CB0A137D344A}"/>
+              </a:ext>
+            </a:extLst>
+          </p:cNvPr>
+          <p:cNvPicPr>
+            <a:picLocks noChangeAspect="1"/>
+          </p:cNvPicPr>
+          <p:nvPr/>
+        </p:nvPicPr>
+        <p:blipFill>
+          <a:blip r:embed="rId2">
+            <a:extLst>
+              <a:ext uri="{28A0092B-C50C-407E-A947-70E740481C1C}">
+                <a14:useLocalDpi xmlns:a14="http://schemas.microsoft.com/office/drawing/2010/main" val="0"/>
+              </a:ext>
+            </a:extLst>
+          </a:blip>
+          <a:stretch>
+            <a:fillRect/>
+          </a:stretch>
+        </p:blipFill>
+        <p:spPr>
+          <a:xfrm>
+            <a:off x="6800699" y="81579"/>
+            <a:ext cx="2193969" cy="737571"/>
+          </a:xfrm>
+          <a:prstGeom prst="rect">
+            <a:avLst/>
+          </a:prstGeom>
+        </p:spPr>
+      </p:pic>
+      <p:pic>
+        <p:nvPicPr>
+          <p:cNvPr id="1026" name="Picture 2">
+            <a:extLst>
+              <a:ext uri="{FF2B5EF4-FFF2-40B4-BE49-F238E27FC236}">
+                <a16:creationId xmlns:a16="http://schemas.microsoft.com/office/drawing/2014/main" id="{F17BB804-00C0-6A1E-1868-7A1193437785}"/>
+              </a:ext>
+            </a:extLst>
+          </p:cNvPr>
+          <p:cNvPicPr>
+            <a:picLocks noChangeAspect="1" noChangeArrowheads="1"/>
+          </p:cNvPicPr>
+          <p:nvPr/>
+        </p:nvPicPr>
+        <p:blipFill>
+          <a:blip r:embed="rId3">
+            <a:extLst>
+              <a:ext uri="{28A0092B-C50C-407E-A947-70E740481C1C}">
+                <a14:useLocalDpi xmlns:a14="http://schemas.microsoft.com/office/drawing/2010/main" val="0"/>
+              </a:ext>
+            </a:extLst>
+          </a:blip>
+          <a:srcRect/>
+          <a:stretch>
+            <a:fillRect/>
+          </a:stretch>
+        </p:blipFill>
+        <p:spPr bwMode="auto">
+          <a:xfrm>
+            <a:off x="767751" y="1323779"/>
+            <a:ext cx="7582619" cy="2513598"/>
+          </a:xfrm>
+          <a:prstGeom prst="rect">
+            <a:avLst/>
+          </a:prstGeom>
+          <a:noFill/>
+          <a:extLst>
+            <a:ext uri="{909E8E84-426E-40DD-AFC4-6F175D3DCCD1}">
+              <a14:hiddenFill xmlns:a14="http://schemas.microsoft.com/office/drawing/2010/main">
+                <a:solidFill>
+                  <a:srgbClr val="FFFFFF"/>
+                </a:solidFill>
+              </a14:hiddenFill>
+            </a:ext>
+          </a:extLst>
+        </p:spPr>
+      </p:pic>
+      <p:sp>
+        <p:nvSpPr>
+          <p:cNvPr id="8" name="TextBox 7">
+            <a:extLst>
+              <a:ext uri="{FF2B5EF4-FFF2-40B4-BE49-F238E27FC236}">
+                <a16:creationId xmlns:a16="http://schemas.microsoft.com/office/drawing/2014/main" id="{7E7554DF-9EC3-EE58-5C53-FAB527847AE6}"/>
+              </a:ext>
+            </a:extLst>
+          </p:cNvPr>
+          <p:cNvSpPr txBox="1"/>
+          <p:nvPr/>
+        </p:nvSpPr>
+        <p:spPr>
+          <a:xfrm>
+            <a:off x="207297" y="4035065"/>
+            <a:ext cx="8729405" cy="2585323"/>
+          </a:xfrm>
+          <a:prstGeom prst="rect">
+            <a:avLst/>
+          </a:prstGeom>
+          <a:noFill/>
+        </p:spPr>
+        <p:txBody>
+          <a:bodyPr wrap="square">
+            <a:spAutoFit/>
+          </a:bodyPr>
+          <a:lstStyle/>
+          <a:p>
+            <a:pPr algn="l"/>
+            <a:r>
+              <a:rPr lang="en-US" b="1" i="0" dirty="0">
+                <a:solidFill>
+                  <a:srgbClr val="242424"/>
+                </a:solidFill>
+                <a:effectLst/>
+                <a:latin typeface="Calibri" panose="020F0502020204030204" pitchFamily="34" charset="0"/>
+                <a:ea typeface="Calibri" panose="020F0502020204030204" pitchFamily="34" charset="0"/>
+                <a:cs typeface="Calibri" panose="020F0502020204030204" pitchFamily="34" charset="0"/>
+              </a:rPr>
+              <a:t>The </a:t>
+            </a:r>
+            <a:r>
+              <a:rPr lang="en-US" b="1" i="0" dirty="0" err="1">
+                <a:solidFill>
+                  <a:srgbClr val="242424"/>
+                </a:solidFill>
+                <a:effectLst/>
+                <a:latin typeface="Calibri" panose="020F0502020204030204" pitchFamily="34" charset="0"/>
+                <a:ea typeface="Calibri" panose="020F0502020204030204" pitchFamily="34" charset="0"/>
+                <a:cs typeface="Calibri" panose="020F0502020204030204" pitchFamily="34" charset="0"/>
+              </a:rPr>
+              <a:t>MLOps</a:t>
+            </a:r>
+            <a:r>
+              <a:rPr lang="en-US" b="1" i="0" dirty="0">
+                <a:solidFill>
+                  <a:srgbClr val="242424"/>
+                </a:solidFill>
+                <a:effectLst/>
+                <a:latin typeface="Calibri" panose="020F0502020204030204" pitchFamily="34" charset="0"/>
+                <a:ea typeface="Calibri" panose="020F0502020204030204" pitchFamily="34" charset="0"/>
+                <a:cs typeface="Calibri" panose="020F0502020204030204" pitchFamily="34" charset="0"/>
+              </a:rPr>
+              <a:t> has 4 core principles.</a:t>
+            </a:r>
+          </a:p>
+          <a:p>
+            <a:pPr algn="l"/>
+            <a:endParaRPr lang="en-US" b="1" i="0" dirty="0">
+              <a:solidFill>
+                <a:srgbClr val="242424"/>
+              </a:solidFill>
+              <a:effectLst/>
+              <a:latin typeface="Calibri" panose="020F0502020204030204" pitchFamily="34" charset="0"/>
+              <a:ea typeface="Calibri" panose="020F0502020204030204" pitchFamily="34" charset="0"/>
+              <a:cs typeface="Calibri" panose="020F0502020204030204" pitchFamily="34" charset="0"/>
+            </a:endParaRPr>
+          </a:p>
+          <a:p>
+            <a:pPr algn="l">
+              <a:buFont typeface="+mj-lt"/>
+              <a:buAutoNum type="arabicPeriod"/>
+            </a:pPr>
+            <a:r>
+              <a:rPr lang="en-US" sz="1400" b="1" i="0" dirty="0">
+                <a:solidFill>
+                  <a:srgbClr val="242424"/>
+                </a:solidFill>
+                <a:effectLst/>
+                <a:latin typeface="Calibri" panose="020F0502020204030204" pitchFamily="34" charset="0"/>
+                <a:ea typeface="Calibri" panose="020F0502020204030204" pitchFamily="34" charset="0"/>
+                <a:cs typeface="Calibri" panose="020F0502020204030204" pitchFamily="34" charset="0"/>
+              </a:rPr>
+              <a:t>Continuous Integration</a:t>
+            </a:r>
+            <a:r>
+              <a:rPr lang="en-US" sz="1400" b="0" i="0" dirty="0">
+                <a:solidFill>
+                  <a:srgbClr val="242424"/>
+                </a:solidFill>
+                <a:effectLst/>
+                <a:latin typeface="Calibri" panose="020F0502020204030204" pitchFamily="34" charset="0"/>
+                <a:ea typeface="Calibri" panose="020F0502020204030204" pitchFamily="34" charset="0"/>
+                <a:cs typeface="Calibri" panose="020F0502020204030204" pitchFamily="34" charset="0"/>
+              </a:rPr>
+              <a:t> (CI): In this stage, the continuous testing and validating of code, data, and models takes place.</a:t>
+            </a:r>
+          </a:p>
+          <a:p>
+            <a:pPr algn="l">
+              <a:buFont typeface="+mj-lt"/>
+              <a:buAutoNum type="arabicPeriod"/>
+            </a:pPr>
+            <a:r>
+              <a:rPr lang="en-US" sz="1400" b="1" i="0" dirty="0">
+                <a:solidFill>
+                  <a:srgbClr val="242424"/>
+                </a:solidFill>
+                <a:effectLst/>
+                <a:latin typeface="Calibri" panose="020F0502020204030204" pitchFamily="34" charset="0"/>
+                <a:ea typeface="Calibri" panose="020F0502020204030204" pitchFamily="34" charset="0"/>
+                <a:cs typeface="Calibri" panose="020F0502020204030204" pitchFamily="34" charset="0"/>
+              </a:rPr>
+              <a:t>Continuous Delivery</a:t>
+            </a:r>
+            <a:r>
+              <a:rPr lang="en-US" sz="1400" b="0" i="0" dirty="0">
+                <a:solidFill>
+                  <a:srgbClr val="242424"/>
+                </a:solidFill>
+                <a:effectLst/>
+                <a:latin typeface="Calibri" panose="020F0502020204030204" pitchFamily="34" charset="0"/>
+                <a:ea typeface="Calibri" panose="020F0502020204030204" pitchFamily="34" charset="0"/>
+                <a:cs typeface="Calibri" panose="020F0502020204030204" pitchFamily="34" charset="0"/>
+              </a:rPr>
+              <a:t> (CD): In this stage, the delivery of an ML training pipeline that automatically deploys another ML model prediction service takes place.</a:t>
+            </a:r>
+          </a:p>
+          <a:p>
+            <a:pPr algn="l">
+              <a:buFont typeface="+mj-lt"/>
+              <a:buAutoNum type="arabicPeriod"/>
+            </a:pPr>
+            <a:r>
+              <a:rPr lang="en-US" sz="1400" b="1" i="0" dirty="0">
+                <a:solidFill>
+                  <a:srgbClr val="242424"/>
+                </a:solidFill>
+                <a:effectLst/>
+                <a:latin typeface="Calibri" panose="020F0502020204030204" pitchFamily="34" charset="0"/>
+                <a:ea typeface="Calibri" panose="020F0502020204030204" pitchFamily="34" charset="0"/>
+                <a:cs typeface="Calibri" panose="020F0502020204030204" pitchFamily="34" charset="0"/>
+              </a:rPr>
+              <a:t>Continuous Training</a:t>
+            </a:r>
+            <a:r>
+              <a:rPr lang="en-US" sz="1400" b="0" i="0" dirty="0">
+                <a:solidFill>
+                  <a:srgbClr val="242424"/>
+                </a:solidFill>
+                <a:effectLst/>
+                <a:latin typeface="Calibri" panose="020F0502020204030204" pitchFamily="34" charset="0"/>
+                <a:ea typeface="Calibri" panose="020F0502020204030204" pitchFamily="34" charset="0"/>
+                <a:cs typeface="Calibri" panose="020F0502020204030204" pitchFamily="34" charset="0"/>
+              </a:rPr>
+              <a:t> (CT): In this stage, the automatically retraining ML models for redeployment take place.</a:t>
+            </a:r>
+          </a:p>
+          <a:p>
+            <a:pPr algn="l">
+              <a:buFont typeface="+mj-lt"/>
+              <a:buAutoNum type="arabicPeriod"/>
+            </a:pPr>
+            <a:r>
+              <a:rPr lang="en-US" sz="1400" b="1" i="0" dirty="0">
+                <a:solidFill>
+                  <a:srgbClr val="242424"/>
+                </a:solidFill>
+                <a:effectLst/>
+                <a:latin typeface="Calibri" panose="020F0502020204030204" pitchFamily="34" charset="0"/>
+                <a:ea typeface="Calibri" panose="020F0502020204030204" pitchFamily="34" charset="0"/>
+                <a:cs typeface="Calibri" panose="020F0502020204030204" pitchFamily="34" charset="0"/>
+              </a:rPr>
+              <a:t>Continuous Monitoring</a:t>
+            </a:r>
+            <a:r>
+              <a:rPr lang="en-US" sz="1400" b="0" i="0" dirty="0">
+                <a:solidFill>
+                  <a:srgbClr val="242424"/>
+                </a:solidFill>
+                <a:effectLst/>
+                <a:latin typeface="Calibri" panose="020F0502020204030204" pitchFamily="34" charset="0"/>
+                <a:ea typeface="Calibri" panose="020F0502020204030204" pitchFamily="34" charset="0"/>
+                <a:cs typeface="Calibri" panose="020F0502020204030204" pitchFamily="34" charset="0"/>
+              </a:rPr>
+              <a:t> (CM): In this stage, the monitoring of production data and model performance metrics take place.</a:t>
+            </a:r>
+          </a:p>
+          <a:p>
+            <a:pPr algn="l"/>
+            <a:r>
+              <a:rPr lang="en-US" sz="1400" b="0" i="0" dirty="0">
+                <a:solidFill>
+                  <a:srgbClr val="242424"/>
+                </a:solidFill>
+                <a:effectLst/>
+                <a:latin typeface="Calibri" panose="020F0502020204030204" pitchFamily="34" charset="0"/>
+                <a:ea typeface="Calibri" panose="020F0502020204030204" pitchFamily="34" charset="0"/>
+                <a:cs typeface="Calibri" panose="020F0502020204030204" pitchFamily="34" charset="0"/>
+              </a:rPr>
+              <a:t>It is important to have all these 4 core principles covered while building a proper </a:t>
+            </a:r>
+            <a:r>
+              <a:rPr lang="en-US" sz="1400" b="0" i="0" dirty="0" err="1">
+                <a:solidFill>
+                  <a:srgbClr val="242424"/>
+                </a:solidFill>
+                <a:effectLst/>
+                <a:latin typeface="Calibri" panose="020F0502020204030204" pitchFamily="34" charset="0"/>
+                <a:ea typeface="Calibri" panose="020F0502020204030204" pitchFamily="34" charset="0"/>
+                <a:cs typeface="Calibri" panose="020F0502020204030204" pitchFamily="34" charset="0"/>
+              </a:rPr>
+              <a:t>MLOps</a:t>
+            </a:r>
+            <a:r>
+              <a:rPr lang="en-US" sz="1400" b="0" i="0" dirty="0">
+                <a:solidFill>
+                  <a:srgbClr val="242424"/>
+                </a:solidFill>
+                <a:effectLst/>
+                <a:latin typeface="Calibri" panose="020F0502020204030204" pitchFamily="34" charset="0"/>
+                <a:ea typeface="Calibri" panose="020F0502020204030204" pitchFamily="34" charset="0"/>
+                <a:cs typeface="Calibri" panose="020F0502020204030204" pitchFamily="34" charset="0"/>
+              </a:rPr>
+              <a:t> pipeline. But in this blog, we’ll look only at the Continuous Training part in detail.</a:t>
+            </a:r>
+          </a:p>
+        </p:txBody>
+      </p:sp>
+    </p:spTree>
+    <p:extLst>
+      <p:ext uri="{BB962C8B-B14F-4D97-AF65-F5344CB8AC3E}">
+        <p14:creationId xmlns:p14="http://schemas.microsoft.com/office/powerpoint/2010/main" val="1150382257"/>
+      </p:ext>
+    </p:extLst>
+  </p:cSld>
+  <p:clrMapOvr>
+    <a:masterClrMapping/>
+  </p:clrMapOvr>
+</p:sld>
+</file>
+
+<file path=ppt/slides/slide15.xml><?xml version="1.0" encoding="utf-8"?>
+<p:sld xmlns:a="http://schemas.openxmlformats.org/drawingml/2006/main" xmlns:r="http://schemas.openxmlformats.org/officeDocument/2006/relationships" xmlns:p="http://schemas.openxmlformats.org/presentationml/2006/main" showMasterSp="0">
+  <p:cSld>
+    <p:spTree>
+      <p:nvGrpSpPr>
+        <p:cNvPr id="1" name=""/>
+        <p:cNvGrpSpPr/>
+        <p:nvPr/>
+      </p:nvGrpSpPr>
+      <p:grpSpPr>
+        <a:xfrm>
+          <a:off x="0" y="0"/>
+          <a:ext cx="0" cy="0"/>
+          <a:chOff x="0" y="0"/>
+          <a:chExt cx="0" cy="0"/>
+        </a:xfrm>
+      </p:grpSpPr>
+      <p:sp>
+        <p:nvSpPr>
+          <p:cNvPr id="2" name="Title 1"/>
+          <p:cNvSpPr>
+            <a:spLocks noGrp="1"/>
+          </p:cNvSpPr>
+          <p:nvPr>
+            <p:ph type="title"/>
+          </p:nvPr>
+        </p:nvSpPr>
+        <p:spPr>
+          <a:xfrm>
+            <a:off x="0" y="406594"/>
+            <a:ext cx="6600413" cy="545561"/>
+          </a:xfrm>
+        </p:spPr>
+        <p:txBody>
+          <a:bodyPr>
+            <a:noAutofit/>
+          </a:bodyPr>
+          <a:lstStyle/>
+          <a:p>
+            <a:pPr algn="l"/>
+            <a:br>
+              <a:rPr lang="en-SG" sz="2900" b="1" i="0" dirty="0">
+                <a:solidFill>
+                  <a:schemeClr val="accent1"/>
+                </a:solidFill>
+                <a:effectLst/>
+                <a:latin typeface="Calibri" panose="020F0502020204030204" pitchFamily="34" charset="0"/>
+                <a:ea typeface="Calibri" panose="020F0502020204030204" pitchFamily="34" charset="0"/>
+                <a:cs typeface="Calibri" panose="020F0502020204030204" pitchFamily="34" charset="0"/>
+              </a:rPr>
+            </a:br>
+            <a:br>
+              <a:rPr lang="en-SG" sz="2900" b="1" i="0" dirty="0">
+                <a:solidFill>
+                  <a:schemeClr val="accent1"/>
+                </a:solidFill>
+                <a:effectLst/>
+                <a:latin typeface="Calibri" panose="020F0502020204030204" pitchFamily="34" charset="0"/>
+                <a:ea typeface="Calibri" panose="020F0502020204030204" pitchFamily="34" charset="0"/>
+                <a:cs typeface="Calibri" panose="020F0502020204030204" pitchFamily="34" charset="0"/>
+              </a:rPr>
+            </a:br>
+            <a:r>
+              <a:rPr lang="en-SG" sz="2900" b="1" i="0" dirty="0">
+                <a:solidFill>
+                  <a:schemeClr val="accent1"/>
+                </a:solidFill>
+                <a:effectLst/>
+                <a:latin typeface="Calibri" panose="020F0502020204030204" pitchFamily="34" charset="0"/>
+                <a:ea typeface="Calibri" panose="020F0502020204030204" pitchFamily="34" charset="0"/>
+                <a:cs typeface="Calibri" panose="020F0502020204030204" pitchFamily="34" charset="0"/>
+              </a:rPr>
+              <a:t>Continuous Training :</a:t>
+            </a:r>
+            <a:br>
+              <a:rPr lang="en-SG" sz="2900" b="1" i="0" dirty="0">
+                <a:solidFill>
+                  <a:schemeClr val="accent1"/>
+                </a:solidFill>
+                <a:effectLst/>
+                <a:latin typeface="Calibri" panose="020F0502020204030204" pitchFamily="34" charset="0"/>
+                <a:ea typeface="Calibri" panose="020F0502020204030204" pitchFamily="34" charset="0"/>
+                <a:cs typeface="Calibri" panose="020F0502020204030204" pitchFamily="34" charset="0"/>
+              </a:rPr>
+            </a:br>
+            <a:br>
+              <a:rPr lang="en-SG" sz="2900" dirty="0">
+                <a:solidFill>
+                  <a:schemeClr val="accent1"/>
+                </a:solidFill>
+                <a:effectLst/>
+                <a:latin typeface="Calibri" panose="020F0502020204030204" pitchFamily="34" charset="0"/>
+                <a:ea typeface="Calibri" panose="020F0502020204030204" pitchFamily="34" charset="0"/>
+                <a:cs typeface="Calibri" panose="020F0502020204030204" pitchFamily="34" charset="0"/>
+              </a:rPr>
+            </a:br>
+            <a:endParaRPr lang="en-SG" sz="2900" b="1" i="0" dirty="0">
+              <a:solidFill>
+                <a:schemeClr val="accent1"/>
+              </a:solidFill>
+              <a:effectLst/>
+              <a:latin typeface="Calibri" panose="020F0502020204030204" pitchFamily="34" charset="0"/>
+              <a:ea typeface="Calibri" panose="020F0502020204030204" pitchFamily="34" charset="0"/>
+              <a:cs typeface="Calibri" panose="020F0502020204030204" pitchFamily="34" charset="0"/>
+            </a:endParaRPr>
+          </a:p>
+        </p:txBody>
+      </p:sp>
+      <p:sp>
+        <p:nvSpPr>
+          <p:cNvPr id="4" name="Slide Number Placeholder 3"/>
+          <p:cNvSpPr>
+            <a:spLocks noGrp="1"/>
+          </p:cNvSpPr>
+          <p:nvPr>
+            <p:ph type="sldNum" sz="quarter" idx="4"/>
+          </p:nvPr>
+        </p:nvSpPr>
+        <p:spPr/>
+        <p:txBody>
+          <a:bodyPr/>
+          <a:lstStyle/>
+          <a:p>
+            <a:r>
+              <a:rPr lang="en-SG" dirty="0"/>
+              <a:t>Page </a:t>
+            </a:r>
+            <a:fld id="{2F63C605-4FC6-46DE-BC90-871762EA3F52}" type="slidenum">
+              <a:rPr lang="en-SG" smtClean="0"/>
+              <a:pPr/>
+              <a:t>15</a:t>
+            </a:fld>
+            <a:endParaRPr lang="en-SG" dirty="0"/>
+          </a:p>
+        </p:txBody>
+      </p:sp>
+      <p:pic>
+        <p:nvPicPr>
+          <p:cNvPr id="5" name="Picture 4">
+            <a:extLst>
+              <a:ext uri="{FF2B5EF4-FFF2-40B4-BE49-F238E27FC236}">
+                <a16:creationId xmlns:a16="http://schemas.microsoft.com/office/drawing/2014/main" id="{C044AC53-5AFA-83D5-BDF0-CB0A137D344A}"/>
+              </a:ext>
+            </a:extLst>
+          </p:cNvPr>
+          <p:cNvPicPr>
+            <a:picLocks noChangeAspect="1"/>
+          </p:cNvPicPr>
+          <p:nvPr/>
+        </p:nvPicPr>
+        <p:blipFill>
+          <a:blip r:embed="rId2">
+            <a:extLst>
+              <a:ext uri="{28A0092B-C50C-407E-A947-70E740481C1C}">
+                <a14:useLocalDpi xmlns:a14="http://schemas.microsoft.com/office/drawing/2010/main" val="0"/>
+              </a:ext>
+            </a:extLst>
+          </a:blip>
+          <a:stretch>
+            <a:fillRect/>
+          </a:stretch>
+        </p:blipFill>
+        <p:spPr>
+          <a:xfrm>
+            <a:off x="6800699" y="81579"/>
+            <a:ext cx="2193969" cy="737571"/>
+          </a:xfrm>
+          <a:prstGeom prst="rect">
+            <a:avLst/>
+          </a:prstGeom>
+        </p:spPr>
+      </p:pic>
+      <p:sp>
+        <p:nvSpPr>
+          <p:cNvPr id="8" name="TextBox 7">
+            <a:extLst>
+              <a:ext uri="{FF2B5EF4-FFF2-40B4-BE49-F238E27FC236}">
+                <a16:creationId xmlns:a16="http://schemas.microsoft.com/office/drawing/2014/main" id="{7E7554DF-9EC3-EE58-5C53-FAB527847AE6}"/>
+              </a:ext>
+            </a:extLst>
+          </p:cNvPr>
+          <p:cNvSpPr txBox="1"/>
+          <p:nvPr/>
+        </p:nvSpPr>
+        <p:spPr>
+          <a:xfrm>
+            <a:off x="207297" y="3236991"/>
+            <a:ext cx="8729405" cy="3600986"/>
+          </a:xfrm>
+          <a:prstGeom prst="rect">
+            <a:avLst/>
+          </a:prstGeom>
+          <a:noFill/>
+        </p:spPr>
+        <p:txBody>
+          <a:bodyPr wrap="square">
+            <a:spAutoFit/>
+          </a:bodyPr>
+          <a:lstStyle/>
+          <a:p>
+            <a:pPr algn="l"/>
+            <a:r>
+              <a:rPr lang="en-US" b="1" i="0" dirty="0">
+                <a:solidFill>
+                  <a:srgbClr val="242424"/>
+                </a:solidFill>
+                <a:effectLst/>
+                <a:latin typeface="Calibri" panose="020F0502020204030204" pitchFamily="34" charset="0"/>
+                <a:ea typeface="Calibri" panose="020F0502020204030204" pitchFamily="34" charset="0"/>
+                <a:cs typeface="Calibri" panose="020F0502020204030204" pitchFamily="34" charset="0"/>
+              </a:rPr>
+              <a:t>The Continuous Training process has 6 stages namely</a:t>
+            </a:r>
+          </a:p>
+          <a:p>
+            <a:pPr algn="l">
+              <a:buFont typeface="+mj-lt"/>
+              <a:buAutoNum type="arabicPeriod"/>
+            </a:pPr>
+            <a:r>
+              <a:rPr lang="en-US" sz="1400" b="1" i="0" dirty="0">
+                <a:solidFill>
+                  <a:srgbClr val="242424"/>
+                </a:solidFill>
+                <a:effectLst/>
+                <a:latin typeface="Calibri" panose="020F0502020204030204" pitchFamily="34" charset="0"/>
+                <a:ea typeface="Calibri" panose="020F0502020204030204" pitchFamily="34" charset="0"/>
+                <a:cs typeface="Calibri" panose="020F0502020204030204" pitchFamily="34" charset="0"/>
+              </a:rPr>
+              <a:t>Data Extraction</a:t>
+            </a:r>
+            <a:r>
+              <a:rPr lang="en-US" sz="1400" b="0" i="0" dirty="0">
+                <a:solidFill>
+                  <a:srgbClr val="242424"/>
+                </a:solidFill>
+                <a:effectLst/>
+                <a:latin typeface="Calibri" panose="020F0502020204030204" pitchFamily="34" charset="0"/>
+                <a:ea typeface="Calibri" panose="020F0502020204030204" pitchFamily="34" charset="0"/>
+                <a:cs typeface="Calibri" panose="020F0502020204030204" pitchFamily="34" charset="0"/>
+              </a:rPr>
+              <a:t> — Extracting only the data that is needed from the data we get from the source.</a:t>
+            </a:r>
+          </a:p>
+          <a:p>
+            <a:pPr algn="l">
+              <a:buFont typeface="+mj-lt"/>
+              <a:buAutoNum type="arabicPeriod"/>
+            </a:pPr>
+            <a:r>
+              <a:rPr lang="en-US" sz="1400" b="1" i="0" dirty="0">
+                <a:solidFill>
+                  <a:srgbClr val="242424"/>
+                </a:solidFill>
+                <a:effectLst/>
+                <a:latin typeface="Calibri" panose="020F0502020204030204" pitchFamily="34" charset="0"/>
+                <a:ea typeface="Calibri" panose="020F0502020204030204" pitchFamily="34" charset="0"/>
+                <a:cs typeface="Calibri" panose="020F0502020204030204" pitchFamily="34" charset="0"/>
+              </a:rPr>
+              <a:t>Data Validation — </a:t>
+            </a:r>
+            <a:r>
+              <a:rPr lang="en-US" sz="1400" b="0" i="0" dirty="0">
+                <a:solidFill>
+                  <a:srgbClr val="242424"/>
+                </a:solidFill>
+                <a:effectLst/>
+                <a:latin typeface="Calibri" panose="020F0502020204030204" pitchFamily="34" charset="0"/>
+                <a:ea typeface="Calibri" panose="020F0502020204030204" pitchFamily="34" charset="0"/>
+                <a:cs typeface="Calibri" panose="020F0502020204030204" pitchFamily="34" charset="0"/>
+              </a:rPr>
+              <a:t>Validating whether the data we extracted is present and is in the expected format.</a:t>
+            </a:r>
+          </a:p>
+          <a:p>
+            <a:pPr algn="l">
+              <a:buFont typeface="+mj-lt"/>
+              <a:buAutoNum type="arabicPeriod"/>
+            </a:pPr>
+            <a:r>
+              <a:rPr lang="en-US" sz="1400" b="1" i="0" dirty="0">
+                <a:solidFill>
+                  <a:srgbClr val="242424"/>
+                </a:solidFill>
+                <a:effectLst/>
+                <a:latin typeface="Calibri" panose="020F0502020204030204" pitchFamily="34" charset="0"/>
+                <a:ea typeface="Calibri" panose="020F0502020204030204" pitchFamily="34" charset="0"/>
+                <a:cs typeface="Calibri" panose="020F0502020204030204" pitchFamily="34" charset="0"/>
+              </a:rPr>
+              <a:t>Data Preparation</a:t>
+            </a:r>
+            <a:r>
+              <a:rPr lang="en-US" sz="1400" b="0" i="0" dirty="0">
+                <a:solidFill>
+                  <a:srgbClr val="242424"/>
+                </a:solidFill>
+                <a:effectLst/>
+                <a:latin typeface="Calibri" panose="020F0502020204030204" pitchFamily="34" charset="0"/>
+                <a:ea typeface="Calibri" panose="020F0502020204030204" pitchFamily="34" charset="0"/>
+                <a:cs typeface="Calibri" panose="020F0502020204030204" pitchFamily="34" charset="0"/>
+              </a:rPr>
+              <a:t> — Processing the data to convert it into a suitable format to train the model.</a:t>
+            </a:r>
+          </a:p>
+          <a:p>
+            <a:pPr algn="l">
+              <a:buFont typeface="+mj-lt"/>
+              <a:buAutoNum type="arabicPeriod"/>
+            </a:pPr>
+            <a:r>
+              <a:rPr lang="en-US" sz="1400" b="1" i="0" dirty="0">
+                <a:solidFill>
+                  <a:srgbClr val="242424"/>
+                </a:solidFill>
+                <a:effectLst/>
+                <a:latin typeface="Calibri" panose="020F0502020204030204" pitchFamily="34" charset="0"/>
+                <a:ea typeface="Calibri" panose="020F0502020204030204" pitchFamily="34" charset="0"/>
+                <a:cs typeface="Calibri" panose="020F0502020204030204" pitchFamily="34" charset="0"/>
+              </a:rPr>
+              <a:t>Model Training </a:t>
+            </a:r>
+            <a:r>
+              <a:rPr lang="en-US" sz="1400" b="0" i="0" dirty="0">
+                <a:solidFill>
+                  <a:srgbClr val="242424"/>
+                </a:solidFill>
+                <a:effectLst/>
+                <a:latin typeface="Calibri" panose="020F0502020204030204" pitchFamily="34" charset="0"/>
+                <a:ea typeface="Calibri" panose="020F0502020204030204" pitchFamily="34" charset="0"/>
+                <a:cs typeface="Calibri" panose="020F0502020204030204" pitchFamily="34" charset="0"/>
+              </a:rPr>
+              <a:t>— Training the Machine Learning model with the processed data.</a:t>
+            </a:r>
+          </a:p>
+          <a:p>
+            <a:pPr algn="l">
+              <a:buFont typeface="+mj-lt"/>
+              <a:buAutoNum type="arabicPeriod"/>
+            </a:pPr>
+            <a:r>
+              <a:rPr lang="en-US" sz="1400" b="1" i="0" dirty="0">
+                <a:solidFill>
+                  <a:srgbClr val="242424"/>
+                </a:solidFill>
+                <a:effectLst/>
+                <a:latin typeface="Calibri" panose="020F0502020204030204" pitchFamily="34" charset="0"/>
+                <a:ea typeface="Calibri" panose="020F0502020204030204" pitchFamily="34" charset="0"/>
+                <a:cs typeface="Calibri" panose="020F0502020204030204" pitchFamily="34" charset="0"/>
+              </a:rPr>
+              <a:t>Model Evaluation </a:t>
+            </a:r>
+            <a:r>
+              <a:rPr lang="en-US" sz="1400" b="0" i="0" dirty="0">
+                <a:solidFill>
+                  <a:srgbClr val="242424"/>
+                </a:solidFill>
+                <a:effectLst/>
+                <a:latin typeface="Calibri" panose="020F0502020204030204" pitchFamily="34" charset="0"/>
+                <a:ea typeface="Calibri" panose="020F0502020204030204" pitchFamily="34" charset="0"/>
+                <a:cs typeface="Calibri" panose="020F0502020204030204" pitchFamily="34" charset="0"/>
+              </a:rPr>
+              <a:t>— Evaluating the metrics of the trained model.</a:t>
+            </a:r>
+          </a:p>
+          <a:p>
+            <a:pPr algn="l">
+              <a:buFont typeface="+mj-lt"/>
+              <a:buAutoNum type="arabicPeriod"/>
+            </a:pPr>
+            <a:r>
+              <a:rPr lang="en-US" sz="1400" b="1" i="0" dirty="0">
+                <a:solidFill>
+                  <a:srgbClr val="242424"/>
+                </a:solidFill>
+                <a:effectLst/>
+                <a:latin typeface="Calibri" panose="020F0502020204030204" pitchFamily="34" charset="0"/>
+                <a:ea typeface="Calibri" panose="020F0502020204030204" pitchFamily="34" charset="0"/>
+                <a:cs typeface="Calibri" panose="020F0502020204030204" pitchFamily="34" charset="0"/>
+              </a:rPr>
+              <a:t>Model Validation </a:t>
+            </a:r>
+            <a:r>
+              <a:rPr lang="en-US" sz="1400" b="0" i="0" dirty="0">
+                <a:solidFill>
+                  <a:srgbClr val="242424"/>
+                </a:solidFill>
+                <a:effectLst/>
+                <a:latin typeface="Calibri" panose="020F0502020204030204" pitchFamily="34" charset="0"/>
+                <a:ea typeface="Calibri" panose="020F0502020204030204" pitchFamily="34" charset="0"/>
+                <a:cs typeface="Calibri" panose="020F0502020204030204" pitchFamily="34" charset="0"/>
+              </a:rPr>
+              <a:t>— Validating the new model’s predictions using the old/new data and comparing it with the old model’s predictions (A/B testing).</a:t>
+            </a:r>
+          </a:p>
+          <a:p>
+            <a:pPr algn="l"/>
+            <a:r>
+              <a:rPr lang="en-US" sz="1400" b="0" i="0" dirty="0">
+                <a:solidFill>
+                  <a:srgbClr val="242424"/>
+                </a:solidFill>
+                <a:effectLst/>
+                <a:latin typeface="Calibri" panose="020F0502020204030204" pitchFamily="34" charset="0"/>
+                <a:ea typeface="Calibri" panose="020F0502020204030204" pitchFamily="34" charset="0"/>
+                <a:cs typeface="Calibri" panose="020F0502020204030204" pitchFamily="34" charset="0"/>
+              </a:rPr>
+              <a:t>Optionally we can have a few modules to ease the training process. They are</a:t>
+            </a:r>
+          </a:p>
+          <a:p>
+            <a:pPr algn="l">
+              <a:buFont typeface="+mj-lt"/>
+              <a:buAutoNum type="arabicPeriod"/>
+            </a:pPr>
+            <a:r>
+              <a:rPr lang="en-US" sz="1400" b="1" i="0" dirty="0">
+                <a:solidFill>
+                  <a:srgbClr val="242424"/>
+                </a:solidFill>
+                <a:effectLst/>
+                <a:latin typeface="Calibri" panose="020F0502020204030204" pitchFamily="34" charset="0"/>
+                <a:ea typeface="Calibri" panose="020F0502020204030204" pitchFamily="34" charset="0"/>
+                <a:cs typeface="Calibri" panose="020F0502020204030204" pitchFamily="34" charset="0"/>
+              </a:rPr>
+              <a:t>Feature Store</a:t>
+            </a:r>
+            <a:r>
+              <a:rPr lang="en-US" sz="1400" b="0" i="0" dirty="0">
+                <a:solidFill>
+                  <a:srgbClr val="242424"/>
+                </a:solidFill>
+                <a:effectLst/>
+                <a:latin typeface="Calibri" panose="020F0502020204030204" pitchFamily="34" charset="0"/>
+                <a:ea typeface="Calibri" panose="020F0502020204030204" pitchFamily="34" charset="0"/>
+                <a:cs typeface="Calibri" panose="020F0502020204030204" pitchFamily="34" charset="0"/>
+              </a:rPr>
+              <a:t> — A </a:t>
+            </a:r>
+            <a:r>
+              <a:rPr lang="en-US" sz="1400" b="0" i="0" dirty="0" err="1">
+                <a:solidFill>
+                  <a:srgbClr val="242424"/>
+                </a:solidFill>
+                <a:effectLst/>
+                <a:latin typeface="Calibri" panose="020F0502020204030204" pitchFamily="34" charset="0"/>
+                <a:ea typeface="Calibri" panose="020F0502020204030204" pitchFamily="34" charset="0"/>
+                <a:cs typeface="Calibri" panose="020F0502020204030204" pitchFamily="34" charset="0"/>
+              </a:rPr>
+              <a:t>centralised</a:t>
+            </a:r>
+            <a:r>
+              <a:rPr lang="en-US" sz="1400" b="0" i="0" dirty="0">
+                <a:solidFill>
+                  <a:srgbClr val="242424"/>
+                </a:solidFill>
+                <a:effectLst/>
+                <a:latin typeface="Calibri" panose="020F0502020204030204" pitchFamily="34" charset="0"/>
+                <a:ea typeface="Calibri" panose="020F0502020204030204" pitchFamily="34" charset="0"/>
+                <a:cs typeface="Calibri" panose="020F0502020204030204" pitchFamily="34" charset="0"/>
+              </a:rPr>
+              <a:t> place to store curated features for training the machine learning model. Feature stores let us reuse features instead of rebuilding these features every time.</a:t>
+            </a:r>
+          </a:p>
+          <a:p>
+            <a:pPr algn="l">
+              <a:buFont typeface="+mj-lt"/>
+              <a:buAutoNum type="arabicPeriod"/>
+            </a:pPr>
+            <a:r>
+              <a:rPr lang="en-US" sz="1400" b="1" i="0" dirty="0">
+                <a:solidFill>
+                  <a:srgbClr val="242424"/>
+                </a:solidFill>
+                <a:effectLst/>
+                <a:latin typeface="Calibri" panose="020F0502020204030204" pitchFamily="34" charset="0"/>
+                <a:ea typeface="Calibri" panose="020F0502020204030204" pitchFamily="34" charset="0"/>
+                <a:cs typeface="Calibri" panose="020F0502020204030204" pitchFamily="34" charset="0"/>
+              </a:rPr>
+              <a:t>Metadata Store </a:t>
+            </a:r>
+            <a:r>
+              <a:rPr lang="en-US" sz="1400" b="0" i="0" dirty="0">
+                <a:solidFill>
+                  <a:srgbClr val="242424"/>
+                </a:solidFill>
+                <a:effectLst/>
+                <a:latin typeface="Calibri" panose="020F0502020204030204" pitchFamily="34" charset="0"/>
+                <a:ea typeface="Calibri" panose="020F0502020204030204" pitchFamily="34" charset="0"/>
+                <a:cs typeface="Calibri" panose="020F0502020204030204" pitchFamily="34" charset="0"/>
+              </a:rPr>
+              <a:t>— A </a:t>
+            </a:r>
+            <a:r>
+              <a:rPr lang="en-US" sz="1400" b="0" i="0" dirty="0" err="1">
+                <a:solidFill>
+                  <a:srgbClr val="242424"/>
+                </a:solidFill>
+                <a:effectLst/>
+                <a:latin typeface="Calibri" panose="020F0502020204030204" pitchFamily="34" charset="0"/>
+                <a:ea typeface="Calibri" panose="020F0502020204030204" pitchFamily="34" charset="0"/>
+                <a:cs typeface="Calibri" panose="020F0502020204030204" pitchFamily="34" charset="0"/>
+              </a:rPr>
+              <a:t>centralised</a:t>
+            </a:r>
+            <a:r>
+              <a:rPr lang="en-US" sz="1400" b="0" i="0" dirty="0">
+                <a:solidFill>
+                  <a:srgbClr val="242424"/>
+                </a:solidFill>
+                <a:effectLst/>
+                <a:latin typeface="Calibri" panose="020F0502020204030204" pitchFamily="34" charset="0"/>
+                <a:ea typeface="Calibri" panose="020F0502020204030204" pitchFamily="34" charset="0"/>
+                <a:cs typeface="Calibri" panose="020F0502020204030204" pitchFamily="34" charset="0"/>
+              </a:rPr>
+              <a:t> place to store the metadata about the trained model, its metrics and the data upon which it is trained, which can be used for future reference.</a:t>
+            </a:r>
+          </a:p>
+          <a:p>
+            <a:pPr algn="l">
+              <a:buFont typeface="+mj-lt"/>
+              <a:buAutoNum type="arabicPeriod"/>
+            </a:pPr>
+            <a:r>
+              <a:rPr lang="en-US" sz="1400" b="1" i="0" dirty="0">
+                <a:solidFill>
+                  <a:srgbClr val="242424"/>
+                </a:solidFill>
+                <a:effectLst/>
+                <a:latin typeface="Calibri" panose="020F0502020204030204" pitchFamily="34" charset="0"/>
+                <a:ea typeface="Calibri" panose="020F0502020204030204" pitchFamily="34" charset="0"/>
+                <a:cs typeface="Calibri" panose="020F0502020204030204" pitchFamily="34" charset="0"/>
+              </a:rPr>
+              <a:t>Model Registry </a:t>
+            </a:r>
+            <a:r>
+              <a:rPr lang="en-US" sz="1400" b="0" i="0" dirty="0">
+                <a:solidFill>
+                  <a:srgbClr val="242424"/>
+                </a:solidFill>
+                <a:effectLst/>
+                <a:latin typeface="Calibri" panose="020F0502020204030204" pitchFamily="34" charset="0"/>
+                <a:ea typeface="Calibri" panose="020F0502020204030204" pitchFamily="34" charset="0"/>
+                <a:cs typeface="Calibri" panose="020F0502020204030204" pitchFamily="34" charset="0"/>
+              </a:rPr>
+              <a:t>— A </a:t>
+            </a:r>
+            <a:r>
+              <a:rPr lang="en-US" sz="1400" b="0" i="0" dirty="0" err="1">
+                <a:solidFill>
+                  <a:srgbClr val="242424"/>
+                </a:solidFill>
+                <a:effectLst/>
+                <a:latin typeface="Calibri" panose="020F0502020204030204" pitchFamily="34" charset="0"/>
+                <a:ea typeface="Calibri" panose="020F0502020204030204" pitchFamily="34" charset="0"/>
+                <a:cs typeface="Calibri" panose="020F0502020204030204" pitchFamily="34" charset="0"/>
+              </a:rPr>
+              <a:t>centralised</a:t>
+            </a:r>
+            <a:r>
+              <a:rPr lang="en-US" sz="1400" b="0" i="0" dirty="0">
+                <a:solidFill>
+                  <a:srgbClr val="242424"/>
+                </a:solidFill>
+                <a:effectLst/>
+                <a:latin typeface="Calibri" panose="020F0502020204030204" pitchFamily="34" charset="0"/>
+                <a:ea typeface="Calibri" panose="020F0502020204030204" pitchFamily="34" charset="0"/>
+                <a:cs typeface="Calibri" panose="020F0502020204030204" pitchFamily="34" charset="0"/>
+              </a:rPr>
+              <a:t> place to store every version of the model. It will come in handy if we need to go back to a previous model due to any unprecedented situations.</a:t>
+            </a:r>
+          </a:p>
+          <a:p>
+            <a:pPr algn="l">
+              <a:buFont typeface="+mj-lt"/>
+              <a:buAutoNum type="arabicPeriod"/>
+            </a:pPr>
+            <a:endParaRPr lang="en-US" sz="1400" b="0" i="0" dirty="0">
+              <a:solidFill>
+                <a:srgbClr val="242424"/>
+              </a:solidFill>
+              <a:effectLst/>
+              <a:latin typeface="Calibri" panose="020F0502020204030204" pitchFamily="34" charset="0"/>
+              <a:ea typeface="Calibri" panose="020F0502020204030204" pitchFamily="34" charset="0"/>
+              <a:cs typeface="Calibri" panose="020F0502020204030204" pitchFamily="34" charset="0"/>
+            </a:endParaRPr>
+          </a:p>
+        </p:txBody>
+      </p:sp>
+      <p:pic>
+        <p:nvPicPr>
+          <p:cNvPr id="2050" name="Picture 2">
+            <a:extLst>
+              <a:ext uri="{FF2B5EF4-FFF2-40B4-BE49-F238E27FC236}">
+                <a16:creationId xmlns:a16="http://schemas.microsoft.com/office/drawing/2014/main" id="{D5661038-D2C4-6D1C-C87B-C4A04AE01C1C}"/>
+              </a:ext>
+            </a:extLst>
+          </p:cNvPr>
+          <p:cNvPicPr>
+            <a:picLocks noChangeAspect="1" noChangeArrowheads="1"/>
+          </p:cNvPicPr>
+          <p:nvPr/>
+        </p:nvPicPr>
+        <p:blipFill>
+          <a:blip r:embed="rId3">
+            <a:extLst>
+              <a:ext uri="{28A0092B-C50C-407E-A947-70E740481C1C}">
+                <a14:useLocalDpi xmlns:a14="http://schemas.microsoft.com/office/drawing/2010/main" val="0"/>
+              </a:ext>
+            </a:extLst>
+          </a:blip>
+          <a:srcRect/>
+          <a:stretch>
+            <a:fillRect/>
+          </a:stretch>
+        </p:blipFill>
+        <p:spPr bwMode="auto">
+          <a:xfrm>
+            <a:off x="634401" y="1019175"/>
+            <a:ext cx="7364290" cy="2409825"/>
+          </a:xfrm>
+          <a:prstGeom prst="rect">
+            <a:avLst/>
+          </a:prstGeom>
+          <a:noFill/>
+          <a:extLst>
+            <a:ext uri="{909E8E84-426E-40DD-AFC4-6F175D3DCCD1}">
+              <a14:hiddenFill xmlns:a14="http://schemas.microsoft.com/office/drawing/2010/main">
+                <a:solidFill>
+                  <a:srgbClr val="FFFFFF"/>
+                </a:solidFill>
+              </a14:hiddenFill>
+            </a:ext>
+          </a:extLst>
+        </p:spPr>
+      </p:pic>
+    </p:spTree>
+    <p:extLst>
+      <p:ext uri="{BB962C8B-B14F-4D97-AF65-F5344CB8AC3E}">
+        <p14:creationId xmlns:p14="http://schemas.microsoft.com/office/powerpoint/2010/main" val="4290113385"/>
+      </p:ext>
+    </p:extLst>
+  </p:cSld>
+  <p:clrMapOvr>
+    <a:masterClrMapping/>
+  </p:clrMapOvr>
+</p:sld>
+</file>
+
+<file path=ppt/slides/slide16.xml><?xml version="1.0" encoding="utf-8"?>
+<p:sld xmlns:a="http://schemas.openxmlformats.org/drawingml/2006/main" xmlns:r="http://schemas.openxmlformats.org/officeDocument/2006/relationships" xmlns:p="http://schemas.openxmlformats.org/presentationml/2006/main" showMasterSp="0">
+  <p:cSld>
+    <p:spTree>
+      <p:nvGrpSpPr>
+        <p:cNvPr id="1" name=""/>
+        <p:cNvGrpSpPr/>
+        <p:nvPr/>
+      </p:nvGrpSpPr>
+      <p:grpSpPr>
+        <a:xfrm>
+          <a:off x="0" y="0"/>
+          <a:ext cx="0" cy="0"/>
+          <a:chOff x="0" y="0"/>
+          <a:chExt cx="0" cy="0"/>
+        </a:xfrm>
+      </p:grpSpPr>
+      <p:sp>
+        <p:nvSpPr>
+          <p:cNvPr id="2" name="Title 1"/>
+          <p:cNvSpPr>
+            <a:spLocks noGrp="1"/>
+          </p:cNvSpPr>
+          <p:nvPr>
+            <p:ph type="title"/>
+          </p:nvPr>
+        </p:nvSpPr>
+        <p:spPr>
+          <a:xfrm>
+            <a:off x="0" y="406594"/>
+            <a:ext cx="6600413" cy="545561"/>
+          </a:xfrm>
+        </p:spPr>
+        <p:txBody>
+          <a:bodyPr>
+            <a:noAutofit/>
+          </a:bodyPr>
+          <a:lstStyle/>
+          <a:p>
+            <a:pPr algn="l"/>
+            <a:r>
+              <a:rPr lang="en-SG" sz="2900" b="1" i="0" dirty="0">
+                <a:solidFill>
+                  <a:schemeClr val="accent1"/>
+                </a:solidFill>
+                <a:effectLst/>
+                <a:latin typeface="Calibri" panose="020F0502020204030204" pitchFamily="34" charset="0"/>
+                <a:ea typeface="Calibri" panose="020F0502020204030204" pitchFamily="34" charset="0"/>
+                <a:cs typeface="Calibri" panose="020F0502020204030204" pitchFamily="34" charset="0"/>
+              </a:rPr>
+              <a:t>Triggers for Continuous Learning :</a:t>
+            </a:r>
+          </a:p>
+        </p:txBody>
+      </p:sp>
+      <p:sp>
+        <p:nvSpPr>
+          <p:cNvPr id="4" name="Slide Number Placeholder 3"/>
+          <p:cNvSpPr>
+            <a:spLocks noGrp="1"/>
+          </p:cNvSpPr>
+          <p:nvPr>
+            <p:ph type="sldNum" sz="quarter" idx="4"/>
+          </p:nvPr>
+        </p:nvSpPr>
+        <p:spPr/>
+        <p:txBody>
+          <a:bodyPr/>
+          <a:lstStyle/>
+          <a:p>
+            <a:r>
+              <a:rPr lang="en-SG" dirty="0"/>
+              <a:t>Page </a:t>
+            </a:r>
+            <a:fld id="{2F63C605-4FC6-46DE-BC90-871762EA3F52}" type="slidenum">
+              <a:rPr lang="en-SG" smtClean="0"/>
+              <a:pPr/>
+              <a:t>16</a:t>
+            </a:fld>
+            <a:endParaRPr lang="en-SG" dirty="0"/>
+          </a:p>
+        </p:txBody>
+      </p:sp>
+      <p:pic>
+        <p:nvPicPr>
+          <p:cNvPr id="5" name="Picture 4">
+            <a:extLst>
+              <a:ext uri="{FF2B5EF4-FFF2-40B4-BE49-F238E27FC236}">
+                <a16:creationId xmlns:a16="http://schemas.microsoft.com/office/drawing/2014/main" id="{C044AC53-5AFA-83D5-BDF0-CB0A137D344A}"/>
+              </a:ext>
+            </a:extLst>
+          </p:cNvPr>
+          <p:cNvPicPr>
+            <a:picLocks noChangeAspect="1"/>
+          </p:cNvPicPr>
+          <p:nvPr/>
+        </p:nvPicPr>
+        <p:blipFill>
+          <a:blip r:embed="rId2">
+            <a:extLst>
+              <a:ext uri="{28A0092B-C50C-407E-A947-70E740481C1C}">
+                <a14:useLocalDpi xmlns:a14="http://schemas.microsoft.com/office/drawing/2010/main" val="0"/>
+              </a:ext>
+            </a:extLst>
+          </a:blip>
+          <a:stretch>
+            <a:fillRect/>
+          </a:stretch>
+        </p:blipFill>
+        <p:spPr>
+          <a:xfrm>
+            <a:off x="6800699" y="81579"/>
+            <a:ext cx="2193969" cy="737571"/>
+          </a:xfrm>
+          <a:prstGeom prst="rect">
+            <a:avLst/>
+          </a:prstGeom>
+        </p:spPr>
+      </p:pic>
+      <p:sp>
+        <p:nvSpPr>
+          <p:cNvPr id="8" name="TextBox 7">
+            <a:extLst>
+              <a:ext uri="{FF2B5EF4-FFF2-40B4-BE49-F238E27FC236}">
+                <a16:creationId xmlns:a16="http://schemas.microsoft.com/office/drawing/2014/main" id="{7E7554DF-9EC3-EE58-5C53-FAB527847AE6}"/>
+              </a:ext>
+            </a:extLst>
+          </p:cNvPr>
+          <p:cNvSpPr txBox="1"/>
+          <p:nvPr/>
+        </p:nvSpPr>
+        <p:spPr>
+          <a:xfrm>
+            <a:off x="86528" y="1535783"/>
+            <a:ext cx="8729405" cy="2246769"/>
+          </a:xfrm>
+          <a:prstGeom prst="rect">
+            <a:avLst/>
+          </a:prstGeom>
+          <a:noFill/>
+        </p:spPr>
+        <p:txBody>
+          <a:bodyPr wrap="square">
+            <a:spAutoFit/>
+          </a:bodyPr>
+          <a:lstStyle/>
+          <a:p>
+            <a:pPr algn="l"/>
+            <a:r>
+              <a:rPr lang="en-US" sz="1400" b="0" i="0" dirty="0">
+                <a:solidFill>
+                  <a:srgbClr val="242424"/>
+                </a:solidFill>
+                <a:effectLst/>
+                <a:latin typeface="Calibri" panose="020F0502020204030204" pitchFamily="34" charset="0"/>
+                <a:ea typeface="Calibri" panose="020F0502020204030204" pitchFamily="34" charset="0"/>
+                <a:cs typeface="Calibri" panose="020F0502020204030204" pitchFamily="34" charset="0"/>
+              </a:rPr>
+              <a:t>Triggers are used in a pipeline to retrain models with new data. The methods of triggering a pipeline include the following:</a:t>
+            </a:r>
+          </a:p>
+          <a:p>
+            <a:pPr algn="l">
+              <a:buFont typeface="+mj-lt"/>
+              <a:buAutoNum type="arabicPeriod"/>
+            </a:pPr>
+            <a:r>
+              <a:rPr lang="en-US" sz="1400" b="1" i="0" dirty="0">
+                <a:solidFill>
+                  <a:srgbClr val="242424"/>
+                </a:solidFill>
+                <a:effectLst/>
+                <a:latin typeface="Calibri" panose="020F0502020204030204" pitchFamily="34" charset="0"/>
+                <a:ea typeface="Calibri" panose="020F0502020204030204" pitchFamily="34" charset="0"/>
+                <a:cs typeface="Calibri" panose="020F0502020204030204" pitchFamily="34" charset="0"/>
+              </a:rPr>
+              <a:t>Ad-hoc manual triggering — </a:t>
+            </a:r>
+            <a:r>
+              <a:rPr lang="en-US" sz="1400" b="0" i="0" dirty="0">
+                <a:solidFill>
+                  <a:srgbClr val="242424"/>
+                </a:solidFill>
+                <a:effectLst/>
+                <a:latin typeface="Calibri" panose="020F0502020204030204" pitchFamily="34" charset="0"/>
+                <a:ea typeface="Calibri" panose="020F0502020204030204" pitchFamily="34" charset="0"/>
+                <a:cs typeface="Calibri" panose="020F0502020204030204" pitchFamily="34" charset="0"/>
+              </a:rPr>
+              <a:t>Triggered manually by the developers.</a:t>
+            </a:r>
+          </a:p>
+          <a:p>
+            <a:pPr algn="l">
+              <a:buFont typeface="+mj-lt"/>
+              <a:buAutoNum type="arabicPeriod"/>
+            </a:pPr>
+            <a:r>
+              <a:rPr lang="en-US" sz="1400" b="1" i="0" dirty="0">
+                <a:solidFill>
+                  <a:srgbClr val="242424"/>
+                </a:solidFill>
+                <a:effectLst/>
+                <a:latin typeface="Calibri" panose="020F0502020204030204" pitchFamily="34" charset="0"/>
+                <a:ea typeface="Calibri" panose="020F0502020204030204" pitchFamily="34" charset="0"/>
+                <a:cs typeface="Calibri" panose="020F0502020204030204" pitchFamily="34" charset="0"/>
+              </a:rPr>
+              <a:t>Time-based </a:t>
+            </a:r>
+            <a:r>
+              <a:rPr lang="en-US" sz="1400" b="0" i="0" dirty="0">
+                <a:solidFill>
+                  <a:srgbClr val="242424"/>
+                </a:solidFill>
+                <a:effectLst/>
+                <a:latin typeface="Calibri" panose="020F0502020204030204" pitchFamily="34" charset="0"/>
+                <a:ea typeface="Calibri" panose="020F0502020204030204" pitchFamily="34" charset="0"/>
+                <a:cs typeface="Calibri" panose="020F0502020204030204" pitchFamily="34" charset="0"/>
+              </a:rPr>
+              <a:t>— For example, if new data arrives into the system on a fixed schedule the pipeline can be executed after the arrival of new data.</a:t>
+            </a:r>
+          </a:p>
+          <a:p>
+            <a:pPr algn="l">
+              <a:buFont typeface="+mj-lt"/>
+              <a:buAutoNum type="arabicPeriod"/>
+            </a:pPr>
+            <a:r>
+              <a:rPr lang="en-US" sz="1400" b="1" i="0" dirty="0">
+                <a:solidFill>
+                  <a:srgbClr val="242424"/>
+                </a:solidFill>
+                <a:effectLst/>
+                <a:latin typeface="Calibri" panose="020F0502020204030204" pitchFamily="34" charset="0"/>
+                <a:ea typeface="Calibri" panose="020F0502020204030204" pitchFamily="34" charset="0"/>
+                <a:cs typeface="Calibri" panose="020F0502020204030204" pitchFamily="34" charset="0"/>
+              </a:rPr>
+              <a:t>Triggered when new data arrives </a:t>
+            </a:r>
+            <a:r>
+              <a:rPr lang="en-US" sz="1400" b="0" i="0" dirty="0">
+                <a:solidFill>
+                  <a:srgbClr val="242424"/>
+                </a:solidFill>
+                <a:effectLst/>
+                <a:latin typeface="Calibri" panose="020F0502020204030204" pitchFamily="34" charset="0"/>
+                <a:ea typeface="Calibri" panose="020F0502020204030204" pitchFamily="34" charset="0"/>
+                <a:cs typeface="Calibri" panose="020F0502020204030204" pitchFamily="34" charset="0"/>
+              </a:rPr>
+              <a:t>— When ad-hoc data arrives at the data source it triggers the pipeline to retrain the model on the new data.</a:t>
+            </a:r>
+          </a:p>
+          <a:p>
+            <a:pPr algn="l">
+              <a:buFont typeface="+mj-lt"/>
+              <a:buAutoNum type="arabicPeriod"/>
+            </a:pPr>
+            <a:r>
+              <a:rPr lang="en-US" sz="1400" b="1" i="0" dirty="0">
+                <a:solidFill>
+                  <a:srgbClr val="242424"/>
+                </a:solidFill>
+                <a:effectLst/>
+                <a:latin typeface="Calibri" panose="020F0502020204030204" pitchFamily="34" charset="0"/>
+                <a:ea typeface="Calibri" panose="020F0502020204030204" pitchFamily="34" charset="0"/>
+                <a:cs typeface="Calibri" panose="020F0502020204030204" pitchFamily="34" charset="0"/>
+              </a:rPr>
+              <a:t>Model performance deterioration </a:t>
+            </a:r>
+            <a:r>
+              <a:rPr lang="en-US" sz="1400" b="0" i="0" dirty="0">
+                <a:solidFill>
+                  <a:srgbClr val="242424"/>
+                </a:solidFill>
+                <a:effectLst/>
+                <a:latin typeface="Calibri" panose="020F0502020204030204" pitchFamily="34" charset="0"/>
+                <a:ea typeface="Calibri" panose="020F0502020204030204" pitchFamily="34" charset="0"/>
+                <a:cs typeface="Calibri" panose="020F0502020204030204" pitchFamily="34" charset="0"/>
+              </a:rPr>
+              <a:t>— If the model in production deteriorates beyond a pre-defined threshold it should trigger retraining of the model.</a:t>
+            </a:r>
+          </a:p>
+          <a:p>
+            <a:pPr algn="l">
+              <a:buFont typeface="+mj-lt"/>
+              <a:buAutoNum type="arabicPeriod"/>
+            </a:pPr>
+            <a:r>
+              <a:rPr lang="en-US" sz="1400" b="1" i="0" dirty="0">
+                <a:solidFill>
+                  <a:srgbClr val="242424"/>
+                </a:solidFill>
+                <a:effectLst/>
+                <a:latin typeface="Calibri" panose="020F0502020204030204" pitchFamily="34" charset="0"/>
+                <a:ea typeface="Calibri" panose="020F0502020204030204" pitchFamily="34" charset="0"/>
+                <a:cs typeface="Calibri" panose="020F0502020204030204" pitchFamily="34" charset="0"/>
+              </a:rPr>
+              <a:t>Data distribution changes </a:t>
+            </a:r>
+            <a:r>
+              <a:rPr lang="en-US" sz="1400" b="0" i="0" dirty="0">
+                <a:solidFill>
+                  <a:srgbClr val="242424"/>
+                </a:solidFill>
+                <a:effectLst/>
+                <a:latin typeface="Calibri" panose="020F0502020204030204" pitchFamily="34" charset="0"/>
+                <a:ea typeface="Calibri" panose="020F0502020204030204" pitchFamily="34" charset="0"/>
+                <a:cs typeface="Calibri" panose="020F0502020204030204" pitchFamily="34" charset="0"/>
+              </a:rPr>
+              <a:t>— Significant changes in data distribution can trigger the pipeline to retrain the model.</a:t>
+            </a:r>
+          </a:p>
+        </p:txBody>
+      </p:sp>
+    </p:spTree>
+    <p:extLst>
+      <p:ext uri="{BB962C8B-B14F-4D97-AF65-F5344CB8AC3E}">
+        <p14:creationId xmlns:p14="http://schemas.microsoft.com/office/powerpoint/2010/main" val="2278581461"/>
+      </p:ext>
+    </p:extLst>
+  </p:cSld>
+  <p:clrMapOvr>
+    <a:masterClrMapping/>
+  </p:clrMapOvr>
+</p:sld>
+</file>
+
+<file path=ppt/slides/slide17.xml><?xml version="1.0" encoding="utf-8"?>
+<p:sld xmlns:a="http://schemas.openxmlformats.org/drawingml/2006/main" xmlns:r="http://schemas.openxmlformats.org/officeDocument/2006/relationships" xmlns:p="http://schemas.openxmlformats.org/presentationml/2006/main" showMasterSp="0">
+  <p:cSld>
+    <p:spTree>
+      <p:nvGrpSpPr>
+        <p:cNvPr id="1" name=""/>
+        <p:cNvGrpSpPr/>
+        <p:nvPr/>
+      </p:nvGrpSpPr>
+      <p:grpSpPr>
+        <a:xfrm>
+          <a:off x="0" y="0"/>
+          <a:ext cx="0" cy="0"/>
+          <a:chOff x="0" y="0"/>
+          <a:chExt cx="0" cy="0"/>
+        </a:xfrm>
+      </p:grpSpPr>
+      <p:sp>
+        <p:nvSpPr>
           <p:cNvPr id="2" name="Title 1">
             <a:extLst>
               <a:ext uri="{FF2B5EF4-FFF2-40B4-BE49-F238E27FC236}">
@@ -20390,14 +25650,28 @@
           <a:lstStyle/>
           <a:p>
             <a:r>
+              <a:rPr lang="en-US" sz="2900" b="1" dirty="0">
+                <a:effectLst/>
+                <a:latin typeface="Calibri" panose="020F0502020204030204" pitchFamily="34" charset="0"/>
+                <a:ea typeface="Calibri" panose="020F0502020204030204" pitchFamily="34" charset="0"/>
+                <a:cs typeface="Calibri" panose="020F0502020204030204" pitchFamily="34" charset="0"/>
+              </a:rPr>
+              <a:t>Requirements</a:t>
+            </a:r>
+            <a:r>
               <a:rPr lang="en-US" sz="2800" b="1" dirty="0">
                 <a:effectLst/>
-                <a:latin typeface="Arial" panose="020B0604020202020204" pitchFamily="34" charset="0"/>
-                <a:ea typeface="SimSun" panose="02010600030101010101" pitchFamily="2" charset="-122"/>
+                <a:latin typeface="Calibri" panose="020F0502020204030204" pitchFamily="34" charset="0"/>
+                <a:ea typeface="Calibri" panose="020F0502020204030204" pitchFamily="34" charset="0"/>
+                <a:cs typeface="Calibri" panose="020F0502020204030204" pitchFamily="34" charset="0"/>
               </a:rPr>
-              <a:t>Requirements Overview</a:t>
+              <a:t> Overview</a:t>
             </a:r>
-            <a:endParaRPr lang="en-SG" sz="2800" dirty="0"/>
+            <a:endParaRPr lang="en-SG" sz="2800" dirty="0">
+              <a:latin typeface="Calibri" panose="020F0502020204030204" pitchFamily="34" charset="0"/>
+              <a:ea typeface="Calibri" panose="020F0502020204030204" pitchFamily="34" charset="0"/>
+              <a:cs typeface="Calibri" panose="020F0502020204030204" pitchFamily="34" charset="0"/>
+            </a:endParaRPr>
           </a:p>
         </p:txBody>
       </p:sp>
@@ -20708,7 +25982,7 @@
             <a:fld id="{2F63C605-4FC6-46DE-BC90-871762EA3F52}" type="slidenum">
               <a:rPr lang="en-SG" smtClean="0"/>
               <a:pPr/>
-              <a:t>12</a:t>
+              <a:t>17</a:t>
             </a:fld>
             <a:endParaRPr lang="en-SG" dirty="0"/>
           </a:p>
@@ -20763,7 +26037,7 @@
 </p:sld>
 </file>
 
-<file path=ppt/slides/slide13.xml><?xml version="1.0" encoding="utf-8"?>
+<file path=ppt/slides/slide18.xml><?xml version="1.0" encoding="utf-8"?>
 <p:sld xmlns:a="http://schemas.openxmlformats.org/drawingml/2006/main" xmlns:r="http://schemas.openxmlformats.org/officeDocument/2006/relationships" xmlns:p="http://schemas.openxmlformats.org/presentationml/2006/main" showMasterSp="0">
   <p:cSld>
     <p:spTree>
@@ -20803,7 +26077,11 @@
           <a:lstStyle/>
           <a:p>
             <a:r>
-              <a:rPr lang="en-SG" sz="2700" dirty="0"/>
+              <a:rPr lang="en-SG" sz="2900" dirty="0">
+                <a:latin typeface="Calibri" panose="020F0502020204030204" pitchFamily="34" charset="0"/>
+                <a:ea typeface="Calibri" panose="020F0502020204030204" pitchFamily="34" charset="0"/>
+                <a:cs typeface="Calibri" panose="020F0502020204030204" pitchFamily="34" charset="0"/>
+              </a:rPr>
               <a:t>Project deliverables With Effort Estimates </a:t>
             </a:r>
           </a:p>
@@ -20859,7 +26137,7 @@
             <a:fld id="{2F63C605-4FC6-46DE-BC90-871762EA3F52}" type="slidenum">
               <a:rPr lang="en-SG" smtClean="0"/>
               <a:pPr/>
-              <a:t>13</a:t>
+              <a:t>18</a:t>
             </a:fld>
             <a:endParaRPr lang="en-SG" dirty="0"/>
           </a:p>
@@ -21254,7 +26532,7 @@
 </p:sld>
 </file>
 
-<file path=ppt/slides/slide14.xml><?xml version="1.0" encoding="utf-8"?>
+<file path=ppt/slides/slide19.xml><?xml version="1.0" encoding="utf-8"?>
 <p:sld xmlns:a="http://schemas.openxmlformats.org/drawingml/2006/main" xmlns:r="http://schemas.openxmlformats.org/officeDocument/2006/relationships" xmlns:p="http://schemas.openxmlformats.org/presentationml/2006/main" showMasterSp="0">
   <p:cSld>
     <p:spTree>
@@ -21288,11 +26566,17 @@
           </a:xfrm>
         </p:spPr>
         <p:txBody>
-          <a:bodyPr/>
+          <a:bodyPr>
+            <a:normAutofit/>
+          </a:bodyPr>
           <a:lstStyle/>
           <a:p>
             <a:r>
-              <a:rPr lang="en-SG" dirty="0"/>
+              <a:rPr lang="en-SG" sz="2900" dirty="0">
+                <a:latin typeface="Calibri" panose="020F0502020204030204" pitchFamily="34" charset="0"/>
+                <a:ea typeface="Calibri" panose="020F0502020204030204" pitchFamily="34" charset="0"/>
+                <a:cs typeface="Calibri" panose="020F0502020204030204" pitchFamily="34" charset="0"/>
+              </a:rPr>
               <a:t>References</a:t>
             </a:r>
           </a:p>
@@ -21342,7 +26626,7 @@
             <a:fld id="{2F63C605-4FC6-46DE-BC90-871762EA3F52}" type="slidenum">
               <a:rPr lang="en-SG" smtClean="0"/>
               <a:pPr/>
-              <a:t>14</a:t>
+              <a:t>19</a:t>
             </a:fld>
             <a:endParaRPr lang="en-SG" dirty="0"/>
           </a:p>
@@ -21827,6 +27111,231 @@
     <p:extLst>
       <p:ext uri="{BB962C8B-B14F-4D97-AF65-F5344CB8AC3E}">
         <p14:creationId xmlns:p14="http://schemas.microsoft.com/office/powerpoint/2010/main" val="3380677050"/>
+      </p:ext>
+    </p:extLst>
+  </p:cSld>
+  <p:clrMapOvr>
+    <a:masterClrMapping/>
+  </p:clrMapOvr>
+</p:sld>
+</file>
+
+<file path=ppt/slides/slide20.xml><?xml version="1.0" encoding="utf-8"?>
+<p:sld xmlns:a="http://schemas.openxmlformats.org/drawingml/2006/main" xmlns:r="http://schemas.openxmlformats.org/officeDocument/2006/relationships" xmlns:p="http://schemas.openxmlformats.org/presentationml/2006/main" showMasterSp="0">
+  <p:cSld>
+    <p:spTree>
+      <p:nvGrpSpPr>
+        <p:cNvPr id="1" name=""/>
+        <p:cNvGrpSpPr/>
+        <p:nvPr/>
+      </p:nvGrpSpPr>
+      <p:grpSpPr>
+        <a:xfrm>
+          <a:off x="0" y="0"/>
+          <a:ext cx="0" cy="0"/>
+          <a:chOff x="0" y="0"/>
+          <a:chExt cx="0" cy="0"/>
+        </a:xfrm>
+      </p:grpSpPr>
+      <p:sp>
+        <p:nvSpPr>
+          <p:cNvPr id="4" name="Slide Number Placeholder 3">
+            <a:extLst>
+              <a:ext uri="{FF2B5EF4-FFF2-40B4-BE49-F238E27FC236}">
+                <a16:creationId xmlns:a16="http://schemas.microsoft.com/office/drawing/2014/main" id="{4C9E143D-E8B7-78CF-128D-4B0245211C83}"/>
+              </a:ext>
+            </a:extLst>
+          </p:cNvPr>
+          <p:cNvSpPr>
+            <a:spLocks noGrp="1"/>
+          </p:cNvSpPr>
+          <p:nvPr>
+            <p:ph type="sldNum" sz="quarter" idx="4"/>
+          </p:nvPr>
+        </p:nvSpPr>
+        <p:spPr/>
+        <p:txBody>
+          <a:bodyPr/>
+          <a:lstStyle/>
+          <a:p>
+            <a:pPr marL="0" marR="0" lvl="0" indent="0" algn="r" defTabSz="914400" rtl="0" eaLnBrk="1" fontAlgn="auto" latinLnBrk="0" hangingPunct="1">
+              <a:lnSpc>
+                <a:spcPct val="100000"/>
+              </a:lnSpc>
+              <a:spcBef>
+                <a:spcPts val="0"/>
+              </a:spcBef>
+              <a:spcAft>
+                <a:spcPts val="0"/>
+              </a:spcAft>
+              <a:buClrTx/>
+              <a:buSzTx/>
+              <a:buFontTx/>
+              <a:buNone/>
+              <a:tabLst/>
+              <a:defRPr/>
+            </a:pPr>
+            <a:r>
+              <a:rPr kumimoji="0" lang="en-SG" sz="1000" b="0" i="0" u="none" strike="noStrike" kern="1200" cap="none" spc="0" normalizeH="0" baseline="0" noProof="0">
+                <a:ln>
+                  <a:noFill/>
+                </a:ln>
+                <a:solidFill>
+                  <a:prstClr val="black">
+                    <a:tint val="75000"/>
+                  </a:prstClr>
+                </a:solidFill>
+                <a:effectLst/>
+                <a:uLnTx/>
+                <a:uFillTx/>
+                <a:latin typeface="Arial" panose="020B0604020202020204" pitchFamily="34" charset="0"/>
+                <a:ea typeface="+mn-ea"/>
+                <a:cs typeface="Arial" panose="020B0604020202020204" pitchFamily="34" charset="0"/>
+              </a:rPr>
+              <a:t>Page </a:t>
+            </a:r>
+            <a:fld id="{2F63C605-4FC6-46DE-BC90-871762EA3F52}" type="slidenum">
+              <a:rPr kumimoji="0" lang="en-SG" sz="1000" b="0" i="0" u="none" strike="noStrike" kern="1200" cap="none" spc="0" normalizeH="0" baseline="0" noProof="0" smtClean="0">
+                <a:ln>
+                  <a:noFill/>
+                </a:ln>
+                <a:solidFill>
+                  <a:prstClr val="black">
+                    <a:tint val="75000"/>
+                  </a:prstClr>
+                </a:solidFill>
+                <a:effectLst/>
+                <a:uLnTx/>
+                <a:uFillTx/>
+                <a:latin typeface="Arial" panose="020B0604020202020204" pitchFamily="34" charset="0"/>
+                <a:ea typeface="+mn-ea"/>
+                <a:cs typeface="Arial" panose="020B0604020202020204" pitchFamily="34" charset="0"/>
+              </a:rPr>
+              <a:pPr marL="0" marR="0" lvl="0" indent="0" algn="r" defTabSz="914400" rtl="0" eaLnBrk="1" fontAlgn="auto" latinLnBrk="0" hangingPunct="1">
+                <a:lnSpc>
+                  <a:spcPct val="100000"/>
+                </a:lnSpc>
+                <a:spcBef>
+                  <a:spcPts val="0"/>
+                </a:spcBef>
+                <a:spcAft>
+                  <a:spcPts val="0"/>
+                </a:spcAft>
+                <a:buClrTx/>
+                <a:buSzTx/>
+                <a:buFontTx/>
+                <a:buNone/>
+                <a:tabLst/>
+                <a:defRPr/>
+              </a:pPr>
+              <a:t>20</a:t>
+            </a:fld>
+            <a:endParaRPr kumimoji="0" lang="en-SG" sz="1000" b="0" i="0" u="none" strike="noStrike" kern="1200" cap="none" spc="0" normalizeH="0" baseline="0" noProof="0" dirty="0">
+              <a:ln>
+                <a:noFill/>
+              </a:ln>
+              <a:solidFill>
+                <a:prstClr val="black">
+                  <a:tint val="75000"/>
+                </a:prstClr>
+              </a:solidFill>
+              <a:effectLst/>
+              <a:uLnTx/>
+              <a:uFillTx/>
+              <a:latin typeface="Arial" panose="020B0604020202020204" pitchFamily="34" charset="0"/>
+              <a:ea typeface="+mn-ea"/>
+              <a:cs typeface="Arial" panose="020B0604020202020204" pitchFamily="34" charset="0"/>
+            </a:endParaRPr>
+          </a:p>
+        </p:txBody>
+      </p:sp>
+      <p:pic>
+        <p:nvPicPr>
+          <p:cNvPr id="5" name="Picture 4">
+            <a:extLst>
+              <a:ext uri="{FF2B5EF4-FFF2-40B4-BE49-F238E27FC236}">
+                <a16:creationId xmlns:a16="http://schemas.microsoft.com/office/drawing/2014/main" id="{96F6CBEC-E3DF-C02F-0185-C656E9165360}"/>
+              </a:ext>
+            </a:extLst>
+          </p:cNvPr>
+          <p:cNvPicPr>
+            <a:picLocks noChangeAspect="1"/>
+          </p:cNvPicPr>
+          <p:nvPr/>
+        </p:nvPicPr>
+        <p:blipFill>
+          <a:blip r:embed="rId2">
+            <a:extLst>
+              <a:ext uri="{28A0092B-C50C-407E-A947-70E740481C1C}">
+                <a14:useLocalDpi xmlns:a14="http://schemas.microsoft.com/office/drawing/2010/main" val="0"/>
+              </a:ext>
+            </a:extLst>
+          </a:blip>
+          <a:stretch>
+            <a:fillRect/>
+          </a:stretch>
+        </p:blipFill>
+        <p:spPr>
+          <a:xfrm>
+            <a:off x="6800699" y="81579"/>
+            <a:ext cx="2193969" cy="737571"/>
+          </a:xfrm>
+          <a:prstGeom prst="rect">
+            <a:avLst/>
+          </a:prstGeom>
+        </p:spPr>
+      </p:pic>
+      <p:pic>
+        <p:nvPicPr>
+          <p:cNvPr id="1032" name="Picture 8" descr="How to Respond to Thank You (In All Kind of Situations)">
+            <a:extLst>
+              <a:ext uri="{FF2B5EF4-FFF2-40B4-BE49-F238E27FC236}">
+                <a16:creationId xmlns:a16="http://schemas.microsoft.com/office/drawing/2014/main" id="{1965AE42-A316-6BC1-F57F-D33A92F18C5A}"/>
+              </a:ext>
+            </a:extLst>
+          </p:cNvPr>
+          <p:cNvPicPr>
+            <a:picLocks noChangeAspect="1" noChangeArrowheads="1"/>
+          </p:cNvPicPr>
+          <p:nvPr/>
+        </p:nvPicPr>
+        <p:blipFill>
+          <a:blip r:embed="rId3">
+            <a:extLst>
+              <a:ext uri="{28A0092B-C50C-407E-A947-70E740481C1C}">
+                <a14:useLocalDpi xmlns:a14="http://schemas.microsoft.com/office/drawing/2010/main" val="0"/>
+              </a:ext>
+            </a:extLst>
+          </a:blip>
+          <a:srcRect/>
+          <a:stretch>
+            <a:fillRect/>
+          </a:stretch>
+        </p:blipFill>
+        <p:spPr bwMode="auto">
+          <a:xfrm>
+            <a:off x="2977642" y="2057131"/>
+            <a:ext cx="2619375" cy="1743075"/>
+          </a:xfrm>
+          <a:prstGeom prst="rect">
+            <a:avLst/>
+          </a:prstGeom>
+          <a:noFill/>
+          <a:extLst>
+            <a:ext uri="{909E8E84-426E-40DD-AFC4-6F175D3DCCD1}">
+              <a14:hiddenFill xmlns:a14="http://schemas.microsoft.com/office/drawing/2010/main">
+                <a:solidFill>
+                  <a:srgbClr val="FFFFFF"/>
+                </a:solidFill>
+              </a14:hiddenFill>
+            </a:ext>
+          </a:extLst>
+        </p:spPr>
+      </p:pic>
+    </p:spTree>
+    <p:extLst>
+      <p:ext uri="{BB962C8B-B14F-4D97-AF65-F5344CB8AC3E}">
+        <p14:creationId xmlns:p14="http://schemas.microsoft.com/office/powerpoint/2010/main" val="2116356073"/>
       </p:ext>
     </p:extLst>
   </p:cSld>
@@ -29245,6 +34754,288 @@
 </file>
 
 <file path=ppt/theme/theme2.xml><?xml version="1.0" encoding="utf-8"?>
+<a:theme xmlns:a="http://schemas.openxmlformats.org/drawingml/2006/main" name="2_Theme1">
+  <a:themeElements>
+    <a:clrScheme name="Office">
+      <a:dk1>
+        <a:sysClr val="windowText" lastClr="000000"/>
+      </a:dk1>
+      <a:lt1>
+        <a:sysClr val="window" lastClr="FFFFFF"/>
+      </a:lt1>
+      <a:dk2>
+        <a:srgbClr val="44546A"/>
+      </a:dk2>
+      <a:lt2>
+        <a:srgbClr val="E7E6E6"/>
+      </a:lt2>
+      <a:accent1>
+        <a:srgbClr val="173F7E"/>
+      </a:accent1>
+      <a:accent2>
+        <a:srgbClr val="F58220"/>
+      </a:accent2>
+      <a:accent3>
+        <a:srgbClr val="404040"/>
+      </a:accent3>
+      <a:accent4>
+        <a:srgbClr val="33BBBC"/>
+      </a:accent4>
+      <a:accent5>
+        <a:srgbClr val="7F7F7F"/>
+      </a:accent5>
+      <a:accent6>
+        <a:srgbClr val="FFFFFF"/>
+      </a:accent6>
+      <a:hlink>
+        <a:srgbClr val="173F7E"/>
+      </a:hlink>
+      <a:folHlink>
+        <a:srgbClr val="7F7F7F"/>
+      </a:folHlink>
+    </a:clrScheme>
+    <a:fontScheme name="Arial">
+      <a:majorFont>
+        <a:latin typeface="Arial"/>
+        <a:ea typeface=""/>
+        <a:cs typeface=""/>
+        <a:font script="Jpan" typeface="ＭＳ Ｐゴシック"/>
+        <a:font script="Hang" typeface="굴림"/>
+        <a:font script="Hans" typeface="黑体"/>
+        <a:font script="Hant" typeface="微軟正黑體"/>
+        <a:font script="Arab" typeface="Arial"/>
+        <a:font script="Hebr" typeface="Arial"/>
+        <a:font script="Thai" typeface="Cordia New"/>
+        <a:font script="Ethi" typeface="Nyala"/>
+        <a:font script="Beng" typeface="Vrinda"/>
+        <a:font script="Gujr" typeface="Shruti"/>
+        <a:font script="Khmr" typeface="DaunPenh"/>
+        <a:font script="Knda" typeface="Tunga"/>
+        <a:font script="Guru" typeface="Raavi"/>
+        <a:font script="Cans" typeface="Euphemia"/>
+        <a:font script="Cher" typeface="Plantagenet Cherokee"/>
+        <a:font script="Yiii" typeface="Microsoft Yi Baiti"/>
+        <a:font script="Tibt" typeface="Microsoft Himalaya"/>
+        <a:font script="Thaa" typeface="MV Boli"/>
+        <a:font script="Deva" typeface="Mangal"/>
+        <a:font script="Telu" typeface="Gautami"/>
+        <a:font script="Taml" typeface="Latha"/>
+        <a:font script="Syrc" typeface="Estrangelo Edessa"/>
+        <a:font script="Orya" typeface="Kalinga"/>
+        <a:font script="Mlym" typeface="Kartika"/>
+        <a:font script="Laoo" typeface="DokChampa"/>
+        <a:font script="Sinh" typeface="Iskoola Pota"/>
+        <a:font script="Mong" typeface="Mongolian Baiti"/>
+        <a:font script="Viet" typeface="Arial"/>
+        <a:font script="Uigh" typeface="Microsoft Uighur"/>
+        <a:font script="Geor" typeface="Sylfaen"/>
+      </a:majorFont>
+      <a:minorFont>
+        <a:latin typeface="Arial"/>
+        <a:ea typeface=""/>
+        <a:cs typeface=""/>
+        <a:font script="Jpan" typeface="ＭＳ Ｐゴシック"/>
+        <a:font script="Hang" typeface="굴림"/>
+        <a:font script="Hans" typeface="黑体"/>
+        <a:font script="Hant" typeface="微軟正黑體"/>
+        <a:font script="Arab" typeface="Arial"/>
+        <a:font script="Hebr" typeface="Arial"/>
+        <a:font script="Thai" typeface="Cordia New"/>
+        <a:font script="Ethi" typeface="Nyala"/>
+        <a:font script="Beng" typeface="Vrinda"/>
+        <a:font script="Gujr" typeface="Shruti"/>
+        <a:font script="Khmr" typeface="DaunPenh"/>
+        <a:font script="Knda" typeface="Tunga"/>
+        <a:font script="Guru" typeface="Raavi"/>
+        <a:font script="Cans" typeface="Euphemia"/>
+        <a:font script="Cher" typeface="Plantagenet Cherokee"/>
+        <a:font script="Yiii" typeface="Microsoft Yi Baiti"/>
+        <a:font script="Tibt" typeface="Microsoft Himalaya"/>
+        <a:font script="Thaa" typeface="MV Boli"/>
+        <a:font script="Deva" typeface="Mangal"/>
+        <a:font script="Telu" typeface="Gautami"/>
+        <a:font script="Taml" typeface="Latha"/>
+        <a:font script="Syrc" typeface="Estrangelo Edessa"/>
+        <a:font script="Orya" typeface="Kalinga"/>
+        <a:font script="Mlym" typeface="Kartika"/>
+        <a:font script="Laoo" typeface="DokChampa"/>
+        <a:font script="Sinh" typeface="Iskoola Pota"/>
+        <a:font script="Mong" typeface="Mongolian Baiti"/>
+        <a:font script="Viet" typeface="Arial"/>
+        <a:font script="Uigh" typeface="Microsoft Uighur"/>
+        <a:font script="Geor" typeface="Sylfaen"/>
+      </a:minorFont>
+    </a:fontScheme>
+    <a:fmtScheme name="Office Theme">
+      <a:fillStyleLst>
+        <a:solidFill>
+          <a:schemeClr val="phClr"/>
+        </a:solidFill>
+        <a:gradFill rotWithShape="1">
+          <a:gsLst>
+            <a:gs pos="0">
+              <a:schemeClr val="phClr">
+                <a:lumMod val="110000"/>
+                <a:satMod val="105000"/>
+                <a:tint val="67000"/>
+              </a:schemeClr>
+            </a:gs>
+            <a:gs pos="50000">
+              <a:schemeClr val="phClr">
+                <a:lumMod val="105000"/>
+                <a:satMod val="103000"/>
+                <a:tint val="73000"/>
+              </a:schemeClr>
+            </a:gs>
+            <a:gs pos="100000">
+              <a:schemeClr val="phClr">
+                <a:lumMod val="105000"/>
+                <a:satMod val="109000"/>
+                <a:tint val="81000"/>
+              </a:schemeClr>
+            </a:gs>
+          </a:gsLst>
+          <a:lin ang="5400000" scaled="0"/>
+        </a:gradFill>
+        <a:gradFill rotWithShape="1">
+          <a:gsLst>
+            <a:gs pos="0">
+              <a:schemeClr val="phClr">
+                <a:satMod val="103000"/>
+                <a:lumMod val="102000"/>
+                <a:tint val="94000"/>
+              </a:schemeClr>
+            </a:gs>
+            <a:gs pos="50000">
+              <a:schemeClr val="phClr">
+                <a:satMod val="110000"/>
+                <a:lumMod val="100000"/>
+                <a:shade val="100000"/>
+              </a:schemeClr>
+            </a:gs>
+            <a:gs pos="100000">
+              <a:schemeClr val="phClr">
+                <a:lumMod val="99000"/>
+                <a:satMod val="120000"/>
+                <a:shade val="78000"/>
+              </a:schemeClr>
+            </a:gs>
+          </a:gsLst>
+          <a:lin ang="5400000" scaled="0"/>
+        </a:gradFill>
+      </a:fillStyleLst>
+      <a:lnStyleLst>
+        <a:ln w="6350" cap="flat" cmpd="sng" algn="ctr">
+          <a:solidFill>
+            <a:schemeClr val="phClr"/>
+          </a:solidFill>
+          <a:prstDash val="solid"/>
+          <a:miter lim="800000"/>
+        </a:ln>
+        <a:ln w="12700" cap="flat" cmpd="sng" algn="ctr">
+          <a:solidFill>
+            <a:schemeClr val="phClr"/>
+          </a:solidFill>
+          <a:prstDash val="solid"/>
+          <a:miter lim="800000"/>
+        </a:ln>
+        <a:ln w="19050" cap="flat" cmpd="sng" algn="ctr">
+          <a:solidFill>
+            <a:schemeClr val="phClr"/>
+          </a:solidFill>
+          <a:prstDash val="solid"/>
+          <a:miter lim="800000"/>
+        </a:ln>
+      </a:lnStyleLst>
+      <a:effectStyleLst>
+        <a:effectStyle>
+          <a:effectLst/>
+        </a:effectStyle>
+        <a:effectStyle>
+          <a:effectLst/>
+        </a:effectStyle>
+        <a:effectStyle>
+          <a:effectLst>
+            <a:outerShdw blurRad="57150" dist="19050" dir="5400000" algn="ctr" rotWithShape="0">
+              <a:srgbClr val="000000">
+                <a:alpha val="63000"/>
+              </a:srgbClr>
+            </a:outerShdw>
+          </a:effectLst>
+        </a:effectStyle>
+      </a:effectStyleLst>
+      <a:bgFillStyleLst>
+        <a:solidFill>
+          <a:schemeClr val="phClr"/>
+        </a:solidFill>
+        <a:solidFill>
+          <a:schemeClr val="phClr">
+            <a:tint val="95000"/>
+            <a:satMod val="170000"/>
+          </a:schemeClr>
+        </a:solidFill>
+        <a:gradFill rotWithShape="1">
+          <a:gsLst>
+            <a:gs pos="0">
+              <a:schemeClr val="phClr">
+                <a:tint val="93000"/>
+                <a:satMod val="150000"/>
+                <a:shade val="98000"/>
+                <a:lumMod val="102000"/>
+              </a:schemeClr>
+            </a:gs>
+            <a:gs pos="50000">
+              <a:schemeClr val="phClr">
+                <a:tint val="98000"/>
+                <a:satMod val="130000"/>
+                <a:shade val="90000"/>
+                <a:lumMod val="103000"/>
+              </a:schemeClr>
+            </a:gs>
+            <a:gs pos="100000">
+              <a:schemeClr val="phClr">
+                <a:shade val="63000"/>
+                <a:satMod val="120000"/>
+              </a:schemeClr>
+            </a:gs>
+          </a:gsLst>
+          <a:lin ang="5400000" scaled="0"/>
+        </a:gradFill>
+      </a:bgFillStyleLst>
+    </a:fmtScheme>
+  </a:themeElements>
+  <a:objectDefaults>
+    <a:txDef>
+      <a:spPr>
+        <a:noFill/>
+      </a:spPr>
+      <a:bodyPr wrap="square" rtlCol="0">
+        <a:spAutoFit/>
+      </a:bodyPr>
+      <a:lstStyle>
+        <a:defPPr>
+          <a:defRPr dirty="0" err="1" smtClean="0">
+            <a:solidFill>
+              <a:schemeClr val="tx1">
+                <a:lumMod val="75000"/>
+                <a:lumOff val="25000"/>
+              </a:schemeClr>
+            </a:solidFill>
+          </a:defRPr>
+        </a:defPPr>
+      </a:lstStyle>
+    </a:txDef>
+  </a:objectDefaults>
+  <a:extraClrSchemeLst/>
+  <a:extLst>
+    <a:ext uri="{05A4C25C-085E-4340-85A3-A5531E510DB2}">
+      <thm15:themeFamily xmlns:thm15="http://schemas.microsoft.com/office/thememl/2012/main" name="Theme1" id="{91B66467-7EFC-4B58-A0EB-3450E8B960CD}" vid="{B85C76FD-7EC2-4663-96A4-3E9E85EF7C10}"/>
+    </a:ext>
+  </a:extLst>
+</a:theme>
+</file>
+
+<file path=ppt/theme/theme3.xml><?xml version="1.0" encoding="utf-8"?>
 <a:theme xmlns:a="http://schemas.openxmlformats.org/drawingml/2006/main" name="Office Theme">
   <a:themeElements>
     <a:clrScheme name="Office">
@@ -29505,7 +35296,7 @@
 </a:theme>
 </file>
 
-<file path=ppt/theme/theme3.xml><?xml version="1.0" encoding="utf-8"?>
+<file path=ppt/theme/theme4.xml><?xml version="1.0" encoding="utf-8"?>
 <a:theme xmlns:a="http://schemas.openxmlformats.org/drawingml/2006/main" name="Office Theme">
   <a:themeElements>
     <a:clrScheme name="Office">
